--- a/Courses/Applied-Programmer/Programming-Basics/04-Повторения/09.Повторения.pptx
+++ b/Courses/Applied-Programmer/Programming-Basics/04-Повторения/09.Повторения.pptx
@@ -320,7 +320,7 @@
             <a:fld id="{FE5B4EDC-59C0-49C7-8ADA-5A781B329E02}" type="datetimeFigureOut">
               <a:rPr lang="en-US"/>
               <a:pPr/>
-              <a:t>16-Dec-19</a:t>
+              <a:t>09-Nov-20</a:t>
             </a:fld>
             <a:endParaRPr dirty="0"/>
           </a:p>
@@ -618,7 +618,7 @@
             <a:fld id="{F2D8D46A-B586-417D-BFBD-8C8FE0AAF762}" type="datetimeFigureOut">
               <a:rPr lang="en-US" smtClean="0"/>
               <a:pPr/>
-              <a:t>16-Dec-19</a:t>
+              <a:t>09-Nov-20</a:t>
             </a:fld>
             <a:endParaRPr lang="en-US" dirty="0"/>
           </a:p>
@@ -6178,6 +6178,170 @@
           </a:p>
         </p:txBody>
       </p:sp>
+      <p:sp>
+        <p:nvSpPr>
+          <p:cNvPr id="7" name="Текстово поле 1">
+            <a:extLst>
+              <a:ext uri="{FF2B5EF4-FFF2-40B4-BE49-F238E27FC236}">
+                <a16:creationId xmlns:a16="http://schemas.microsoft.com/office/drawing/2014/main" id="{6E158D8B-4183-4C73-971B-3010D58CBEB2}"/>
+              </a:ext>
+            </a:extLst>
+          </p:cNvPr>
+          <p:cNvSpPr txBox="1"/>
+          <p:nvPr/>
+        </p:nvSpPr>
+        <p:spPr>
+          <a:xfrm>
+            <a:off x="1519226" y="6063337"/>
+            <a:ext cx="9143999" cy="461665"/>
+          </a:xfrm>
+          <a:prstGeom prst="rect">
+            <a:avLst/>
+          </a:prstGeom>
+          <a:noFill/>
+        </p:spPr>
+        <p:txBody>
+          <a:bodyPr wrap="square" rtlCol="0">
+            <a:spAutoFit/>
+          </a:bodyPr>
+          <a:lstStyle>
+            <a:defPPr>
+              <a:defRPr lang="en-US"/>
+            </a:defPPr>
+            <a:lvl1pPr marL="0" algn="l" defTabSz="1218987" rtl="0" eaLnBrk="1" latinLnBrk="0" hangingPunct="1">
+              <a:defRPr sz="2400" kern="1200">
+                <a:solidFill>
+                  <a:schemeClr val="tx1"/>
+                </a:solidFill>
+                <a:latin typeface="+mn-lt"/>
+                <a:ea typeface="+mn-ea"/>
+                <a:cs typeface="+mn-cs"/>
+              </a:defRPr>
+            </a:lvl1pPr>
+            <a:lvl2pPr marL="609493" algn="l" defTabSz="1218987" rtl="0" eaLnBrk="1" latinLnBrk="0" hangingPunct="1">
+              <a:defRPr sz="2400" kern="1200">
+                <a:solidFill>
+                  <a:schemeClr val="tx1"/>
+                </a:solidFill>
+                <a:latin typeface="+mn-lt"/>
+                <a:ea typeface="+mn-ea"/>
+                <a:cs typeface="+mn-cs"/>
+              </a:defRPr>
+            </a:lvl2pPr>
+            <a:lvl3pPr marL="1218987" algn="l" defTabSz="1218987" rtl="0" eaLnBrk="1" latinLnBrk="0" hangingPunct="1">
+              <a:defRPr sz="2400" kern="1200">
+                <a:solidFill>
+                  <a:schemeClr val="tx1"/>
+                </a:solidFill>
+                <a:latin typeface="+mn-lt"/>
+                <a:ea typeface="+mn-ea"/>
+                <a:cs typeface="+mn-cs"/>
+              </a:defRPr>
+            </a:lvl3pPr>
+            <a:lvl4pPr marL="1828480" algn="l" defTabSz="1218987" rtl="0" eaLnBrk="1" latinLnBrk="0" hangingPunct="1">
+              <a:defRPr sz="2400" kern="1200">
+                <a:solidFill>
+                  <a:schemeClr val="tx1"/>
+                </a:solidFill>
+                <a:latin typeface="+mn-lt"/>
+                <a:ea typeface="+mn-ea"/>
+                <a:cs typeface="+mn-cs"/>
+              </a:defRPr>
+            </a:lvl4pPr>
+            <a:lvl5pPr marL="2437973" algn="l" defTabSz="1218987" rtl="0" eaLnBrk="1" latinLnBrk="0" hangingPunct="1">
+              <a:defRPr sz="2400" kern="1200">
+                <a:solidFill>
+                  <a:schemeClr val="tx1"/>
+                </a:solidFill>
+                <a:latin typeface="+mn-lt"/>
+                <a:ea typeface="+mn-ea"/>
+                <a:cs typeface="+mn-cs"/>
+              </a:defRPr>
+            </a:lvl5pPr>
+            <a:lvl6pPr marL="3047467" algn="l" defTabSz="1218987" rtl="0" eaLnBrk="1" latinLnBrk="0" hangingPunct="1">
+              <a:defRPr sz="2400" kern="1200">
+                <a:solidFill>
+                  <a:schemeClr val="tx1"/>
+                </a:solidFill>
+                <a:latin typeface="+mn-lt"/>
+                <a:ea typeface="+mn-ea"/>
+                <a:cs typeface="+mn-cs"/>
+              </a:defRPr>
+            </a:lvl6pPr>
+            <a:lvl7pPr marL="3656960" algn="l" defTabSz="1218987" rtl="0" eaLnBrk="1" latinLnBrk="0" hangingPunct="1">
+              <a:defRPr sz="2400" kern="1200">
+                <a:solidFill>
+                  <a:schemeClr val="tx1"/>
+                </a:solidFill>
+                <a:latin typeface="+mn-lt"/>
+                <a:ea typeface="+mn-ea"/>
+                <a:cs typeface="+mn-cs"/>
+              </a:defRPr>
+            </a:lvl7pPr>
+            <a:lvl8pPr marL="4266453" algn="l" defTabSz="1218987" rtl="0" eaLnBrk="1" latinLnBrk="0" hangingPunct="1">
+              <a:defRPr sz="2400" kern="1200">
+                <a:solidFill>
+                  <a:schemeClr val="tx1"/>
+                </a:solidFill>
+                <a:latin typeface="+mn-lt"/>
+                <a:ea typeface="+mn-ea"/>
+                <a:cs typeface="+mn-cs"/>
+              </a:defRPr>
+            </a:lvl8pPr>
+            <a:lvl9pPr marL="4875947" algn="l" defTabSz="1218987" rtl="0" eaLnBrk="1" latinLnBrk="0" hangingPunct="1">
+              <a:defRPr sz="2400" kern="1200">
+                <a:solidFill>
+                  <a:schemeClr val="tx1"/>
+                </a:solidFill>
+                <a:latin typeface="+mn-lt"/>
+                <a:ea typeface="+mn-ea"/>
+                <a:cs typeface="+mn-cs"/>
+              </a:defRPr>
+            </a:lvl9pPr>
+          </a:lstStyle>
+          <a:p>
+            <a:r>
+              <a:rPr lang="ru-RU" b="0" i="0" u="none" strike="noStrike" baseline="0" dirty="0">
+                <a:latin typeface="Calibri" panose="020F0502020204030204" pitchFamily="34" charset="0"/>
+              </a:rPr>
+              <a:t>Тествайте в </a:t>
+            </a:r>
+            <a:r>
+              <a:rPr lang="en-US" b="0" i="0" u="none" strike="noStrike" baseline="0" dirty="0">
+                <a:latin typeface="Calibri" panose="020F0502020204030204" pitchFamily="34" charset="0"/>
+              </a:rPr>
+              <a:t>Judge:</a:t>
+            </a:r>
+            <a:r>
+              <a:rPr lang="bg-BG" b="0" i="0" u="none" strike="noStrike" baseline="0" dirty="0">
+                <a:latin typeface="Calibri" panose="020F0502020204030204" pitchFamily="34" charset="0"/>
+              </a:rPr>
+              <a:t> </a:t>
+            </a:r>
+            <a:r>
+              <a:rPr lang="en-US" b="0" i="0" u="sng" strike="noStrike" baseline="0" dirty="0">
+                <a:solidFill>
+                  <a:srgbClr val="0563C1"/>
+                </a:solidFill>
+                <a:latin typeface="Calibri" panose="020F0502020204030204" pitchFamily="34" charset="0"/>
+                <a:hlinkClick r:id="rId2"/>
+              </a:rPr>
+              <a:t>https://judge.softuni.bg/Contests/2638/</a:t>
+            </a:r>
+            <a:r>
+              <a:rPr lang="bg-BG" b="0" i="0" u="sng" strike="noStrike" baseline="0" dirty="0">
+                <a:solidFill>
+                  <a:srgbClr val="0563C1"/>
+                </a:solidFill>
+                <a:latin typeface="Calibri" panose="020F0502020204030204" pitchFamily="34" charset="0"/>
+                <a:hlinkClick r:id="rId2"/>
+              </a:rPr>
+              <a:t>Повторения</a:t>
+            </a:r>
+            <a:endParaRPr lang="en-US" dirty="0"/>
+          </a:p>
+        </p:txBody>
+      </p:sp>
     </p:spTree>
     <p:extLst>
       <p:ext uri="{BB962C8B-B14F-4D97-AF65-F5344CB8AC3E}">
@@ -9142,6 +9306,170 @@
           </a:p>
         </p:txBody>
       </p:sp>
+      <p:sp>
+        <p:nvSpPr>
+          <p:cNvPr id="7" name="Текстово поле 1">
+            <a:extLst>
+              <a:ext uri="{FF2B5EF4-FFF2-40B4-BE49-F238E27FC236}">
+                <a16:creationId xmlns:a16="http://schemas.microsoft.com/office/drawing/2014/main" id="{6E158D8B-4183-4C73-971B-3010D58CBEB2}"/>
+              </a:ext>
+            </a:extLst>
+          </p:cNvPr>
+          <p:cNvSpPr txBox="1"/>
+          <p:nvPr/>
+        </p:nvSpPr>
+        <p:spPr>
+          <a:xfrm>
+            <a:off x="1519226" y="6076654"/>
+            <a:ext cx="9143999" cy="461665"/>
+          </a:xfrm>
+          <a:prstGeom prst="rect">
+            <a:avLst/>
+          </a:prstGeom>
+          <a:noFill/>
+        </p:spPr>
+        <p:txBody>
+          <a:bodyPr wrap="square" rtlCol="0">
+            <a:spAutoFit/>
+          </a:bodyPr>
+          <a:lstStyle>
+            <a:defPPr>
+              <a:defRPr lang="en-US"/>
+            </a:defPPr>
+            <a:lvl1pPr marL="0" algn="l" defTabSz="1218987" rtl="0" eaLnBrk="1" latinLnBrk="0" hangingPunct="1">
+              <a:defRPr sz="2400" kern="1200">
+                <a:solidFill>
+                  <a:schemeClr val="tx1"/>
+                </a:solidFill>
+                <a:latin typeface="+mn-lt"/>
+                <a:ea typeface="+mn-ea"/>
+                <a:cs typeface="+mn-cs"/>
+              </a:defRPr>
+            </a:lvl1pPr>
+            <a:lvl2pPr marL="609493" algn="l" defTabSz="1218987" rtl="0" eaLnBrk="1" latinLnBrk="0" hangingPunct="1">
+              <a:defRPr sz="2400" kern="1200">
+                <a:solidFill>
+                  <a:schemeClr val="tx1"/>
+                </a:solidFill>
+                <a:latin typeface="+mn-lt"/>
+                <a:ea typeface="+mn-ea"/>
+                <a:cs typeface="+mn-cs"/>
+              </a:defRPr>
+            </a:lvl2pPr>
+            <a:lvl3pPr marL="1218987" algn="l" defTabSz="1218987" rtl="0" eaLnBrk="1" latinLnBrk="0" hangingPunct="1">
+              <a:defRPr sz="2400" kern="1200">
+                <a:solidFill>
+                  <a:schemeClr val="tx1"/>
+                </a:solidFill>
+                <a:latin typeface="+mn-lt"/>
+                <a:ea typeface="+mn-ea"/>
+                <a:cs typeface="+mn-cs"/>
+              </a:defRPr>
+            </a:lvl3pPr>
+            <a:lvl4pPr marL="1828480" algn="l" defTabSz="1218987" rtl="0" eaLnBrk="1" latinLnBrk="0" hangingPunct="1">
+              <a:defRPr sz="2400" kern="1200">
+                <a:solidFill>
+                  <a:schemeClr val="tx1"/>
+                </a:solidFill>
+                <a:latin typeface="+mn-lt"/>
+                <a:ea typeface="+mn-ea"/>
+                <a:cs typeface="+mn-cs"/>
+              </a:defRPr>
+            </a:lvl4pPr>
+            <a:lvl5pPr marL="2437973" algn="l" defTabSz="1218987" rtl="0" eaLnBrk="1" latinLnBrk="0" hangingPunct="1">
+              <a:defRPr sz="2400" kern="1200">
+                <a:solidFill>
+                  <a:schemeClr val="tx1"/>
+                </a:solidFill>
+                <a:latin typeface="+mn-lt"/>
+                <a:ea typeface="+mn-ea"/>
+                <a:cs typeface="+mn-cs"/>
+              </a:defRPr>
+            </a:lvl5pPr>
+            <a:lvl6pPr marL="3047467" algn="l" defTabSz="1218987" rtl="0" eaLnBrk="1" latinLnBrk="0" hangingPunct="1">
+              <a:defRPr sz="2400" kern="1200">
+                <a:solidFill>
+                  <a:schemeClr val="tx1"/>
+                </a:solidFill>
+                <a:latin typeface="+mn-lt"/>
+                <a:ea typeface="+mn-ea"/>
+                <a:cs typeface="+mn-cs"/>
+              </a:defRPr>
+            </a:lvl6pPr>
+            <a:lvl7pPr marL="3656960" algn="l" defTabSz="1218987" rtl="0" eaLnBrk="1" latinLnBrk="0" hangingPunct="1">
+              <a:defRPr sz="2400" kern="1200">
+                <a:solidFill>
+                  <a:schemeClr val="tx1"/>
+                </a:solidFill>
+                <a:latin typeface="+mn-lt"/>
+                <a:ea typeface="+mn-ea"/>
+                <a:cs typeface="+mn-cs"/>
+              </a:defRPr>
+            </a:lvl7pPr>
+            <a:lvl8pPr marL="4266453" algn="l" defTabSz="1218987" rtl="0" eaLnBrk="1" latinLnBrk="0" hangingPunct="1">
+              <a:defRPr sz="2400" kern="1200">
+                <a:solidFill>
+                  <a:schemeClr val="tx1"/>
+                </a:solidFill>
+                <a:latin typeface="+mn-lt"/>
+                <a:ea typeface="+mn-ea"/>
+                <a:cs typeface="+mn-cs"/>
+              </a:defRPr>
+            </a:lvl8pPr>
+            <a:lvl9pPr marL="4875947" algn="l" defTabSz="1218987" rtl="0" eaLnBrk="1" latinLnBrk="0" hangingPunct="1">
+              <a:defRPr sz="2400" kern="1200">
+                <a:solidFill>
+                  <a:schemeClr val="tx1"/>
+                </a:solidFill>
+                <a:latin typeface="+mn-lt"/>
+                <a:ea typeface="+mn-ea"/>
+                <a:cs typeface="+mn-cs"/>
+              </a:defRPr>
+            </a:lvl9pPr>
+          </a:lstStyle>
+          <a:p>
+            <a:r>
+              <a:rPr lang="ru-RU" b="0" i="0" u="none" strike="noStrike" baseline="0" dirty="0">
+                <a:latin typeface="Calibri" panose="020F0502020204030204" pitchFamily="34" charset="0"/>
+              </a:rPr>
+              <a:t>Тествайте в </a:t>
+            </a:r>
+            <a:r>
+              <a:rPr lang="en-US" b="0" i="0" u="none" strike="noStrike" baseline="0" dirty="0">
+                <a:latin typeface="Calibri" panose="020F0502020204030204" pitchFamily="34" charset="0"/>
+              </a:rPr>
+              <a:t>Judge:</a:t>
+            </a:r>
+            <a:r>
+              <a:rPr lang="bg-BG" b="0" i="0" u="none" strike="noStrike" baseline="0" dirty="0">
+                <a:latin typeface="Calibri" panose="020F0502020204030204" pitchFamily="34" charset="0"/>
+              </a:rPr>
+              <a:t> </a:t>
+            </a:r>
+            <a:r>
+              <a:rPr lang="en-US" b="0" i="0" u="sng" strike="noStrike" baseline="0" dirty="0">
+                <a:solidFill>
+                  <a:srgbClr val="0563C1"/>
+                </a:solidFill>
+                <a:latin typeface="Calibri" panose="020F0502020204030204" pitchFamily="34" charset="0"/>
+                <a:hlinkClick r:id="rId2"/>
+              </a:rPr>
+              <a:t>https://judge.softuni.bg/Contests/2638/</a:t>
+            </a:r>
+            <a:r>
+              <a:rPr lang="bg-BG" b="0" i="0" u="sng" strike="noStrike" baseline="0" dirty="0">
+                <a:solidFill>
+                  <a:srgbClr val="0563C1"/>
+                </a:solidFill>
+                <a:latin typeface="Calibri" panose="020F0502020204030204" pitchFamily="34" charset="0"/>
+                <a:hlinkClick r:id="rId2"/>
+              </a:rPr>
+              <a:t>Повторения</a:t>
+            </a:r>
+            <a:endParaRPr lang="en-US" dirty="0"/>
+          </a:p>
+        </p:txBody>
+      </p:sp>
     </p:spTree>
     <p:extLst>
       <p:ext uri="{BB962C8B-B14F-4D97-AF65-F5344CB8AC3E}">
@@ -11047,6 +11375,170 @@
                 </a:prstClr>
               </a:solidFill>
             </a:endParaRPr>
+          </a:p>
+        </p:txBody>
+      </p:sp>
+      <p:sp>
+        <p:nvSpPr>
+          <p:cNvPr id="7" name="Текстово поле 1">
+            <a:extLst>
+              <a:ext uri="{FF2B5EF4-FFF2-40B4-BE49-F238E27FC236}">
+                <a16:creationId xmlns:a16="http://schemas.microsoft.com/office/drawing/2014/main" id="{6E158D8B-4183-4C73-971B-3010D58CBEB2}"/>
+              </a:ext>
+            </a:extLst>
+          </p:cNvPr>
+          <p:cNvSpPr txBox="1"/>
+          <p:nvPr/>
+        </p:nvSpPr>
+        <p:spPr>
+          <a:xfrm>
+            <a:off x="1519226" y="6063337"/>
+            <a:ext cx="9143999" cy="461665"/>
+          </a:xfrm>
+          <a:prstGeom prst="rect">
+            <a:avLst/>
+          </a:prstGeom>
+          <a:noFill/>
+        </p:spPr>
+        <p:txBody>
+          <a:bodyPr wrap="square" rtlCol="0">
+            <a:spAutoFit/>
+          </a:bodyPr>
+          <a:lstStyle>
+            <a:defPPr>
+              <a:defRPr lang="en-US"/>
+            </a:defPPr>
+            <a:lvl1pPr marL="0" algn="l" defTabSz="1218987" rtl="0" eaLnBrk="1" latinLnBrk="0" hangingPunct="1">
+              <a:defRPr sz="2400" kern="1200">
+                <a:solidFill>
+                  <a:schemeClr val="tx1"/>
+                </a:solidFill>
+                <a:latin typeface="+mn-lt"/>
+                <a:ea typeface="+mn-ea"/>
+                <a:cs typeface="+mn-cs"/>
+              </a:defRPr>
+            </a:lvl1pPr>
+            <a:lvl2pPr marL="609493" algn="l" defTabSz="1218987" rtl="0" eaLnBrk="1" latinLnBrk="0" hangingPunct="1">
+              <a:defRPr sz="2400" kern="1200">
+                <a:solidFill>
+                  <a:schemeClr val="tx1"/>
+                </a:solidFill>
+                <a:latin typeface="+mn-lt"/>
+                <a:ea typeface="+mn-ea"/>
+                <a:cs typeface="+mn-cs"/>
+              </a:defRPr>
+            </a:lvl2pPr>
+            <a:lvl3pPr marL="1218987" algn="l" defTabSz="1218987" rtl="0" eaLnBrk="1" latinLnBrk="0" hangingPunct="1">
+              <a:defRPr sz="2400" kern="1200">
+                <a:solidFill>
+                  <a:schemeClr val="tx1"/>
+                </a:solidFill>
+                <a:latin typeface="+mn-lt"/>
+                <a:ea typeface="+mn-ea"/>
+                <a:cs typeface="+mn-cs"/>
+              </a:defRPr>
+            </a:lvl3pPr>
+            <a:lvl4pPr marL="1828480" algn="l" defTabSz="1218987" rtl="0" eaLnBrk="1" latinLnBrk="0" hangingPunct="1">
+              <a:defRPr sz="2400" kern="1200">
+                <a:solidFill>
+                  <a:schemeClr val="tx1"/>
+                </a:solidFill>
+                <a:latin typeface="+mn-lt"/>
+                <a:ea typeface="+mn-ea"/>
+                <a:cs typeface="+mn-cs"/>
+              </a:defRPr>
+            </a:lvl4pPr>
+            <a:lvl5pPr marL="2437973" algn="l" defTabSz="1218987" rtl="0" eaLnBrk="1" latinLnBrk="0" hangingPunct="1">
+              <a:defRPr sz="2400" kern="1200">
+                <a:solidFill>
+                  <a:schemeClr val="tx1"/>
+                </a:solidFill>
+                <a:latin typeface="+mn-lt"/>
+                <a:ea typeface="+mn-ea"/>
+                <a:cs typeface="+mn-cs"/>
+              </a:defRPr>
+            </a:lvl5pPr>
+            <a:lvl6pPr marL="3047467" algn="l" defTabSz="1218987" rtl="0" eaLnBrk="1" latinLnBrk="0" hangingPunct="1">
+              <a:defRPr sz="2400" kern="1200">
+                <a:solidFill>
+                  <a:schemeClr val="tx1"/>
+                </a:solidFill>
+                <a:latin typeface="+mn-lt"/>
+                <a:ea typeface="+mn-ea"/>
+                <a:cs typeface="+mn-cs"/>
+              </a:defRPr>
+            </a:lvl6pPr>
+            <a:lvl7pPr marL="3656960" algn="l" defTabSz="1218987" rtl="0" eaLnBrk="1" latinLnBrk="0" hangingPunct="1">
+              <a:defRPr sz="2400" kern="1200">
+                <a:solidFill>
+                  <a:schemeClr val="tx1"/>
+                </a:solidFill>
+                <a:latin typeface="+mn-lt"/>
+                <a:ea typeface="+mn-ea"/>
+                <a:cs typeface="+mn-cs"/>
+              </a:defRPr>
+            </a:lvl7pPr>
+            <a:lvl8pPr marL="4266453" algn="l" defTabSz="1218987" rtl="0" eaLnBrk="1" latinLnBrk="0" hangingPunct="1">
+              <a:defRPr sz="2400" kern="1200">
+                <a:solidFill>
+                  <a:schemeClr val="tx1"/>
+                </a:solidFill>
+                <a:latin typeface="+mn-lt"/>
+                <a:ea typeface="+mn-ea"/>
+                <a:cs typeface="+mn-cs"/>
+              </a:defRPr>
+            </a:lvl8pPr>
+            <a:lvl9pPr marL="4875947" algn="l" defTabSz="1218987" rtl="0" eaLnBrk="1" latinLnBrk="0" hangingPunct="1">
+              <a:defRPr sz="2400" kern="1200">
+                <a:solidFill>
+                  <a:schemeClr val="tx1"/>
+                </a:solidFill>
+                <a:latin typeface="+mn-lt"/>
+                <a:ea typeface="+mn-ea"/>
+                <a:cs typeface="+mn-cs"/>
+              </a:defRPr>
+            </a:lvl9pPr>
+          </a:lstStyle>
+          <a:p>
+            <a:r>
+              <a:rPr lang="ru-RU" b="0" i="0" u="none" strike="noStrike" baseline="0" dirty="0">
+                <a:latin typeface="Calibri" panose="020F0502020204030204" pitchFamily="34" charset="0"/>
+              </a:rPr>
+              <a:t>Тествайте в </a:t>
+            </a:r>
+            <a:r>
+              <a:rPr lang="en-US" b="0" i="0" u="none" strike="noStrike" baseline="0" dirty="0">
+                <a:latin typeface="Calibri" panose="020F0502020204030204" pitchFamily="34" charset="0"/>
+              </a:rPr>
+              <a:t>Judge:</a:t>
+            </a:r>
+            <a:r>
+              <a:rPr lang="bg-BG" b="0" i="0" u="none" strike="noStrike" baseline="0" dirty="0">
+                <a:latin typeface="Calibri" panose="020F0502020204030204" pitchFamily="34" charset="0"/>
+              </a:rPr>
+              <a:t> </a:t>
+            </a:r>
+            <a:r>
+              <a:rPr lang="en-US" b="0" i="0" u="sng" strike="noStrike" baseline="0" dirty="0">
+                <a:solidFill>
+                  <a:srgbClr val="0563C1"/>
+                </a:solidFill>
+                <a:latin typeface="Calibri" panose="020F0502020204030204" pitchFamily="34" charset="0"/>
+                <a:hlinkClick r:id="rId2"/>
+              </a:rPr>
+              <a:t>https://judge.softuni.bg/Contests/2638/</a:t>
+            </a:r>
+            <a:r>
+              <a:rPr lang="bg-BG" b="0" i="0" u="sng" strike="noStrike" baseline="0" dirty="0">
+                <a:solidFill>
+                  <a:srgbClr val="0563C1"/>
+                </a:solidFill>
+                <a:latin typeface="Calibri" panose="020F0502020204030204" pitchFamily="34" charset="0"/>
+                <a:hlinkClick r:id="rId2"/>
+              </a:rPr>
+              <a:t>Повторения</a:t>
+            </a:r>
+            <a:endParaRPr lang="en-US" dirty="0"/>
           </a:p>
         </p:txBody>
       </p:sp>
@@ -12420,8 +12912,12 @@
               <a:buAutoNum type="arabicPeriod"/>
             </a:pPr>
             <a:r>
+              <a:rPr lang="bg-BG"/>
+              <a:t>Повторения </a:t>
+            </a:r>
+            <a:r>
               <a:rPr lang="bg-BG" dirty="0"/>
-              <a:t>Повторения (цикли)</a:t>
+              <a:t>(цикли)</a:t>
             </a:r>
           </a:p>
           <a:p>
@@ -15336,6 +15832,170 @@
           </a:p>
         </p:txBody>
       </p:sp>
+      <p:sp>
+        <p:nvSpPr>
+          <p:cNvPr id="14" name="Текстово поле 1">
+            <a:extLst>
+              <a:ext uri="{FF2B5EF4-FFF2-40B4-BE49-F238E27FC236}">
+                <a16:creationId xmlns:a16="http://schemas.microsoft.com/office/drawing/2014/main" id="{6E158D8B-4183-4C73-971B-3010D58CBEB2}"/>
+              </a:ext>
+            </a:extLst>
+          </p:cNvPr>
+          <p:cNvSpPr txBox="1"/>
+          <p:nvPr/>
+        </p:nvSpPr>
+        <p:spPr>
+          <a:xfrm>
+            <a:off x="1519226" y="6185848"/>
+            <a:ext cx="9143999" cy="461665"/>
+          </a:xfrm>
+          <a:prstGeom prst="rect">
+            <a:avLst/>
+          </a:prstGeom>
+          <a:noFill/>
+        </p:spPr>
+        <p:txBody>
+          <a:bodyPr wrap="square" rtlCol="0">
+            <a:spAutoFit/>
+          </a:bodyPr>
+          <a:lstStyle>
+            <a:defPPr>
+              <a:defRPr lang="en-US"/>
+            </a:defPPr>
+            <a:lvl1pPr marL="0" algn="l" defTabSz="1218987" rtl="0" eaLnBrk="1" latinLnBrk="0" hangingPunct="1">
+              <a:defRPr sz="2400" kern="1200">
+                <a:solidFill>
+                  <a:schemeClr val="tx1"/>
+                </a:solidFill>
+                <a:latin typeface="+mn-lt"/>
+                <a:ea typeface="+mn-ea"/>
+                <a:cs typeface="+mn-cs"/>
+              </a:defRPr>
+            </a:lvl1pPr>
+            <a:lvl2pPr marL="609493" algn="l" defTabSz="1218987" rtl="0" eaLnBrk="1" latinLnBrk="0" hangingPunct="1">
+              <a:defRPr sz="2400" kern="1200">
+                <a:solidFill>
+                  <a:schemeClr val="tx1"/>
+                </a:solidFill>
+                <a:latin typeface="+mn-lt"/>
+                <a:ea typeface="+mn-ea"/>
+                <a:cs typeface="+mn-cs"/>
+              </a:defRPr>
+            </a:lvl2pPr>
+            <a:lvl3pPr marL="1218987" algn="l" defTabSz="1218987" rtl="0" eaLnBrk="1" latinLnBrk="0" hangingPunct="1">
+              <a:defRPr sz="2400" kern="1200">
+                <a:solidFill>
+                  <a:schemeClr val="tx1"/>
+                </a:solidFill>
+                <a:latin typeface="+mn-lt"/>
+                <a:ea typeface="+mn-ea"/>
+                <a:cs typeface="+mn-cs"/>
+              </a:defRPr>
+            </a:lvl3pPr>
+            <a:lvl4pPr marL="1828480" algn="l" defTabSz="1218987" rtl="0" eaLnBrk="1" latinLnBrk="0" hangingPunct="1">
+              <a:defRPr sz="2400" kern="1200">
+                <a:solidFill>
+                  <a:schemeClr val="tx1"/>
+                </a:solidFill>
+                <a:latin typeface="+mn-lt"/>
+                <a:ea typeface="+mn-ea"/>
+                <a:cs typeface="+mn-cs"/>
+              </a:defRPr>
+            </a:lvl4pPr>
+            <a:lvl5pPr marL="2437973" algn="l" defTabSz="1218987" rtl="0" eaLnBrk="1" latinLnBrk="0" hangingPunct="1">
+              <a:defRPr sz="2400" kern="1200">
+                <a:solidFill>
+                  <a:schemeClr val="tx1"/>
+                </a:solidFill>
+                <a:latin typeface="+mn-lt"/>
+                <a:ea typeface="+mn-ea"/>
+                <a:cs typeface="+mn-cs"/>
+              </a:defRPr>
+            </a:lvl5pPr>
+            <a:lvl6pPr marL="3047467" algn="l" defTabSz="1218987" rtl="0" eaLnBrk="1" latinLnBrk="0" hangingPunct="1">
+              <a:defRPr sz="2400" kern="1200">
+                <a:solidFill>
+                  <a:schemeClr val="tx1"/>
+                </a:solidFill>
+                <a:latin typeface="+mn-lt"/>
+                <a:ea typeface="+mn-ea"/>
+                <a:cs typeface="+mn-cs"/>
+              </a:defRPr>
+            </a:lvl6pPr>
+            <a:lvl7pPr marL="3656960" algn="l" defTabSz="1218987" rtl="0" eaLnBrk="1" latinLnBrk="0" hangingPunct="1">
+              <a:defRPr sz="2400" kern="1200">
+                <a:solidFill>
+                  <a:schemeClr val="tx1"/>
+                </a:solidFill>
+                <a:latin typeface="+mn-lt"/>
+                <a:ea typeface="+mn-ea"/>
+                <a:cs typeface="+mn-cs"/>
+              </a:defRPr>
+            </a:lvl7pPr>
+            <a:lvl8pPr marL="4266453" algn="l" defTabSz="1218987" rtl="0" eaLnBrk="1" latinLnBrk="0" hangingPunct="1">
+              <a:defRPr sz="2400" kern="1200">
+                <a:solidFill>
+                  <a:schemeClr val="tx1"/>
+                </a:solidFill>
+                <a:latin typeface="+mn-lt"/>
+                <a:ea typeface="+mn-ea"/>
+                <a:cs typeface="+mn-cs"/>
+              </a:defRPr>
+            </a:lvl8pPr>
+            <a:lvl9pPr marL="4875947" algn="l" defTabSz="1218987" rtl="0" eaLnBrk="1" latinLnBrk="0" hangingPunct="1">
+              <a:defRPr sz="2400" kern="1200">
+                <a:solidFill>
+                  <a:schemeClr val="tx1"/>
+                </a:solidFill>
+                <a:latin typeface="+mn-lt"/>
+                <a:ea typeface="+mn-ea"/>
+                <a:cs typeface="+mn-cs"/>
+              </a:defRPr>
+            </a:lvl9pPr>
+          </a:lstStyle>
+          <a:p>
+            <a:r>
+              <a:rPr lang="ru-RU" b="0" i="0" u="none" strike="noStrike" baseline="0" dirty="0">
+                <a:latin typeface="Calibri" panose="020F0502020204030204" pitchFamily="34" charset="0"/>
+              </a:rPr>
+              <a:t>Тествайте в </a:t>
+            </a:r>
+            <a:r>
+              <a:rPr lang="en-US" b="0" i="0" u="none" strike="noStrike" baseline="0" dirty="0">
+                <a:latin typeface="Calibri" panose="020F0502020204030204" pitchFamily="34" charset="0"/>
+              </a:rPr>
+              <a:t>Judge:</a:t>
+            </a:r>
+            <a:r>
+              <a:rPr lang="bg-BG" b="0" i="0" u="none" strike="noStrike" baseline="0" dirty="0">
+                <a:latin typeface="Calibri" panose="020F0502020204030204" pitchFamily="34" charset="0"/>
+              </a:rPr>
+              <a:t> </a:t>
+            </a:r>
+            <a:r>
+              <a:rPr lang="en-US" b="0" i="0" u="sng" strike="noStrike" baseline="0" dirty="0">
+                <a:solidFill>
+                  <a:srgbClr val="0563C1"/>
+                </a:solidFill>
+                <a:latin typeface="Calibri" panose="020F0502020204030204" pitchFamily="34" charset="0"/>
+                <a:hlinkClick r:id="rId4"/>
+              </a:rPr>
+              <a:t>https://judge.softuni.bg/Contests/2638/</a:t>
+            </a:r>
+            <a:r>
+              <a:rPr lang="bg-BG" b="0" i="0" u="sng" strike="noStrike" baseline="0" dirty="0">
+                <a:solidFill>
+                  <a:srgbClr val="0563C1"/>
+                </a:solidFill>
+                <a:latin typeface="Calibri" panose="020F0502020204030204" pitchFamily="34" charset="0"/>
+                <a:hlinkClick r:id="rId4"/>
+              </a:rPr>
+              <a:t>Повторения</a:t>
+            </a:r>
+            <a:endParaRPr lang="en-US" dirty="0"/>
+          </a:p>
+        </p:txBody>
+      </p:sp>
     </p:spTree>
     <p:extLst>
       <p:ext uri="{BB962C8B-B14F-4D97-AF65-F5344CB8AC3E}">
@@ -15855,6 +16515,170 @@
           </a:p>
         </p:txBody>
       </p:sp>
+      <p:sp>
+        <p:nvSpPr>
+          <p:cNvPr id="7" name="Текстово поле 1">
+            <a:extLst>
+              <a:ext uri="{FF2B5EF4-FFF2-40B4-BE49-F238E27FC236}">
+                <a16:creationId xmlns:a16="http://schemas.microsoft.com/office/drawing/2014/main" id="{6E158D8B-4183-4C73-971B-3010D58CBEB2}"/>
+              </a:ext>
+            </a:extLst>
+          </p:cNvPr>
+          <p:cNvSpPr txBox="1"/>
+          <p:nvPr/>
+        </p:nvSpPr>
+        <p:spPr>
+          <a:xfrm>
+            <a:off x="1519226" y="6056577"/>
+            <a:ext cx="9143999" cy="461665"/>
+          </a:xfrm>
+          <a:prstGeom prst="rect">
+            <a:avLst/>
+          </a:prstGeom>
+          <a:noFill/>
+        </p:spPr>
+        <p:txBody>
+          <a:bodyPr wrap="square" rtlCol="0">
+            <a:spAutoFit/>
+          </a:bodyPr>
+          <a:lstStyle>
+            <a:defPPr>
+              <a:defRPr lang="en-US"/>
+            </a:defPPr>
+            <a:lvl1pPr marL="0" algn="l" defTabSz="1218987" rtl="0" eaLnBrk="1" latinLnBrk="0" hangingPunct="1">
+              <a:defRPr sz="2400" kern="1200">
+                <a:solidFill>
+                  <a:schemeClr val="tx1"/>
+                </a:solidFill>
+                <a:latin typeface="+mn-lt"/>
+                <a:ea typeface="+mn-ea"/>
+                <a:cs typeface="+mn-cs"/>
+              </a:defRPr>
+            </a:lvl1pPr>
+            <a:lvl2pPr marL="609493" algn="l" defTabSz="1218987" rtl="0" eaLnBrk="1" latinLnBrk="0" hangingPunct="1">
+              <a:defRPr sz="2400" kern="1200">
+                <a:solidFill>
+                  <a:schemeClr val="tx1"/>
+                </a:solidFill>
+                <a:latin typeface="+mn-lt"/>
+                <a:ea typeface="+mn-ea"/>
+                <a:cs typeface="+mn-cs"/>
+              </a:defRPr>
+            </a:lvl2pPr>
+            <a:lvl3pPr marL="1218987" algn="l" defTabSz="1218987" rtl="0" eaLnBrk="1" latinLnBrk="0" hangingPunct="1">
+              <a:defRPr sz="2400" kern="1200">
+                <a:solidFill>
+                  <a:schemeClr val="tx1"/>
+                </a:solidFill>
+                <a:latin typeface="+mn-lt"/>
+                <a:ea typeface="+mn-ea"/>
+                <a:cs typeface="+mn-cs"/>
+              </a:defRPr>
+            </a:lvl3pPr>
+            <a:lvl4pPr marL="1828480" algn="l" defTabSz="1218987" rtl="0" eaLnBrk="1" latinLnBrk="0" hangingPunct="1">
+              <a:defRPr sz="2400" kern="1200">
+                <a:solidFill>
+                  <a:schemeClr val="tx1"/>
+                </a:solidFill>
+                <a:latin typeface="+mn-lt"/>
+                <a:ea typeface="+mn-ea"/>
+                <a:cs typeface="+mn-cs"/>
+              </a:defRPr>
+            </a:lvl4pPr>
+            <a:lvl5pPr marL="2437973" algn="l" defTabSz="1218987" rtl="0" eaLnBrk="1" latinLnBrk="0" hangingPunct="1">
+              <a:defRPr sz="2400" kern="1200">
+                <a:solidFill>
+                  <a:schemeClr val="tx1"/>
+                </a:solidFill>
+                <a:latin typeface="+mn-lt"/>
+                <a:ea typeface="+mn-ea"/>
+                <a:cs typeface="+mn-cs"/>
+              </a:defRPr>
+            </a:lvl5pPr>
+            <a:lvl6pPr marL="3047467" algn="l" defTabSz="1218987" rtl="0" eaLnBrk="1" latinLnBrk="0" hangingPunct="1">
+              <a:defRPr sz="2400" kern="1200">
+                <a:solidFill>
+                  <a:schemeClr val="tx1"/>
+                </a:solidFill>
+                <a:latin typeface="+mn-lt"/>
+                <a:ea typeface="+mn-ea"/>
+                <a:cs typeface="+mn-cs"/>
+              </a:defRPr>
+            </a:lvl6pPr>
+            <a:lvl7pPr marL="3656960" algn="l" defTabSz="1218987" rtl="0" eaLnBrk="1" latinLnBrk="0" hangingPunct="1">
+              <a:defRPr sz="2400" kern="1200">
+                <a:solidFill>
+                  <a:schemeClr val="tx1"/>
+                </a:solidFill>
+                <a:latin typeface="+mn-lt"/>
+                <a:ea typeface="+mn-ea"/>
+                <a:cs typeface="+mn-cs"/>
+              </a:defRPr>
+            </a:lvl7pPr>
+            <a:lvl8pPr marL="4266453" algn="l" defTabSz="1218987" rtl="0" eaLnBrk="1" latinLnBrk="0" hangingPunct="1">
+              <a:defRPr sz="2400" kern="1200">
+                <a:solidFill>
+                  <a:schemeClr val="tx1"/>
+                </a:solidFill>
+                <a:latin typeface="+mn-lt"/>
+                <a:ea typeface="+mn-ea"/>
+                <a:cs typeface="+mn-cs"/>
+              </a:defRPr>
+            </a:lvl8pPr>
+            <a:lvl9pPr marL="4875947" algn="l" defTabSz="1218987" rtl="0" eaLnBrk="1" latinLnBrk="0" hangingPunct="1">
+              <a:defRPr sz="2400" kern="1200">
+                <a:solidFill>
+                  <a:schemeClr val="tx1"/>
+                </a:solidFill>
+                <a:latin typeface="+mn-lt"/>
+                <a:ea typeface="+mn-ea"/>
+                <a:cs typeface="+mn-cs"/>
+              </a:defRPr>
+            </a:lvl9pPr>
+          </a:lstStyle>
+          <a:p>
+            <a:r>
+              <a:rPr lang="ru-RU" b="0" i="0" u="none" strike="noStrike" baseline="0" dirty="0">
+                <a:latin typeface="Calibri" panose="020F0502020204030204" pitchFamily="34" charset="0"/>
+              </a:rPr>
+              <a:t>Тествайте в </a:t>
+            </a:r>
+            <a:r>
+              <a:rPr lang="en-US" b="0" i="0" u="none" strike="noStrike" baseline="0" dirty="0">
+                <a:latin typeface="Calibri" panose="020F0502020204030204" pitchFamily="34" charset="0"/>
+              </a:rPr>
+              <a:t>Judge:</a:t>
+            </a:r>
+            <a:r>
+              <a:rPr lang="bg-BG" b="0" i="0" u="none" strike="noStrike" baseline="0" dirty="0">
+                <a:latin typeface="Calibri" panose="020F0502020204030204" pitchFamily="34" charset="0"/>
+              </a:rPr>
+              <a:t> </a:t>
+            </a:r>
+            <a:r>
+              <a:rPr lang="en-US" b="0" i="0" u="sng" strike="noStrike" baseline="0" dirty="0">
+                <a:solidFill>
+                  <a:srgbClr val="0563C1"/>
+                </a:solidFill>
+                <a:latin typeface="Calibri" panose="020F0502020204030204" pitchFamily="34" charset="0"/>
+                <a:hlinkClick r:id="rId2"/>
+              </a:rPr>
+              <a:t>https://judge.softuni.bg/Contests/2638/</a:t>
+            </a:r>
+            <a:r>
+              <a:rPr lang="bg-BG" b="0" i="0" u="sng" strike="noStrike" baseline="0" dirty="0">
+                <a:solidFill>
+                  <a:srgbClr val="0563C1"/>
+                </a:solidFill>
+                <a:latin typeface="Calibri" panose="020F0502020204030204" pitchFamily="34" charset="0"/>
+                <a:hlinkClick r:id="rId2"/>
+              </a:rPr>
+              <a:t>Повторения</a:t>
+            </a:r>
+            <a:endParaRPr lang="en-US" dirty="0"/>
+          </a:p>
+        </p:txBody>
+      </p:sp>
     </p:spTree>
     <p:extLst>
       <p:ext uri="{BB962C8B-B14F-4D97-AF65-F5344CB8AC3E}">
@@ -16301,6 +17125,170 @@
                 </a:prstClr>
               </a:solidFill>
             </a:endParaRPr>
+          </a:p>
+        </p:txBody>
+      </p:sp>
+      <p:sp>
+        <p:nvSpPr>
+          <p:cNvPr id="7" name="Текстово поле 1">
+            <a:extLst>
+              <a:ext uri="{FF2B5EF4-FFF2-40B4-BE49-F238E27FC236}">
+                <a16:creationId xmlns:a16="http://schemas.microsoft.com/office/drawing/2014/main" id="{6E158D8B-4183-4C73-971B-3010D58CBEB2}"/>
+              </a:ext>
+            </a:extLst>
+          </p:cNvPr>
+          <p:cNvSpPr txBox="1"/>
+          <p:nvPr/>
+        </p:nvSpPr>
+        <p:spPr>
+          <a:xfrm>
+            <a:off x="1519226" y="6161967"/>
+            <a:ext cx="9143999" cy="461665"/>
+          </a:xfrm>
+          <a:prstGeom prst="rect">
+            <a:avLst/>
+          </a:prstGeom>
+          <a:noFill/>
+        </p:spPr>
+        <p:txBody>
+          <a:bodyPr wrap="square" rtlCol="0">
+            <a:spAutoFit/>
+          </a:bodyPr>
+          <a:lstStyle>
+            <a:defPPr>
+              <a:defRPr lang="en-US"/>
+            </a:defPPr>
+            <a:lvl1pPr marL="0" algn="l" defTabSz="1218987" rtl="0" eaLnBrk="1" latinLnBrk="0" hangingPunct="1">
+              <a:defRPr sz="2400" kern="1200">
+                <a:solidFill>
+                  <a:schemeClr val="tx1"/>
+                </a:solidFill>
+                <a:latin typeface="+mn-lt"/>
+                <a:ea typeface="+mn-ea"/>
+                <a:cs typeface="+mn-cs"/>
+              </a:defRPr>
+            </a:lvl1pPr>
+            <a:lvl2pPr marL="609493" algn="l" defTabSz="1218987" rtl="0" eaLnBrk="1" latinLnBrk="0" hangingPunct="1">
+              <a:defRPr sz="2400" kern="1200">
+                <a:solidFill>
+                  <a:schemeClr val="tx1"/>
+                </a:solidFill>
+                <a:latin typeface="+mn-lt"/>
+                <a:ea typeface="+mn-ea"/>
+                <a:cs typeface="+mn-cs"/>
+              </a:defRPr>
+            </a:lvl2pPr>
+            <a:lvl3pPr marL="1218987" algn="l" defTabSz="1218987" rtl="0" eaLnBrk="1" latinLnBrk="0" hangingPunct="1">
+              <a:defRPr sz="2400" kern="1200">
+                <a:solidFill>
+                  <a:schemeClr val="tx1"/>
+                </a:solidFill>
+                <a:latin typeface="+mn-lt"/>
+                <a:ea typeface="+mn-ea"/>
+                <a:cs typeface="+mn-cs"/>
+              </a:defRPr>
+            </a:lvl3pPr>
+            <a:lvl4pPr marL="1828480" algn="l" defTabSz="1218987" rtl="0" eaLnBrk="1" latinLnBrk="0" hangingPunct="1">
+              <a:defRPr sz="2400" kern="1200">
+                <a:solidFill>
+                  <a:schemeClr val="tx1"/>
+                </a:solidFill>
+                <a:latin typeface="+mn-lt"/>
+                <a:ea typeface="+mn-ea"/>
+                <a:cs typeface="+mn-cs"/>
+              </a:defRPr>
+            </a:lvl4pPr>
+            <a:lvl5pPr marL="2437973" algn="l" defTabSz="1218987" rtl="0" eaLnBrk="1" latinLnBrk="0" hangingPunct="1">
+              <a:defRPr sz="2400" kern="1200">
+                <a:solidFill>
+                  <a:schemeClr val="tx1"/>
+                </a:solidFill>
+                <a:latin typeface="+mn-lt"/>
+                <a:ea typeface="+mn-ea"/>
+                <a:cs typeface="+mn-cs"/>
+              </a:defRPr>
+            </a:lvl5pPr>
+            <a:lvl6pPr marL="3047467" algn="l" defTabSz="1218987" rtl="0" eaLnBrk="1" latinLnBrk="0" hangingPunct="1">
+              <a:defRPr sz="2400" kern="1200">
+                <a:solidFill>
+                  <a:schemeClr val="tx1"/>
+                </a:solidFill>
+                <a:latin typeface="+mn-lt"/>
+                <a:ea typeface="+mn-ea"/>
+                <a:cs typeface="+mn-cs"/>
+              </a:defRPr>
+            </a:lvl6pPr>
+            <a:lvl7pPr marL="3656960" algn="l" defTabSz="1218987" rtl="0" eaLnBrk="1" latinLnBrk="0" hangingPunct="1">
+              <a:defRPr sz="2400" kern="1200">
+                <a:solidFill>
+                  <a:schemeClr val="tx1"/>
+                </a:solidFill>
+                <a:latin typeface="+mn-lt"/>
+                <a:ea typeface="+mn-ea"/>
+                <a:cs typeface="+mn-cs"/>
+              </a:defRPr>
+            </a:lvl7pPr>
+            <a:lvl8pPr marL="4266453" algn="l" defTabSz="1218987" rtl="0" eaLnBrk="1" latinLnBrk="0" hangingPunct="1">
+              <a:defRPr sz="2400" kern="1200">
+                <a:solidFill>
+                  <a:schemeClr val="tx1"/>
+                </a:solidFill>
+                <a:latin typeface="+mn-lt"/>
+                <a:ea typeface="+mn-ea"/>
+                <a:cs typeface="+mn-cs"/>
+              </a:defRPr>
+            </a:lvl8pPr>
+            <a:lvl9pPr marL="4875947" algn="l" defTabSz="1218987" rtl="0" eaLnBrk="1" latinLnBrk="0" hangingPunct="1">
+              <a:defRPr sz="2400" kern="1200">
+                <a:solidFill>
+                  <a:schemeClr val="tx1"/>
+                </a:solidFill>
+                <a:latin typeface="+mn-lt"/>
+                <a:ea typeface="+mn-ea"/>
+                <a:cs typeface="+mn-cs"/>
+              </a:defRPr>
+            </a:lvl9pPr>
+          </a:lstStyle>
+          <a:p>
+            <a:r>
+              <a:rPr lang="ru-RU" b="0" i="0" u="none" strike="noStrike" baseline="0" dirty="0">
+                <a:latin typeface="Calibri" panose="020F0502020204030204" pitchFamily="34" charset="0"/>
+              </a:rPr>
+              <a:t>Тествайте в </a:t>
+            </a:r>
+            <a:r>
+              <a:rPr lang="en-US" b="0" i="0" u="none" strike="noStrike" baseline="0" dirty="0">
+                <a:latin typeface="Calibri" panose="020F0502020204030204" pitchFamily="34" charset="0"/>
+              </a:rPr>
+              <a:t>Judge:</a:t>
+            </a:r>
+            <a:r>
+              <a:rPr lang="bg-BG" b="0" i="0" u="none" strike="noStrike" baseline="0" dirty="0">
+                <a:latin typeface="Calibri" panose="020F0502020204030204" pitchFamily="34" charset="0"/>
+              </a:rPr>
+              <a:t> </a:t>
+            </a:r>
+            <a:r>
+              <a:rPr lang="en-US" b="0" i="0" u="sng" strike="noStrike" baseline="0" dirty="0">
+                <a:solidFill>
+                  <a:srgbClr val="0563C1"/>
+                </a:solidFill>
+                <a:latin typeface="Calibri" panose="020F0502020204030204" pitchFamily="34" charset="0"/>
+                <a:hlinkClick r:id="rId2"/>
+              </a:rPr>
+              <a:t>https://judge.softuni.bg/Contests/2638/</a:t>
+            </a:r>
+            <a:r>
+              <a:rPr lang="bg-BG" b="0" i="0" u="sng" strike="noStrike" baseline="0" dirty="0">
+                <a:solidFill>
+                  <a:srgbClr val="0563C1"/>
+                </a:solidFill>
+                <a:latin typeface="Calibri" panose="020F0502020204030204" pitchFamily="34" charset="0"/>
+                <a:hlinkClick r:id="rId2"/>
+              </a:rPr>
+              <a:t>Повторения</a:t>
+            </a:r>
+            <a:endParaRPr lang="en-US" dirty="0"/>
           </a:p>
         </p:txBody>
       </p:sp>
@@ -16516,7 +17504,7 @@
         </p:nvSpPr>
         <p:spPr bwMode="auto">
           <a:xfrm>
-            <a:off x="6036985" y="4116252"/>
+            <a:off x="6036985" y="3943890"/>
             <a:ext cx="914399" cy="2131353"/>
           </a:xfrm>
           <a:prstGeom prst="rect">
@@ -16737,7 +17725,7 @@
         </p:nvSpPr>
         <p:spPr bwMode="auto">
           <a:xfrm>
-            <a:off x="7614766" y="4114800"/>
+            <a:off x="7627406" y="3943890"/>
             <a:ext cx="792379" cy="2132831"/>
           </a:xfrm>
           <a:prstGeom prst="rect">
@@ -16819,7 +17807,7 @@
         </p:nvSpPr>
         <p:spPr>
           <a:xfrm>
-            <a:off x="7074443" y="5009567"/>
+            <a:off x="7085945" y="4850313"/>
             <a:ext cx="457200" cy="304800"/>
           </a:xfrm>
           <a:prstGeom prst="rightArrow">
@@ -16861,7 +17849,7 @@
         </p:nvSpPr>
         <p:spPr bwMode="auto">
           <a:xfrm>
-            <a:off x="2970212" y="4116251"/>
+            <a:off x="2953597" y="3943890"/>
             <a:ext cx="914399" cy="2131353"/>
           </a:xfrm>
           <a:prstGeom prst="rect">
@@ -16989,7 +17977,7 @@
         </p:nvSpPr>
         <p:spPr bwMode="auto">
           <a:xfrm>
-            <a:off x="4547993" y="4114801"/>
+            <a:off x="4541915" y="3943890"/>
             <a:ext cx="792379" cy="2132829"/>
           </a:xfrm>
           <a:prstGeom prst="rect">
@@ -17068,7 +18056,7 @@
         </p:nvSpPr>
         <p:spPr>
           <a:xfrm>
-            <a:off x="4007936" y="5009567"/>
+            <a:off x="4009108" y="4850313"/>
             <a:ext cx="457200" cy="304800"/>
           </a:xfrm>
           <a:prstGeom prst="rightArrow">
@@ -17110,7 +18098,7 @@
         </p:nvSpPr>
         <p:spPr bwMode="auto">
           <a:xfrm>
-            <a:off x="9066212" y="4116252"/>
+            <a:off x="9049729" y="3943890"/>
             <a:ext cx="914399" cy="2131353"/>
           </a:xfrm>
           <a:prstGeom prst="rect">
@@ -17308,7 +18296,7 @@
         </p:nvSpPr>
         <p:spPr bwMode="auto">
           <a:xfrm>
-            <a:off x="10643993" y="4114800"/>
+            <a:off x="10644892" y="3936298"/>
             <a:ext cx="792379" cy="2132831"/>
           </a:xfrm>
           <a:prstGeom prst="rect">
@@ -17373,7 +18361,7 @@
         </p:nvSpPr>
         <p:spPr>
           <a:xfrm>
-            <a:off x="10091030" y="5009567"/>
+            <a:off x="10098027" y="4850313"/>
             <a:ext cx="457200" cy="304800"/>
           </a:xfrm>
           <a:prstGeom prst="rightArrow">
@@ -17814,6 +18802,170 @@
                 </a:prstClr>
               </a:solidFill>
             </a:endParaRPr>
+          </a:p>
+        </p:txBody>
+      </p:sp>
+      <p:sp>
+        <p:nvSpPr>
+          <p:cNvPr id="7" name="Текстово поле 1">
+            <a:extLst>
+              <a:ext uri="{FF2B5EF4-FFF2-40B4-BE49-F238E27FC236}">
+                <a16:creationId xmlns:a16="http://schemas.microsoft.com/office/drawing/2014/main" id="{6E158D8B-4183-4C73-971B-3010D58CBEB2}"/>
+              </a:ext>
+            </a:extLst>
+          </p:cNvPr>
+          <p:cNvSpPr txBox="1"/>
+          <p:nvPr/>
+        </p:nvSpPr>
+        <p:spPr>
+          <a:xfrm>
+            <a:off x="1519226" y="6166014"/>
+            <a:ext cx="9143999" cy="461665"/>
+          </a:xfrm>
+          <a:prstGeom prst="rect">
+            <a:avLst/>
+          </a:prstGeom>
+          <a:noFill/>
+        </p:spPr>
+        <p:txBody>
+          <a:bodyPr wrap="square" rtlCol="0">
+            <a:spAutoFit/>
+          </a:bodyPr>
+          <a:lstStyle>
+            <a:defPPr>
+              <a:defRPr lang="en-US"/>
+            </a:defPPr>
+            <a:lvl1pPr marL="0" algn="l" defTabSz="1218987" rtl="0" eaLnBrk="1" latinLnBrk="0" hangingPunct="1">
+              <a:defRPr sz="2400" kern="1200">
+                <a:solidFill>
+                  <a:schemeClr val="tx1"/>
+                </a:solidFill>
+                <a:latin typeface="+mn-lt"/>
+                <a:ea typeface="+mn-ea"/>
+                <a:cs typeface="+mn-cs"/>
+              </a:defRPr>
+            </a:lvl1pPr>
+            <a:lvl2pPr marL="609493" algn="l" defTabSz="1218987" rtl="0" eaLnBrk="1" latinLnBrk="0" hangingPunct="1">
+              <a:defRPr sz="2400" kern="1200">
+                <a:solidFill>
+                  <a:schemeClr val="tx1"/>
+                </a:solidFill>
+                <a:latin typeface="+mn-lt"/>
+                <a:ea typeface="+mn-ea"/>
+                <a:cs typeface="+mn-cs"/>
+              </a:defRPr>
+            </a:lvl2pPr>
+            <a:lvl3pPr marL="1218987" algn="l" defTabSz="1218987" rtl="0" eaLnBrk="1" latinLnBrk="0" hangingPunct="1">
+              <a:defRPr sz="2400" kern="1200">
+                <a:solidFill>
+                  <a:schemeClr val="tx1"/>
+                </a:solidFill>
+                <a:latin typeface="+mn-lt"/>
+                <a:ea typeface="+mn-ea"/>
+                <a:cs typeface="+mn-cs"/>
+              </a:defRPr>
+            </a:lvl3pPr>
+            <a:lvl4pPr marL="1828480" algn="l" defTabSz="1218987" rtl="0" eaLnBrk="1" latinLnBrk="0" hangingPunct="1">
+              <a:defRPr sz="2400" kern="1200">
+                <a:solidFill>
+                  <a:schemeClr val="tx1"/>
+                </a:solidFill>
+                <a:latin typeface="+mn-lt"/>
+                <a:ea typeface="+mn-ea"/>
+                <a:cs typeface="+mn-cs"/>
+              </a:defRPr>
+            </a:lvl4pPr>
+            <a:lvl5pPr marL="2437973" algn="l" defTabSz="1218987" rtl="0" eaLnBrk="1" latinLnBrk="0" hangingPunct="1">
+              <a:defRPr sz="2400" kern="1200">
+                <a:solidFill>
+                  <a:schemeClr val="tx1"/>
+                </a:solidFill>
+                <a:latin typeface="+mn-lt"/>
+                <a:ea typeface="+mn-ea"/>
+                <a:cs typeface="+mn-cs"/>
+              </a:defRPr>
+            </a:lvl5pPr>
+            <a:lvl6pPr marL="3047467" algn="l" defTabSz="1218987" rtl="0" eaLnBrk="1" latinLnBrk="0" hangingPunct="1">
+              <a:defRPr sz="2400" kern="1200">
+                <a:solidFill>
+                  <a:schemeClr val="tx1"/>
+                </a:solidFill>
+                <a:latin typeface="+mn-lt"/>
+                <a:ea typeface="+mn-ea"/>
+                <a:cs typeface="+mn-cs"/>
+              </a:defRPr>
+            </a:lvl6pPr>
+            <a:lvl7pPr marL="3656960" algn="l" defTabSz="1218987" rtl="0" eaLnBrk="1" latinLnBrk="0" hangingPunct="1">
+              <a:defRPr sz="2400" kern="1200">
+                <a:solidFill>
+                  <a:schemeClr val="tx1"/>
+                </a:solidFill>
+                <a:latin typeface="+mn-lt"/>
+                <a:ea typeface="+mn-ea"/>
+                <a:cs typeface="+mn-cs"/>
+              </a:defRPr>
+            </a:lvl7pPr>
+            <a:lvl8pPr marL="4266453" algn="l" defTabSz="1218987" rtl="0" eaLnBrk="1" latinLnBrk="0" hangingPunct="1">
+              <a:defRPr sz="2400" kern="1200">
+                <a:solidFill>
+                  <a:schemeClr val="tx1"/>
+                </a:solidFill>
+                <a:latin typeface="+mn-lt"/>
+                <a:ea typeface="+mn-ea"/>
+                <a:cs typeface="+mn-cs"/>
+              </a:defRPr>
+            </a:lvl8pPr>
+            <a:lvl9pPr marL="4875947" algn="l" defTabSz="1218987" rtl="0" eaLnBrk="1" latinLnBrk="0" hangingPunct="1">
+              <a:defRPr sz="2400" kern="1200">
+                <a:solidFill>
+                  <a:schemeClr val="tx1"/>
+                </a:solidFill>
+                <a:latin typeface="+mn-lt"/>
+                <a:ea typeface="+mn-ea"/>
+                <a:cs typeface="+mn-cs"/>
+              </a:defRPr>
+            </a:lvl9pPr>
+          </a:lstStyle>
+          <a:p>
+            <a:r>
+              <a:rPr lang="ru-RU" b="0" i="0" u="none" strike="noStrike" baseline="0" dirty="0">
+                <a:latin typeface="Calibri" panose="020F0502020204030204" pitchFamily="34" charset="0"/>
+              </a:rPr>
+              <a:t>Тествайте в </a:t>
+            </a:r>
+            <a:r>
+              <a:rPr lang="en-US" b="0" i="0" u="none" strike="noStrike" baseline="0" dirty="0">
+                <a:latin typeface="Calibri" panose="020F0502020204030204" pitchFamily="34" charset="0"/>
+              </a:rPr>
+              <a:t>Judge:</a:t>
+            </a:r>
+            <a:r>
+              <a:rPr lang="bg-BG" b="0" i="0" u="none" strike="noStrike" baseline="0" dirty="0">
+                <a:latin typeface="Calibri" panose="020F0502020204030204" pitchFamily="34" charset="0"/>
+              </a:rPr>
+              <a:t> </a:t>
+            </a:r>
+            <a:r>
+              <a:rPr lang="en-US" b="0" i="0" u="sng" strike="noStrike" baseline="0" dirty="0">
+                <a:solidFill>
+                  <a:srgbClr val="0563C1"/>
+                </a:solidFill>
+                <a:latin typeface="Calibri" panose="020F0502020204030204" pitchFamily="34" charset="0"/>
+                <a:hlinkClick r:id="rId2"/>
+              </a:rPr>
+              <a:t>https://judge.softuni.bg/Contests/2638/</a:t>
+            </a:r>
+            <a:r>
+              <a:rPr lang="bg-BG" b="0" i="0" u="sng" strike="noStrike" baseline="0" dirty="0">
+                <a:solidFill>
+                  <a:srgbClr val="0563C1"/>
+                </a:solidFill>
+                <a:latin typeface="Calibri" panose="020F0502020204030204" pitchFamily="34" charset="0"/>
+                <a:hlinkClick r:id="rId2"/>
+              </a:rPr>
+              <a:t>Повторения</a:t>
+            </a:r>
+            <a:endParaRPr lang="en-US" dirty="0"/>
           </a:p>
         </p:txBody>
       </p:sp>

--- a/Courses/Applied-Programmer/Programming-Basics/04-Повторения/09.Повторения.pptx
+++ b/Courses/Applied-Programmer/Programming-Basics/04-Повторения/09.Повторения.pptx
@@ -320,7 +320,7 @@
             <a:fld id="{FE5B4EDC-59C0-49C7-8ADA-5A781B329E02}" type="datetimeFigureOut">
               <a:rPr lang="en-US"/>
               <a:pPr/>
-              <a:t>09-Nov-20</a:t>
+              <a:t>11-Nov-20</a:t>
             </a:fld>
             <a:endParaRPr dirty="0"/>
           </a:p>
@@ -618,7 +618,7 @@
             <a:fld id="{F2D8D46A-B586-417D-BFBD-8C8FE0AAF762}" type="datetimeFigureOut">
               <a:rPr lang="en-US" smtClean="0"/>
               <a:pPr/>
-              <a:t>09-Nov-20</a:t>
+              <a:t>11-Nov-20</a:t>
             </a:fld>
             <a:endParaRPr lang="en-US" dirty="0"/>
           </a:p>
@@ -3764,7 +3764,7 @@
         </p:blipFill>
         <p:spPr bwMode="auto">
           <a:xfrm>
-            <a:off x="745783" y="4076772"/>
+            <a:off x="733162" y="4500375"/>
             <a:ext cx="2175525" cy="761165"/>
           </a:xfrm>
           <a:prstGeom prst="roundRect">
@@ -3803,7 +3803,7 @@
         </p:nvSpPr>
         <p:spPr bwMode="auto">
           <a:xfrm>
-            <a:off x="760413" y="4998598"/>
+            <a:off x="687074" y="5236612"/>
             <a:ext cx="3187614" cy="444343"/>
           </a:xfrm>
           <a:prstGeom prst="rect">
@@ -4038,7 +4038,7 @@
               <a:t>Учителски</a:t>
             </a:r>
             <a:r>
-              <a:rPr lang="bg-BG"/>
+              <a:rPr lang="bg-BG" dirty="0"/>
               <a:t> екип</a:t>
             </a:r>
           </a:p>
@@ -4060,7 +4060,7 @@
         </p:nvSpPr>
         <p:spPr bwMode="auto">
           <a:xfrm>
-            <a:off x="760412" y="5403725"/>
+            <a:off x="687074" y="5600181"/>
             <a:ext cx="3187613" cy="382788"/>
           </a:xfrm>
           <a:prstGeom prst="rect">
@@ -4294,7 +4294,7 @@
           </a:lstStyle>
           <a:p>
             <a:r>
-              <a:rPr lang="bg-BG"/>
+              <a:rPr lang="bg-BG" dirty="0"/>
               <a:t>Обучение за ИТ кариера</a:t>
             </a:r>
           </a:p>
@@ -4316,7 +4316,7 @@
         </p:nvSpPr>
         <p:spPr bwMode="auto">
           <a:xfrm>
-            <a:off x="760412" y="5690893"/>
+            <a:off x="687074" y="5893839"/>
             <a:ext cx="3810000" cy="458462"/>
           </a:xfrm>
           <a:prstGeom prst="rect">
@@ -4547,12 +4547,12 @@
           </a:lstStyle>
           <a:p>
             <a:r>
-              <a:rPr lang="en-GB">
+              <a:rPr lang="en-GB" dirty="0">
                 <a:hlinkClick r:id="rId6"/>
               </a:rPr>
               <a:t>https://it-kariera.mon.bg/e-learning/</a:t>
             </a:r>
-            <a:endParaRPr lang="en-GB"/>
+            <a:endParaRPr lang="en-GB" dirty="0"/>
           </a:p>
         </p:txBody>
       </p:sp>
@@ -4696,6 +4696,138 @@
           </a:prstGeom>
         </p:spPr>
       </p:pic>
+      <p:sp>
+        <p:nvSpPr>
+          <p:cNvPr id="11" name="Текстово поле 1">
+            <a:extLst>
+              <a:ext uri="{FF2B5EF4-FFF2-40B4-BE49-F238E27FC236}">
+                <a16:creationId xmlns:a16="http://schemas.microsoft.com/office/drawing/2014/main" id="{B398007E-9BC4-479A-87BF-1B270134F51F}"/>
+              </a:ext>
+            </a:extLst>
+          </p:cNvPr>
+          <p:cNvSpPr txBox="1"/>
+          <p:nvPr/>
+        </p:nvSpPr>
+        <p:spPr>
+          <a:xfrm>
+            <a:off x="608012" y="6292514"/>
+            <a:ext cx="11216029" cy="369332"/>
+          </a:xfrm>
+          <a:prstGeom prst="rect">
+            <a:avLst/>
+          </a:prstGeom>
+          <a:noFill/>
+        </p:spPr>
+        <p:txBody>
+          <a:bodyPr wrap="square" rtlCol="0">
+            <a:spAutoFit/>
+          </a:bodyPr>
+          <a:lstStyle>
+            <a:defPPr>
+              <a:defRPr lang="en-US"/>
+            </a:defPPr>
+            <a:lvl1pPr marL="0" algn="l" defTabSz="1218987" rtl="0" eaLnBrk="1" latinLnBrk="0" hangingPunct="1">
+              <a:defRPr sz="2400" kern="1200">
+                <a:solidFill>
+                  <a:schemeClr val="tx1"/>
+                </a:solidFill>
+                <a:latin typeface="+mn-lt"/>
+                <a:ea typeface="+mn-ea"/>
+                <a:cs typeface="+mn-cs"/>
+              </a:defRPr>
+            </a:lvl1pPr>
+            <a:lvl2pPr marL="609493" algn="l" defTabSz="1218987" rtl="0" eaLnBrk="1" latinLnBrk="0" hangingPunct="1">
+              <a:defRPr sz="2400" kern="1200">
+                <a:solidFill>
+                  <a:schemeClr val="tx1"/>
+                </a:solidFill>
+                <a:latin typeface="+mn-lt"/>
+                <a:ea typeface="+mn-ea"/>
+                <a:cs typeface="+mn-cs"/>
+              </a:defRPr>
+            </a:lvl2pPr>
+            <a:lvl3pPr marL="1218987" algn="l" defTabSz="1218987" rtl="0" eaLnBrk="1" latinLnBrk="0" hangingPunct="1">
+              <a:defRPr sz="2400" kern="1200">
+                <a:solidFill>
+                  <a:schemeClr val="tx1"/>
+                </a:solidFill>
+                <a:latin typeface="+mn-lt"/>
+                <a:ea typeface="+mn-ea"/>
+                <a:cs typeface="+mn-cs"/>
+              </a:defRPr>
+            </a:lvl3pPr>
+            <a:lvl4pPr marL="1828480" algn="l" defTabSz="1218987" rtl="0" eaLnBrk="1" latinLnBrk="0" hangingPunct="1">
+              <a:defRPr sz="2400" kern="1200">
+                <a:solidFill>
+                  <a:schemeClr val="tx1"/>
+                </a:solidFill>
+                <a:latin typeface="+mn-lt"/>
+                <a:ea typeface="+mn-ea"/>
+                <a:cs typeface="+mn-cs"/>
+              </a:defRPr>
+            </a:lvl4pPr>
+            <a:lvl5pPr marL="2437973" algn="l" defTabSz="1218987" rtl="0" eaLnBrk="1" latinLnBrk="0" hangingPunct="1">
+              <a:defRPr sz="2400" kern="1200">
+                <a:solidFill>
+                  <a:schemeClr val="tx1"/>
+                </a:solidFill>
+                <a:latin typeface="+mn-lt"/>
+                <a:ea typeface="+mn-ea"/>
+                <a:cs typeface="+mn-cs"/>
+              </a:defRPr>
+            </a:lvl5pPr>
+            <a:lvl6pPr marL="3047467" algn="l" defTabSz="1218987" rtl="0" eaLnBrk="1" latinLnBrk="0" hangingPunct="1">
+              <a:defRPr sz="2400" kern="1200">
+                <a:solidFill>
+                  <a:schemeClr val="tx1"/>
+                </a:solidFill>
+                <a:latin typeface="+mn-lt"/>
+                <a:ea typeface="+mn-ea"/>
+                <a:cs typeface="+mn-cs"/>
+              </a:defRPr>
+            </a:lvl6pPr>
+            <a:lvl7pPr marL="3656960" algn="l" defTabSz="1218987" rtl="0" eaLnBrk="1" latinLnBrk="0" hangingPunct="1">
+              <a:defRPr sz="2400" kern="1200">
+                <a:solidFill>
+                  <a:schemeClr val="tx1"/>
+                </a:solidFill>
+                <a:latin typeface="+mn-lt"/>
+                <a:ea typeface="+mn-ea"/>
+                <a:cs typeface="+mn-cs"/>
+              </a:defRPr>
+            </a:lvl7pPr>
+            <a:lvl8pPr marL="4266453" algn="l" defTabSz="1218987" rtl="0" eaLnBrk="1" latinLnBrk="0" hangingPunct="1">
+              <a:defRPr sz="2400" kern="1200">
+                <a:solidFill>
+                  <a:schemeClr val="tx1"/>
+                </a:solidFill>
+                <a:latin typeface="+mn-lt"/>
+                <a:ea typeface="+mn-ea"/>
+                <a:cs typeface="+mn-cs"/>
+              </a:defRPr>
+            </a:lvl8pPr>
+            <a:lvl9pPr marL="4875947" algn="l" defTabSz="1218987" rtl="0" eaLnBrk="1" latinLnBrk="0" hangingPunct="1">
+              <a:defRPr sz="2400" kern="1200">
+                <a:solidFill>
+                  <a:schemeClr val="tx1"/>
+                </a:solidFill>
+                <a:latin typeface="+mn-lt"/>
+                <a:ea typeface="+mn-ea"/>
+                <a:cs typeface="+mn-cs"/>
+              </a:defRPr>
+            </a:lvl9pPr>
+          </a:lstStyle>
+          <a:p>
+            <a:r>
+              <a:rPr lang="en-US" sz="1800" b="1" dirty="0">
+                <a:hlinkClick r:id="rId8"/>
+              </a:rPr>
+              <a:t>https://github.com/BG-IT-Edu/School-Programming/tree/main/Courses/Applied-Programmer/Programming-Basics</a:t>
+            </a:r>
+            <a:endParaRPr lang="bg-BG" sz="1800" b="1" dirty="0"/>
+          </a:p>
+        </p:txBody>
+      </p:sp>
     </p:spTree>
     <p:extLst>
       <p:ext uri="{BB962C8B-B14F-4D97-AF65-F5344CB8AC3E}">
@@ -5846,6 +5978,473 @@
   <p:clrMapOvr>
     <a:masterClrMapping/>
   </p:clrMapOvr>
+  <p:timing>
+    <p:tnLst>
+      <p:par>
+        <p:cTn id="1" dur="indefinite" restart="never" nodeType="tmRoot">
+          <p:childTnLst>
+            <p:seq concurrent="1" nextAc="seek">
+              <p:cTn id="2" dur="indefinite" nodeType="mainSeq">
+                <p:childTnLst>
+                  <p:par>
+                    <p:cTn id="3" fill="hold">
+                      <p:stCondLst>
+                        <p:cond delay="indefinite"/>
+                      </p:stCondLst>
+                      <p:childTnLst>
+                        <p:par>
+                          <p:cTn id="4" fill="hold">
+                            <p:stCondLst>
+                              <p:cond delay="0"/>
+                            </p:stCondLst>
+                            <p:childTnLst>
+                              <p:par>
+                                <p:cTn id="5" presetID="1" presetClass="entr" presetSubtype="0" fill="hold" nodeType="clickEffect">
+                                  <p:stCondLst>
+                                    <p:cond delay="0"/>
+                                  </p:stCondLst>
+                                  <p:childTnLst>
+                                    <p:set>
+                                      <p:cBhvr>
+                                        <p:cTn id="6" dur="1" fill="hold">
+                                          <p:stCondLst>
+                                            <p:cond delay="0"/>
+                                          </p:stCondLst>
+                                        </p:cTn>
+                                        <p:tgtEl>
+                                          <p:spTgt spid="3">
+                                            <p:txEl>
+                                              <p:pRg st="1" end="1"/>
+                                            </p:txEl>
+                                          </p:spTgt>
+                                        </p:tgtEl>
+                                        <p:attrNameLst>
+                                          <p:attrName>style.visibility</p:attrName>
+                                        </p:attrNameLst>
+                                      </p:cBhvr>
+                                      <p:to>
+                                        <p:strVal val="visible"/>
+                                      </p:to>
+                                    </p:set>
+                                  </p:childTnLst>
+                                </p:cTn>
+                              </p:par>
+                            </p:childTnLst>
+                          </p:cTn>
+                        </p:par>
+                      </p:childTnLst>
+                    </p:cTn>
+                  </p:par>
+                  <p:par>
+                    <p:cTn id="7" fill="hold">
+                      <p:stCondLst>
+                        <p:cond delay="indefinite"/>
+                      </p:stCondLst>
+                      <p:childTnLst>
+                        <p:par>
+                          <p:cTn id="8" fill="hold">
+                            <p:stCondLst>
+                              <p:cond delay="0"/>
+                            </p:stCondLst>
+                            <p:childTnLst>
+                              <p:par>
+                                <p:cTn id="9" presetID="1" presetClass="entr" presetSubtype="0" fill="hold" nodeType="clickEffect">
+                                  <p:stCondLst>
+                                    <p:cond delay="0"/>
+                                  </p:stCondLst>
+                                  <p:childTnLst>
+                                    <p:set>
+                                      <p:cBhvr>
+                                        <p:cTn id="10" dur="1" fill="hold">
+                                          <p:stCondLst>
+                                            <p:cond delay="0"/>
+                                          </p:stCondLst>
+                                        </p:cTn>
+                                        <p:tgtEl>
+                                          <p:spTgt spid="3">
+                                            <p:txEl>
+                                              <p:pRg st="2" end="2"/>
+                                            </p:txEl>
+                                          </p:spTgt>
+                                        </p:tgtEl>
+                                        <p:attrNameLst>
+                                          <p:attrName>style.visibility</p:attrName>
+                                        </p:attrNameLst>
+                                      </p:cBhvr>
+                                      <p:to>
+                                        <p:strVal val="visible"/>
+                                      </p:to>
+                                    </p:set>
+                                  </p:childTnLst>
+                                </p:cTn>
+                              </p:par>
+                            </p:childTnLst>
+                          </p:cTn>
+                        </p:par>
+                      </p:childTnLst>
+                    </p:cTn>
+                  </p:par>
+                  <p:par>
+                    <p:cTn id="11" fill="hold">
+                      <p:stCondLst>
+                        <p:cond delay="indefinite"/>
+                      </p:stCondLst>
+                      <p:childTnLst>
+                        <p:par>
+                          <p:cTn id="12" fill="hold">
+                            <p:stCondLst>
+                              <p:cond delay="0"/>
+                            </p:stCondLst>
+                            <p:childTnLst>
+                              <p:par>
+                                <p:cTn id="13" presetID="1" presetClass="entr" presetSubtype="0" fill="hold" nodeType="clickEffect">
+                                  <p:stCondLst>
+                                    <p:cond delay="0"/>
+                                  </p:stCondLst>
+                                  <p:childTnLst>
+                                    <p:set>
+                                      <p:cBhvr>
+                                        <p:cTn id="14" dur="1" fill="hold">
+                                          <p:stCondLst>
+                                            <p:cond delay="0"/>
+                                          </p:stCondLst>
+                                        </p:cTn>
+                                        <p:tgtEl>
+                                          <p:spTgt spid="3">
+                                            <p:txEl>
+                                              <p:pRg st="3" end="3"/>
+                                            </p:txEl>
+                                          </p:spTgt>
+                                        </p:tgtEl>
+                                        <p:attrNameLst>
+                                          <p:attrName>style.visibility</p:attrName>
+                                        </p:attrNameLst>
+                                      </p:cBhvr>
+                                      <p:to>
+                                        <p:strVal val="visible"/>
+                                      </p:to>
+                                    </p:set>
+                                  </p:childTnLst>
+                                </p:cTn>
+                              </p:par>
+                              <p:par>
+                                <p:cTn id="15" presetID="1" presetClass="entr" presetSubtype="0" fill="hold" grpId="0" nodeType="withEffect">
+                                  <p:stCondLst>
+                                    <p:cond delay="0"/>
+                                  </p:stCondLst>
+                                  <p:childTnLst>
+                                    <p:set>
+                                      <p:cBhvr>
+                                        <p:cTn id="16" dur="1" fill="hold">
+                                          <p:stCondLst>
+                                            <p:cond delay="0"/>
+                                          </p:stCondLst>
+                                        </p:cTn>
+                                        <p:tgtEl>
+                                          <p:spTgt spid="10"/>
+                                        </p:tgtEl>
+                                        <p:attrNameLst>
+                                          <p:attrName>style.visibility</p:attrName>
+                                        </p:attrNameLst>
+                                      </p:cBhvr>
+                                      <p:to>
+                                        <p:strVal val="visible"/>
+                                      </p:to>
+                                    </p:set>
+                                  </p:childTnLst>
+                                </p:cTn>
+                              </p:par>
+                              <p:par>
+                                <p:cTn id="17" presetID="1" presetClass="entr" presetSubtype="0" fill="hold" grpId="0" nodeType="withEffect">
+                                  <p:stCondLst>
+                                    <p:cond delay="0"/>
+                                  </p:stCondLst>
+                                  <p:childTnLst>
+                                    <p:set>
+                                      <p:cBhvr>
+                                        <p:cTn id="18" dur="1" fill="hold">
+                                          <p:stCondLst>
+                                            <p:cond delay="0"/>
+                                          </p:stCondLst>
+                                        </p:cTn>
+                                        <p:tgtEl>
+                                          <p:spTgt spid="12"/>
+                                        </p:tgtEl>
+                                        <p:attrNameLst>
+                                          <p:attrName>style.visibility</p:attrName>
+                                        </p:attrNameLst>
+                                      </p:cBhvr>
+                                      <p:to>
+                                        <p:strVal val="visible"/>
+                                      </p:to>
+                                    </p:set>
+                                  </p:childTnLst>
+                                </p:cTn>
+                              </p:par>
+                              <p:par>
+                                <p:cTn id="19" presetID="1" presetClass="entr" presetSubtype="0" fill="hold" grpId="0" nodeType="withEffect">
+                                  <p:stCondLst>
+                                    <p:cond delay="0"/>
+                                  </p:stCondLst>
+                                  <p:childTnLst>
+                                    <p:set>
+                                      <p:cBhvr>
+                                        <p:cTn id="20" dur="1" fill="hold">
+                                          <p:stCondLst>
+                                            <p:cond delay="0"/>
+                                          </p:stCondLst>
+                                        </p:cTn>
+                                        <p:tgtEl>
+                                          <p:spTgt spid="11"/>
+                                        </p:tgtEl>
+                                        <p:attrNameLst>
+                                          <p:attrName>style.visibility</p:attrName>
+                                        </p:attrNameLst>
+                                      </p:cBhvr>
+                                      <p:to>
+                                        <p:strVal val="visible"/>
+                                      </p:to>
+                                    </p:set>
+                                  </p:childTnLst>
+                                </p:cTn>
+                              </p:par>
+                            </p:childTnLst>
+                          </p:cTn>
+                        </p:par>
+                      </p:childTnLst>
+                    </p:cTn>
+                  </p:par>
+                  <p:par>
+                    <p:cTn id="21" fill="hold">
+                      <p:stCondLst>
+                        <p:cond delay="indefinite"/>
+                      </p:stCondLst>
+                      <p:childTnLst>
+                        <p:par>
+                          <p:cTn id="22" fill="hold">
+                            <p:stCondLst>
+                              <p:cond delay="0"/>
+                            </p:stCondLst>
+                            <p:childTnLst>
+                              <p:par>
+                                <p:cTn id="23" presetID="1" presetClass="entr" presetSubtype="0" fill="hold" grpId="0" nodeType="clickEffect">
+                                  <p:stCondLst>
+                                    <p:cond delay="0"/>
+                                  </p:stCondLst>
+                                  <p:childTnLst>
+                                    <p:set>
+                                      <p:cBhvr>
+                                        <p:cTn id="24" dur="1" fill="hold">
+                                          <p:stCondLst>
+                                            <p:cond delay="0"/>
+                                          </p:stCondLst>
+                                        </p:cTn>
+                                        <p:tgtEl>
+                                          <p:spTgt spid="7"/>
+                                        </p:tgtEl>
+                                        <p:attrNameLst>
+                                          <p:attrName>style.visibility</p:attrName>
+                                        </p:attrNameLst>
+                                      </p:cBhvr>
+                                      <p:to>
+                                        <p:strVal val="visible"/>
+                                      </p:to>
+                                    </p:set>
+                                  </p:childTnLst>
+                                </p:cTn>
+                              </p:par>
+                              <p:par>
+                                <p:cTn id="25" presetID="1" presetClass="entr" presetSubtype="0" fill="hold" grpId="0" nodeType="withEffect">
+                                  <p:stCondLst>
+                                    <p:cond delay="0"/>
+                                  </p:stCondLst>
+                                  <p:childTnLst>
+                                    <p:set>
+                                      <p:cBhvr>
+                                        <p:cTn id="26" dur="1" fill="hold">
+                                          <p:stCondLst>
+                                            <p:cond delay="0"/>
+                                          </p:stCondLst>
+                                        </p:cTn>
+                                        <p:tgtEl>
+                                          <p:spTgt spid="9"/>
+                                        </p:tgtEl>
+                                        <p:attrNameLst>
+                                          <p:attrName>style.visibility</p:attrName>
+                                        </p:attrNameLst>
+                                      </p:cBhvr>
+                                      <p:to>
+                                        <p:strVal val="visible"/>
+                                      </p:to>
+                                    </p:set>
+                                  </p:childTnLst>
+                                </p:cTn>
+                              </p:par>
+                              <p:par>
+                                <p:cTn id="27" presetID="1" presetClass="entr" presetSubtype="0" fill="hold" grpId="0" nodeType="withEffect">
+                                  <p:stCondLst>
+                                    <p:cond delay="0"/>
+                                  </p:stCondLst>
+                                  <p:childTnLst>
+                                    <p:set>
+                                      <p:cBhvr>
+                                        <p:cTn id="28" dur="1" fill="hold">
+                                          <p:stCondLst>
+                                            <p:cond delay="0"/>
+                                          </p:stCondLst>
+                                        </p:cTn>
+                                        <p:tgtEl>
+                                          <p:spTgt spid="8"/>
+                                        </p:tgtEl>
+                                        <p:attrNameLst>
+                                          <p:attrName>style.visibility</p:attrName>
+                                        </p:attrNameLst>
+                                      </p:cBhvr>
+                                      <p:to>
+                                        <p:strVal val="visible"/>
+                                      </p:to>
+                                    </p:set>
+                                  </p:childTnLst>
+                                </p:cTn>
+                              </p:par>
+                            </p:childTnLst>
+                          </p:cTn>
+                        </p:par>
+                      </p:childTnLst>
+                    </p:cTn>
+                  </p:par>
+                  <p:par>
+                    <p:cTn id="29" fill="hold">
+                      <p:stCondLst>
+                        <p:cond delay="indefinite"/>
+                      </p:stCondLst>
+                      <p:childTnLst>
+                        <p:par>
+                          <p:cTn id="30" fill="hold">
+                            <p:stCondLst>
+                              <p:cond delay="0"/>
+                            </p:stCondLst>
+                            <p:childTnLst>
+                              <p:par>
+                                <p:cTn id="31" presetID="1" presetClass="entr" presetSubtype="0" fill="hold" grpId="0" nodeType="clickEffect">
+                                  <p:stCondLst>
+                                    <p:cond delay="0"/>
+                                  </p:stCondLst>
+                                  <p:childTnLst>
+                                    <p:set>
+                                      <p:cBhvr>
+                                        <p:cTn id="32" dur="1" fill="hold">
+                                          <p:stCondLst>
+                                            <p:cond delay="0"/>
+                                          </p:stCondLst>
+                                        </p:cTn>
+                                        <p:tgtEl>
+                                          <p:spTgt spid="13"/>
+                                        </p:tgtEl>
+                                        <p:attrNameLst>
+                                          <p:attrName>style.visibility</p:attrName>
+                                        </p:attrNameLst>
+                                      </p:cBhvr>
+                                      <p:to>
+                                        <p:strVal val="visible"/>
+                                      </p:to>
+                                    </p:set>
+                                  </p:childTnLst>
+                                </p:cTn>
+                              </p:par>
+                              <p:par>
+                                <p:cTn id="33" presetID="1" presetClass="entr" presetSubtype="0" fill="hold" grpId="0" nodeType="withEffect">
+                                  <p:stCondLst>
+                                    <p:cond delay="0"/>
+                                  </p:stCondLst>
+                                  <p:childTnLst>
+                                    <p:set>
+                                      <p:cBhvr>
+                                        <p:cTn id="34" dur="1" fill="hold">
+                                          <p:stCondLst>
+                                            <p:cond delay="0"/>
+                                          </p:stCondLst>
+                                        </p:cTn>
+                                        <p:tgtEl>
+                                          <p:spTgt spid="15"/>
+                                        </p:tgtEl>
+                                        <p:attrNameLst>
+                                          <p:attrName>style.visibility</p:attrName>
+                                        </p:attrNameLst>
+                                      </p:cBhvr>
+                                      <p:to>
+                                        <p:strVal val="visible"/>
+                                      </p:to>
+                                    </p:set>
+                                  </p:childTnLst>
+                                </p:cTn>
+                              </p:par>
+                              <p:par>
+                                <p:cTn id="35" presetID="1" presetClass="entr" presetSubtype="0" fill="hold" grpId="0" nodeType="withEffect">
+                                  <p:stCondLst>
+                                    <p:cond delay="0"/>
+                                  </p:stCondLst>
+                                  <p:childTnLst>
+                                    <p:set>
+                                      <p:cBhvr>
+                                        <p:cTn id="36" dur="1" fill="hold">
+                                          <p:stCondLst>
+                                            <p:cond delay="0"/>
+                                          </p:stCondLst>
+                                        </p:cTn>
+                                        <p:tgtEl>
+                                          <p:spTgt spid="14"/>
+                                        </p:tgtEl>
+                                        <p:attrNameLst>
+                                          <p:attrName>style.visibility</p:attrName>
+                                        </p:attrNameLst>
+                                      </p:cBhvr>
+                                      <p:to>
+                                        <p:strVal val="visible"/>
+                                      </p:to>
+                                    </p:set>
+                                  </p:childTnLst>
+                                </p:cTn>
+                              </p:par>
+                            </p:childTnLst>
+                          </p:cTn>
+                        </p:par>
+                      </p:childTnLst>
+                    </p:cTn>
+                  </p:par>
+                </p:childTnLst>
+              </p:cTn>
+              <p:prevCondLst>
+                <p:cond evt="onPrev" delay="0">
+                  <p:tgtEl>
+                    <p:sldTgt/>
+                  </p:tgtEl>
+                </p:cond>
+              </p:prevCondLst>
+              <p:nextCondLst>
+                <p:cond evt="onNext" delay="0">
+                  <p:tgtEl>
+                    <p:sldTgt/>
+                  </p:tgtEl>
+                </p:cond>
+              </p:nextCondLst>
+            </p:seq>
+          </p:childTnLst>
+        </p:cTn>
+      </p:par>
+    </p:tnLst>
+    <p:bldLst>
+      <p:bldP spid="7" grpId="0" animBg="1"/>
+      <p:bldP spid="8" grpId="0" animBg="1"/>
+      <p:bldP spid="9" grpId="0" animBg="1"/>
+      <p:bldP spid="10" grpId="0" animBg="1"/>
+      <p:bldP spid="11" grpId="0" animBg="1"/>
+      <p:bldP spid="12" grpId="0" animBg="1"/>
+      <p:bldP spid="13" grpId="0" animBg="1"/>
+      <p:bldP spid="14" grpId="0" animBg="1"/>
+      <p:bldP spid="15" grpId="0" animBg="1"/>
+    </p:bldLst>
+  </p:timing>
 </p:sld>
 </file>
 
@@ -6352,6 +6951,471 @@
   <p:clrMapOvr>
     <a:masterClrMapping/>
   </p:clrMapOvr>
+  <p:timing>
+    <p:tnLst>
+      <p:par>
+        <p:cTn id="1" dur="indefinite" restart="never" nodeType="tmRoot">
+          <p:childTnLst>
+            <p:seq concurrent="1" nextAc="seek">
+              <p:cTn id="2" dur="indefinite" nodeType="mainSeq">
+                <p:childTnLst>
+                  <p:par>
+                    <p:cTn id="3" fill="hold">
+                      <p:stCondLst>
+                        <p:cond delay="indefinite"/>
+                        <p:cond evt="onBegin" delay="0">
+                          <p:tn val="2"/>
+                        </p:cond>
+                      </p:stCondLst>
+                      <p:childTnLst>
+                        <p:par>
+                          <p:cTn id="4" fill="hold">
+                            <p:stCondLst>
+                              <p:cond delay="0"/>
+                            </p:stCondLst>
+                            <p:childTnLst>
+                              <p:par>
+                                <p:cTn id="5" presetID="1" presetClass="entr" presetSubtype="0" fill="hold" grpId="0" nodeType="withEffect">
+                                  <p:stCondLst>
+                                    <p:cond delay="0"/>
+                                  </p:stCondLst>
+                                  <p:childTnLst>
+                                    <p:set>
+                                      <p:cBhvr>
+                                        <p:cTn id="6" dur="1" fill="hold">
+                                          <p:stCondLst>
+                                            <p:cond delay="0"/>
+                                          </p:stCondLst>
+                                        </p:cTn>
+                                        <p:tgtEl>
+                                          <p:spTgt spid="5"/>
+                                        </p:tgtEl>
+                                        <p:attrNameLst>
+                                          <p:attrName>style.visibility</p:attrName>
+                                        </p:attrNameLst>
+                                      </p:cBhvr>
+                                      <p:to>
+                                        <p:strVal val="visible"/>
+                                      </p:to>
+                                    </p:set>
+                                  </p:childTnLst>
+                                </p:cTn>
+                              </p:par>
+                            </p:childTnLst>
+                          </p:cTn>
+                        </p:par>
+                      </p:childTnLst>
+                    </p:cTn>
+                  </p:par>
+                  <p:par>
+                    <p:cTn id="7" fill="hold">
+                      <p:stCondLst>
+                        <p:cond delay="indefinite"/>
+                      </p:stCondLst>
+                      <p:childTnLst>
+                        <p:par>
+                          <p:cTn id="8" fill="hold">
+                            <p:stCondLst>
+                              <p:cond delay="0"/>
+                            </p:stCondLst>
+                            <p:childTnLst>
+                              <p:par>
+                                <p:cTn id="9" presetID="1" presetClass="entr" presetSubtype="0" fill="hold" nodeType="clickEffect">
+                                  <p:stCondLst>
+                                    <p:cond delay="0"/>
+                                  </p:stCondLst>
+                                  <p:childTnLst>
+                                    <p:set>
+                                      <p:cBhvr>
+                                        <p:cTn id="10" dur="1" fill="hold">
+                                          <p:stCondLst>
+                                            <p:cond delay="0"/>
+                                          </p:stCondLst>
+                                        </p:cTn>
+                                        <p:tgtEl>
+                                          <p:spTgt spid="5">
+                                            <p:txEl>
+                                              <p:pRg st="2" end="2"/>
+                                            </p:txEl>
+                                          </p:spTgt>
+                                        </p:tgtEl>
+                                        <p:attrNameLst>
+                                          <p:attrName>style.visibility</p:attrName>
+                                        </p:attrNameLst>
+                                      </p:cBhvr>
+                                      <p:to>
+                                        <p:strVal val="visible"/>
+                                      </p:to>
+                                    </p:set>
+                                  </p:childTnLst>
+                                </p:cTn>
+                              </p:par>
+                            </p:childTnLst>
+                          </p:cTn>
+                        </p:par>
+                      </p:childTnLst>
+                    </p:cTn>
+                  </p:par>
+                  <p:par>
+                    <p:cTn id="11" fill="hold">
+                      <p:stCondLst>
+                        <p:cond delay="indefinite"/>
+                      </p:stCondLst>
+                      <p:childTnLst>
+                        <p:par>
+                          <p:cTn id="12" fill="hold">
+                            <p:stCondLst>
+                              <p:cond delay="0"/>
+                            </p:stCondLst>
+                            <p:childTnLst>
+                              <p:par>
+                                <p:cTn id="13" presetID="1" presetClass="entr" presetSubtype="0" fill="hold" nodeType="clickEffect">
+                                  <p:stCondLst>
+                                    <p:cond delay="0"/>
+                                  </p:stCondLst>
+                                  <p:childTnLst>
+                                    <p:set>
+                                      <p:cBhvr>
+                                        <p:cTn id="14" dur="1" fill="hold">
+                                          <p:stCondLst>
+                                            <p:cond delay="0"/>
+                                          </p:stCondLst>
+                                        </p:cTn>
+                                        <p:tgtEl>
+                                          <p:spTgt spid="5">
+                                            <p:txEl>
+                                              <p:pRg st="3" end="3"/>
+                                            </p:txEl>
+                                          </p:spTgt>
+                                        </p:tgtEl>
+                                        <p:attrNameLst>
+                                          <p:attrName>style.visibility</p:attrName>
+                                        </p:attrNameLst>
+                                      </p:cBhvr>
+                                      <p:to>
+                                        <p:strVal val="visible"/>
+                                      </p:to>
+                                    </p:set>
+                                  </p:childTnLst>
+                                </p:cTn>
+                              </p:par>
+                              <p:par>
+                                <p:cTn id="15" presetID="1" presetClass="entr" presetSubtype="0" fill="hold" nodeType="withEffect">
+                                  <p:stCondLst>
+                                    <p:cond delay="0"/>
+                                  </p:stCondLst>
+                                  <p:childTnLst>
+                                    <p:set>
+                                      <p:cBhvr>
+                                        <p:cTn id="16" dur="1" fill="hold">
+                                          <p:stCondLst>
+                                            <p:cond delay="0"/>
+                                          </p:stCondLst>
+                                        </p:cTn>
+                                        <p:tgtEl>
+                                          <p:spTgt spid="5">
+                                            <p:txEl>
+                                              <p:pRg st="4" end="4"/>
+                                            </p:txEl>
+                                          </p:spTgt>
+                                        </p:tgtEl>
+                                        <p:attrNameLst>
+                                          <p:attrName>style.visibility</p:attrName>
+                                        </p:attrNameLst>
+                                      </p:cBhvr>
+                                      <p:to>
+                                        <p:strVal val="visible"/>
+                                      </p:to>
+                                    </p:set>
+                                  </p:childTnLst>
+                                </p:cTn>
+                              </p:par>
+                              <p:par>
+                                <p:cTn id="17" presetID="1" presetClass="entr" presetSubtype="0" fill="hold" nodeType="withEffect">
+                                  <p:stCondLst>
+                                    <p:cond delay="0"/>
+                                  </p:stCondLst>
+                                  <p:childTnLst>
+                                    <p:set>
+                                      <p:cBhvr>
+                                        <p:cTn id="18" dur="1" fill="hold">
+                                          <p:stCondLst>
+                                            <p:cond delay="0"/>
+                                          </p:stCondLst>
+                                        </p:cTn>
+                                        <p:tgtEl>
+                                          <p:spTgt spid="5">
+                                            <p:txEl>
+                                              <p:pRg st="8" end="8"/>
+                                            </p:txEl>
+                                          </p:spTgt>
+                                        </p:tgtEl>
+                                        <p:attrNameLst>
+                                          <p:attrName>style.visibility</p:attrName>
+                                        </p:attrNameLst>
+                                      </p:cBhvr>
+                                      <p:to>
+                                        <p:strVal val="visible"/>
+                                      </p:to>
+                                    </p:set>
+                                  </p:childTnLst>
+                                </p:cTn>
+                              </p:par>
+                            </p:childTnLst>
+                          </p:cTn>
+                        </p:par>
+                      </p:childTnLst>
+                    </p:cTn>
+                  </p:par>
+                  <p:par>
+                    <p:cTn id="19" fill="hold">
+                      <p:stCondLst>
+                        <p:cond delay="indefinite"/>
+                      </p:stCondLst>
+                      <p:childTnLst>
+                        <p:par>
+                          <p:cTn id="20" fill="hold">
+                            <p:stCondLst>
+                              <p:cond delay="0"/>
+                            </p:stCondLst>
+                            <p:childTnLst>
+                              <p:par>
+                                <p:cTn id="21" presetID="1" presetClass="entr" presetSubtype="0" fill="hold" nodeType="clickEffect">
+                                  <p:stCondLst>
+                                    <p:cond delay="0"/>
+                                  </p:stCondLst>
+                                  <p:childTnLst>
+                                    <p:set>
+                                      <p:cBhvr>
+                                        <p:cTn id="22" dur="1" fill="hold">
+                                          <p:stCondLst>
+                                            <p:cond delay="0"/>
+                                          </p:stCondLst>
+                                        </p:cTn>
+                                        <p:tgtEl>
+                                          <p:spTgt spid="5">
+                                            <p:txEl>
+                                              <p:pRg st="5" end="5"/>
+                                            </p:txEl>
+                                          </p:spTgt>
+                                        </p:tgtEl>
+                                        <p:attrNameLst>
+                                          <p:attrName>style.visibility</p:attrName>
+                                        </p:attrNameLst>
+                                      </p:cBhvr>
+                                      <p:to>
+                                        <p:strVal val="visible"/>
+                                      </p:to>
+                                    </p:set>
+                                  </p:childTnLst>
+                                </p:cTn>
+                              </p:par>
+                            </p:childTnLst>
+                          </p:cTn>
+                        </p:par>
+                      </p:childTnLst>
+                    </p:cTn>
+                  </p:par>
+                  <p:par>
+                    <p:cTn id="23" fill="hold">
+                      <p:stCondLst>
+                        <p:cond delay="indefinite"/>
+                      </p:stCondLst>
+                      <p:childTnLst>
+                        <p:par>
+                          <p:cTn id="24" fill="hold">
+                            <p:stCondLst>
+                              <p:cond delay="0"/>
+                            </p:stCondLst>
+                            <p:childTnLst>
+                              <p:par>
+                                <p:cTn id="25" presetID="1" presetClass="entr" presetSubtype="0" fill="hold" nodeType="clickEffect">
+                                  <p:stCondLst>
+                                    <p:cond delay="0"/>
+                                  </p:stCondLst>
+                                  <p:childTnLst>
+                                    <p:set>
+                                      <p:cBhvr>
+                                        <p:cTn id="26" dur="1" fill="hold">
+                                          <p:stCondLst>
+                                            <p:cond delay="0"/>
+                                          </p:stCondLst>
+                                        </p:cTn>
+                                        <p:tgtEl>
+                                          <p:spTgt spid="5">
+                                            <p:txEl>
+                                              <p:pRg st="6" end="6"/>
+                                            </p:txEl>
+                                          </p:spTgt>
+                                        </p:tgtEl>
+                                        <p:attrNameLst>
+                                          <p:attrName>style.visibility</p:attrName>
+                                        </p:attrNameLst>
+                                      </p:cBhvr>
+                                      <p:to>
+                                        <p:strVal val="visible"/>
+                                      </p:to>
+                                    </p:set>
+                                  </p:childTnLst>
+                                </p:cTn>
+                              </p:par>
+                              <p:par>
+                                <p:cTn id="27" presetID="1" presetClass="entr" presetSubtype="0" fill="hold" nodeType="withEffect">
+                                  <p:stCondLst>
+                                    <p:cond delay="0"/>
+                                  </p:stCondLst>
+                                  <p:childTnLst>
+                                    <p:set>
+                                      <p:cBhvr>
+                                        <p:cTn id="28" dur="1" fill="hold">
+                                          <p:stCondLst>
+                                            <p:cond delay="0"/>
+                                          </p:stCondLst>
+                                        </p:cTn>
+                                        <p:tgtEl>
+                                          <p:spTgt spid="5">
+                                            <p:txEl>
+                                              <p:pRg st="7" end="7"/>
+                                            </p:txEl>
+                                          </p:spTgt>
+                                        </p:tgtEl>
+                                        <p:attrNameLst>
+                                          <p:attrName>style.visibility</p:attrName>
+                                        </p:attrNameLst>
+                                      </p:cBhvr>
+                                      <p:to>
+                                        <p:strVal val="visible"/>
+                                      </p:to>
+                                    </p:set>
+                                  </p:childTnLst>
+                                </p:cTn>
+                              </p:par>
+                            </p:childTnLst>
+                          </p:cTn>
+                        </p:par>
+                      </p:childTnLst>
+                    </p:cTn>
+                  </p:par>
+                  <p:par>
+                    <p:cTn id="29" fill="hold">
+                      <p:stCondLst>
+                        <p:cond delay="indefinite"/>
+                      </p:stCondLst>
+                      <p:childTnLst>
+                        <p:par>
+                          <p:cTn id="30" fill="hold">
+                            <p:stCondLst>
+                              <p:cond delay="0"/>
+                            </p:stCondLst>
+                            <p:childTnLst>
+                              <p:par>
+                                <p:cTn id="31" presetID="1" presetClass="entr" presetSubtype="0" fill="hold" nodeType="clickEffect">
+                                  <p:stCondLst>
+                                    <p:cond delay="0"/>
+                                  </p:stCondLst>
+                                  <p:childTnLst>
+                                    <p:set>
+                                      <p:cBhvr>
+                                        <p:cTn id="32" dur="1" fill="hold">
+                                          <p:stCondLst>
+                                            <p:cond delay="0"/>
+                                          </p:stCondLst>
+                                        </p:cTn>
+                                        <p:tgtEl>
+                                          <p:spTgt spid="5">
+                                            <p:txEl>
+                                              <p:pRg st="9" end="9"/>
+                                            </p:txEl>
+                                          </p:spTgt>
+                                        </p:tgtEl>
+                                        <p:attrNameLst>
+                                          <p:attrName>style.visibility</p:attrName>
+                                        </p:attrNameLst>
+                                      </p:cBhvr>
+                                      <p:to>
+                                        <p:strVal val="visible"/>
+                                      </p:to>
+                                    </p:set>
+                                  </p:childTnLst>
+                                </p:cTn>
+                              </p:par>
+                            </p:childTnLst>
+                          </p:cTn>
+                        </p:par>
+                      </p:childTnLst>
+                    </p:cTn>
+                  </p:par>
+                  <p:par>
+                    <p:cTn id="33" fill="hold">
+                      <p:stCondLst>
+                        <p:cond delay="indefinite"/>
+                      </p:stCondLst>
+                      <p:childTnLst>
+                        <p:par>
+                          <p:cTn id="34" fill="hold">
+                            <p:stCondLst>
+                              <p:cond delay="0"/>
+                            </p:stCondLst>
+                            <p:childTnLst>
+                              <p:par>
+                                <p:cTn id="35" presetID="1" presetClass="entr" presetSubtype="0" fill="hold" grpId="0" nodeType="clickEffect">
+                                  <p:stCondLst>
+                                    <p:cond delay="0"/>
+                                  </p:stCondLst>
+                                  <p:childTnLst>
+                                    <p:set>
+                                      <p:cBhvr>
+                                        <p:cTn id="36" dur="1" fill="hold">
+                                          <p:stCondLst>
+                                            <p:cond delay="0"/>
+                                          </p:stCondLst>
+                                        </p:cTn>
+                                        <p:tgtEl>
+                                          <p:spTgt spid="7"/>
+                                        </p:tgtEl>
+                                        <p:attrNameLst>
+                                          <p:attrName>style.visibility</p:attrName>
+                                        </p:attrNameLst>
+                                      </p:cBhvr>
+                                      <p:to>
+                                        <p:strVal val="visible"/>
+                                      </p:to>
+                                    </p:set>
+                                  </p:childTnLst>
+                                </p:cTn>
+                              </p:par>
+                            </p:childTnLst>
+                          </p:cTn>
+                        </p:par>
+                      </p:childTnLst>
+                    </p:cTn>
+                  </p:par>
+                </p:childTnLst>
+              </p:cTn>
+              <p:prevCondLst>
+                <p:cond evt="onPrev" delay="0">
+                  <p:tgtEl>
+                    <p:sldTgt/>
+                  </p:tgtEl>
+                </p:cond>
+              </p:prevCondLst>
+              <p:nextCondLst>
+                <p:cond evt="onNext" delay="0">
+                  <p:tgtEl>
+                    <p:sldTgt/>
+                  </p:tgtEl>
+                </p:cond>
+              </p:nextCondLst>
+            </p:seq>
+          </p:childTnLst>
+        </p:cTn>
+      </p:par>
+    </p:tnLst>
+    <p:bldLst>
+      <p:bldP spid="5" grpId="0" animBg="1"/>
+      <p:bldP spid="7" grpId="0"/>
+    </p:bldLst>
+  </p:timing>
 </p:sld>
 </file>
 
@@ -7472,6 +8536,424 @@
   <p:clrMapOvr>
     <a:masterClrMapping/>
   </p:clrMapOvr>
+  <p:timing>
+    <p:tnLst>
+      <p:par>
+        <p:cTn id="1" dur="indefinite" restart="never" nodeType="tmRoot">
+          <p:childTnLst>
+            <p:seq concurrent="1" nextAc="seek">
+              <p:cTn id="2" dur="indefinite" nodeType="mainSeq">
+                <p:childTnLst>
+                  <p:par>
+                    <p:cTn id="3" fill="hold">
+                      <p:stCondLst>
+                        <p:cond delay="indefinite"/>
+                      </p:stCondLst>
+                      <p:childTnLst>
+                        <p:par>
+                          <p:cTn id="4" fill="hold">
+                            <p:stCondLst>
+                              <p:cond delay="0"/>
+                            </p:stCondLst>
+                            <p:childTnLst>
+                              <p:par>
+                                <p:cTn id="5" presetID="1" presetClass="entr" presetSubtype="0" fill="hold" nodeType="clickEffect">
+                                  <p:stCondLst>
+                                    <p:cond delay="0"/>
+                                  </p:stCondLst>
+                                  <p:childTnLst>
+                                    <p:set>
+                                      <p:cBhvr>
+                                        <p:cTn id="6" dur="1" fill="hold">
+                                          <p:stCondLst>
+                                            <p:cond delay="0"/>
+                                          </p:stCondLst>
+                                        </p:cTn>
+                                        <p:tgtEl>
+                                          <p:spTgt spid="3">
+                                            <p:txEl>
+                                              <p:pRg st="1" end="1"/>
+                                            </p:txEl>
+                                          </p:spTgt>
+                                        </p:tgtEl>
+                                        <p:attrNameLst>
+                                          <p:attrName>style.visibility</p:attrName>
+                                        </p:attrNameLst>
+                                      </p:cBhvr>
+                                      <p:to>
+                                        <p:strVal val="visible"/>
+                                      </p:to>
+                                    </p:set>
+                                  </p:childTnLst>
+                                </p:cTn>
+                              </p:par>
+                            </p:childTnLst>
+                          </p:cTn>
+                        </p:par>
+                      </p:childTnLst>
+                    </p:cTn>
+                  </p:par>
+                  <p:par>
+                    <p:cTn id="7" fill="hold">
+                      <p:stCondLst>
+                        <p:cond delay="indefinite"/>
+                      </p:stCondLst>
+                      <p:childTnLst>
+                        <p:par>
+                          <p:cTn id="8" fill="hold">
+                            <p:stCondLst>
+                              <p:cond delay="0"/>
+                            </p:stCondLst>
+                            <p:childTnLst>
+                              <p:par>
+                                <p:cTn id="9" presetID="1" presetClass="entr" presetSubtype="0" fill="hold" nodeType="clickEffect">
+                                  <p:stCondLst>
+                                    <p:cond delay="0"/>
+                                  </p:stCondLst>
+                                  <p:childTnLst>
+                                    <p:set>
+                                      <p:cBhvr>
+                                        <p:cTn id="10" dur="1" fill="hold">
+                                          <p:stCondLst>
+                                            <p:cond delay="0"/>
+                                          </p:stCondLst>
+                                        </p:cTn>
+                                        <p:tgtEl>
+                                          <p:spTgt spid="3">
+                                            <p:txEl>
+                                              <p:pRg st="2" end="2"/>
+                                            </p:txEl>
+                                          </p:spTgt>
+                                        </p:tgtEl>
+                                        <p:attrNameLst>
+                                          <p:attrName>style.visibility</p:attrName>
+                                        </p:attrNameLst>
+                                      </p:cBhvr>
+                                      <p:to>
+                                        <p:strVal val="visible"/>
+                                      </p:to>
+                                    </p:set>
+                                  </p:childTnLst>
+                                </p:cTn>
+                              </p:par>
+                              <p:par>
+                                <p:cTn id="11" presetID="1" presetClass="entr" presetSubtype="0" fill="hold" grpId="0" nodeType="withEffect">
+                                  <p:stCondLst>
+                                    <p:cond delay="0"/>
+                                  </p:stCondLst>
+                                  <p:childTnLst>
+                                    <p:set>
+                                      <p:cBhvr>
+                                        <p:cTn id="12" dur="1" fill="hold">
+                                          <p:stCondLst>
+                                            <p:cond delay="0"/>
+                                          </p:stCondLst>
+                                        </p:cTn>
+                                        <p:tgtEl>
+                                          <p:spTgt spid="10"/>
+                                        </p:tgtEl>
+                                        <p:attrNameLst>
+                                          <p:attrName>style.visibility</p:attrName>
+                                        </p:attrNameLst>
+                                      </p:cBhvr>
+                                      <p:to>
+                                        <p:strVal val="visible"/>
+                                      </p:to>
+                                    </p:set>
+                                  </p:childTnLst>
+                                </p:cTn>
+                              </p:par>
+                              <p:par>
+                                <p:cTn id="13" presetID="1" presetClass="entr" presetSubtype="0" fill="hold" grpId="0" nodeType="withEffect">
+                                  <p:stCondLst>
+                                    <p:cond delay="0"/>
+                                  </p:stCondLst>
+                                  <p:childTnLst>
+                                    <p:set>
+                                      <p:cBhvr>
+                                        <p:cTn id="14" dur="1" fill="hold">
+                                          <p:stCondLst>
+                                            <p:cond delay="0"/>
+                                          </p:stCondLst>
+                                        </p:cTn>
+                                        <p:tgtEl>
+                                          <p:spTgt spid="12"/>
+                                        </p:tgtEl>
+                                        <p:attrNameLst>
+                                          <p:attrName>style.visibility</p:attrName>
+                                        </p:attrNameLst>
+                                      </p:cBhvr>
+                                      <p:to>
+                                        <p:strVal val="visible"/>
+                                      </p:to>
+                                    </p:set>
+                                  </p:childTnLst>
+                                </p:cTn>
+                              </p:par>
+                              <p:par>
+                                <p:cTn id="15" presetID="1" presetClass="entr" presetSubtype="0" fill="hold" grpId="0" nodeType="withEffect">
+                                  <p:stCondLst>
+                                    <p:cond delay="0"/>
+                                  </p:stCondLst>
+                                  <p:childTnLst>
+                                    <p:set>
+                                      <p:cBhvr>
+                                        <p:cTn id="16" dur="1" fill="hold">
+                                          <p:stCondLst>
+                                            <p:cond delay="0"/>
+                                          </p:stCondLst>
+                                        </p:cTn>
+                                        <p:tgtEl>
+                                          <p:spTgt spid="11"/>
+                                        </p:tgtEl>
+                                        <p:attrNameLst>
+                                          <p:attrName>style.visibility</p:attrName>
+                                        </p:attrNameLst>
+                                      </p:cBhvr>
+                                      <p:to>
+                                        <p:strVal val="visible"/>
+                                      </p:to>
+                                    </p:set>
+                                  </p:childTnLst>
+                                </p:cTn>
+                              </p:par>
+                            </p:childTnLst>
+                          </p:cTn>
+                        </p:par>
+                      </p:childTnLst>
+                    </p:cTn>
+                  </p:par>
+                  <p:par>
+                    <p:cTn id="17" fill="hold">
+                      <p:stCondLst>
+                        <p:cond delay="indefinite"/>
+                      </p:stCondLst>
+                      <p:childTnLst>
+                        <p:par>
+                          <p:cTn id="18" fill="hold">
+                            <p:stCondLst>
+                              <p:cond delay="0"/>
+                            </p:stCondLst>
+                            <p:childTnLst>
+                              <p:par>
+                                <p:cTn id="19" presetID="1" presetClass="entr" presetSubtype="0" fill="hold" grpId="0" nodeType="clickEffect">
+                                  <p:stCondLst>
+                                    <p:cond delay="0"/>
+                                  </p:stCondLst>
+                                  <p:childTnLst>
+                                    <p:set>
+                                      <p:cBhvr>
+                                        <p:cTn id="20" dur="1" fill="hold">
+                                          <p:stCondLst>
+                                            <p:cond delay="0"/>
+                                          </p:stCondLst>
+                                        </p:cTn>
+                                        <p:tgtEl>
+                                          <p:spTgt spid="7"/>
+                                        </p:tgtEl>
+                                        <p:attrNameLst>
+                                          <p:attrName>style.visibility</p:attrName>
+                                        </p:attrNameLst>
+                                      </p:cBhvr>
+                                      <p:to>
+                                        <p:strVal val="visible"/>
+                                      </p:to>
+                                    </p:set>
+                                  </p:childTnLst>
+                                </p:cTn>
+                              </p:par>
+                              <p:par>
+                                <p:cTn id="21" presetID="1" presetClass="entr" presetSubtype="0" fill="hold" grpId="0" nodeType="withEffect">
+                                  <p:stCondLst>
+                                    <p:cond delay="0"/>
+                                  </p:stCondLst>
+                                  <p:childTnLst>
+                                    <p:set>
+                                      <p:cBhvr>
+                                        <p:cTn id="22" dur="1" fill="hold">
+                                          <p:stCondLst>
+                                            <p:cond delay="0"/>
+                                          </p:stCondLst>
+                                        </p:cTn>
+                                        <p:tgtEl>
+                                          <p:spTgt spid="9"/>
+                                        </p:tgtEl>
+                                        <p:attrNameLst>
+                                          <p:attrName>style.visibility</p:attrName>
+                                        </p:attrNameLst>
+                                      </p:cBhvr>
+                                      <p:to>
+                                        <p:strVal val="visible"/>
+                                      </p:to>
+                                    </p:set>
+                                  </p:childTnLst>
+                                </p:cTn>
+                              </p:par>
+                              <p:par>
+                                <p:cTn id="23" presetID="1" presetClass="entr" presetSubtype="0" fill="hold" grpId="0" nodeType="withEffect">
+                                  <p:stCondLst>
+                                    <p:cond delay="0"/>
+                                  </p:stCondLst>
+                                  <p:childTnLst>
+                                    <p:set>
+                                      <p:cBhvr>
+                                        <p:cTn id="24" dur="1" fill="hold">
+                                          <p:stCondLst>
+                                            <p:cond delay="0"/>
+                                          </p:stCondLst>
+                                        </p:cTn>
+                                        <p:tgtEl>
+                                          <p:spTgt spid="8"/>
+                                        </p:tgtEl>
+                                        <p:attrNameLst>
+                                          <p:attrName>style.visibility</p:attrName>
+                                        </p:attrNameLst>
+                                      </p:cBhvr>
+                                      <p:to>
+                                        <p:strVal val="visible"/>
+                                      </p:to>
+                                    </p:set>
+                                  </p:childTnLst>
+                                </p:cTn>
+                              </p:par>
+                            </p:childTnLst>
+                          </p:cTn>
+                        </p:par>
+                      </p:childTnLst>
+                    </p:cTn>
+                  </p:par>
+                  <p:par>
+                    <p:cTn id="25" fill="hold">
+                      <p:stCondLst>
+                        <p:cond delay="indefinite"/>
+                      </p:stCondLst>
+                      <p:childTnLst>
+                        <p:par>
+                          <p:cTn id="26" fill="hold">
+                            <p:stCondLst>
+                              <p:cond delay="0"/>
+                            </p:stCondLst>
+                            <p:childTnLst>
+                              <p:par>
+                                <p:cTn id="27" presetID="1" presetClass="entr" presetSubtype="0" fill="hold" grpId="0" nodeType="clickEffect">
+                                  <p:stCondLst>
+                                    <p:cond delay="0"/>
+                                  </p:stCondLst>
+                                  <p:childTnLst>
+                                    <p:set>
+                                      <p:cBhvr>
+                                        <p:cTn id="28" dur="1" fill="hold">
+                                          <p:stCondLst>
+                                            <p:cond delay="0"/>
+                                          </p:stCondLst>
+                                        </p:cTn>
+                                        <p:tgtEl>
+                                          <p:spTgt spid="13"/>
+                                        </p:tgtEl>
+                                        <p:attrNameLst>
+                                          <p:attrName>style.visibility</p:attrName>
+                                        </p:attrNameLst>
+                                      </p:cBhvr>
+                                      <p:to>
+                                        <p:strVal val="visible"/>
+                                      </p:to>
+                                    </p:set>
+                                  </p:childTnLst>
+                                </p:cTn>
+                              </p:par>
+                              <p:par>
+                                <p:cTn id="29" presetID="1" presetClass="entr" presetSubtype="0" fill="hold" grpId="0" nodeType="withEffect">
+                                  <p:stCondLst>
+                                    <p:cond delay="0"/>
+                                  </p:stCondLst>
+                                  <p:childTnLst>
+                                    <p:set>
+                                      <p:cBhvr>
+                                        <p:cTn id="30" dur="1" fill="hold">
+                                          <p:stCondLst>
+                                            <p:cond delay="0"/>
+                                          </p:stCondLst>
+                                        </p:cTn>
+                                        <p:tgtEl>
+                                          <p:spTgt spid="15"/>
+                                        </p:tgtEl>
+                                        <p:attrNameLst>
+                                          <p:attrName>style.visibility</p:attrName>
+                                        </p:attrNameLst>
+                                      </p:cBhvr>
+                                      <p:to>
+                                        <p:strVal val="visible"/>
+                                      </p:to>
+                                    </p:set>
+                                  </p:childTnLst>
+                                </p:cTn>
+                              </p:par>
+                              <p:par>
+                                <p:cTn id="31" presetID="1" presetClass="entr" presetSubtype="0" fill="hold" grpId="0" nodeType="withEffect">
+                                  <p:stCondLst>
+                                    <p:cond delay="0"/>
+                                  </p:stCondLst>
+                                  <p:childTnLst>
+                                    <p:set>
+                                      <p:cBhvr>
+                                        <p:cTn id="32" dur="1" fill="hold">
+                                          <p:stCondLst>
+                                            <p:cond delay="0"/>
+                                          </p:stCondLst>
+                                        </p:cTn>
+                                        <p:tgtEl>
+                                          <p:spTgt spid="14"/>
+                                        </p:tgtEl>
+                                        <p:attrNameLst>
+                                          <p:attrName>style.visibility</p:attrName>
+                                        </p:attrNameLst>
+                                      </p:cBhvr>
+                                      <p:to>
+                                        <p:strVal val="visible"/>
+                                      </p:to>
+                                    </p:set>
+                                  </p:childTnLst>
+                                </p:cTn>
+                              </p:par>
+                            </p:childTnLst>
+                          </p:cTn>
+                        </p:par>
+                      </p:childTnLst>
+                    </p:cTn>
+                  </p:par>
+                </p:childTnLst>
+              </p:cTn>
+              <p:prevCondLst>
+                <p:cond evt="onPrev" delay="0">
+                  <p:tgtEl>
+                    <p:sldTgt/>
+                  </p:tgtEl>
+                </p:cond>
+              </p:prevCondLst>
+              <p:nextCondLst>
+                <p:cond evt="onNext" delay="0">
+                  <p:tgtEl>
+                    <p:sldTgt/>
+                  </p:tgtEl>
+                </p:cond>
+              </p:nextCondLst>
+            </p:seq>
+          </p:childTnLst>
+        </p:cTn>
+      </p:par>
+    </p:tnLst>
+    <p:bldLst>
+      <p:bldP spid="7" grpId="0" animBg="1"/>
+      <p:bldP spid="8" grpId="0" animBg="1"/>
+      <p:bldP spid="9" grpId="0" animBg="1"/>
+      <p:bldP spid="10" grpId="0" animBg="1"/>
+      <p:bldP spid="11" grpId="0" animBg="1"/>
+      <p:bldP spid="12" grpId="0" animBg="1"/>
+      <p:bldP spid="13" grpId="0" animBg="1"/>
+      <p:bldP spid="14" grpId="0" animBg="1"/>
+      <p:bldP spid="15" grpId="0" animBg="1"/>
+    </p:bldLst>
+  </p:timing>
 </p:sld>
 </file>
 
@@ -7929,6 +9411,88 @@
   <p:clrMapOvr>
     <a:masterClrMapping/>
   </p:clrMapOvr>
+  <p:timing>
+    <p:tnLst>
+      <p:par>
+        <p:cTn id="1" dur="indefinite" restart="never" nodeType="tmRoot">
+          <p:childTnLst>
+            <p:seq concurrent="1" nextAc="seek">
+              <p:cTn id="2" dur="indefinite" nodeType="mainSeq">
+                <p:childTnLst>
+                  <p:par>
+                    <p:cTn id="3" fill="hold">
+                      <p:stCondLst>
+                        <p:cond delay="indefinite"/>
+                      </p:stCondLst>
+                      <p:childTnLst>
+                        <p:par>
+                          <p:cTn id="4" fill="hold">
+                            <p:stCondLst>
+                              <p:cond delay="0"/>
+                            </p:stCondLst>
+                            <p:childTnLst>
+                              <p:par>
+                                <p:cTn id="5" presetID="1" presetClass="entr" presetSubtype="0" fill="hold" grpId="0" nodeType="clickEffect">
+                                  <p:stCondLst>
+                                    <p:cond delay="0"/>
+                                  </p:stCondLst>
+                                  <p:childTnLst>
+                                    <p:set>
+                                      <p:cBhvr>
+                                        <p:cTn id="6" dur="1" fill="hold">
+                                          <p:stCondLst>
+                                            <p:cond delay="0"/>
+                                          </p:stCondLst>
+                                        </p:cTn>
+                                        <p:tgtEl>
+                                          <p:spTgt spid="6">
+                                            <p:txEl>
+                                              <p:pRg st="0" end="0"/>
+                                            </p:txEl>
+                                          </p:spTgt>
+                                        </p:tgtEl>
+                                        <p:attrNameLst>
+                                          <p:attrName>style.visibility</p:attrName>
+                                        </p:attrNameLst>
+                                      </p:cBhvr>
+                                      <p:to>
+                                        <p:strVal val="visible"/>
+                                      </p:to>
+                                    </p:set>
+                                  </p:childTnLst>
+                                </p:cTn>
+                              </p:par>
+                            </p:childTnLst>
+                          </p:cTn>
+                        </p:par>
+                      </p:childTnLst>
+                    </p:cTn>
+                  </p:par>
+                </p:childTnLst>
+              </p:cTn>
+              <p:prevCondLst>
+                <p:cond evt="onPrev" delay="0">
+                  <p:tgtEl>
+                    <p:sldTgt/>
+                  </p:tgtEl>
+                </p:cond>
+              </p:prevCondLst>
+              <p:nextCondLst>
+                <p:cond evt="onNext" delay="0">
+                  <p:tgtEl>
+                    <p:sldTgt/>
+                  </p:tgtEl>
+                </p:cond>
+              </p:nextCondLst>
+            </p:seq>
+          </p:childTnLst>
+        </p:cTn>
+      </p:par>
+    </p:tnLst>
+    <p:bldLst>
+      <p:bldP spid="6" grpId="0" build="p"/>
+    </p:bldLst>
+  </p:timing>
 </p:sld>
 </file>
 
@@ -8919,6 +10483,371 @@
   <p:clrMapOvr>
     <a:masterClrMapping/>
   </p:clrMapOvr>
+  <p:timing>
+    <p:tnLst>
+      <p:par>
+        <p:cTn id="1" dur="indefinite" restart="never" nodeType="tmRoot">
+          <p:childTnLst>
+            <p:seq concurrent="1" nextAc="seek">
+              <p:cTn id="2" dur="indefinite" nodeType="mainSeq">
+                <p:childTnLst>
+                  <p:par>
+                    <p:cTn id="3" fill="hold">
+                      <p:stCondLst>
+                        <p:cond delay="indefinite"/>
+                      </p:stCondLst>
+                      <p:childTnLst>
+                        <p:par>
+                          <p:cTn id="4" fill="hold">
+                            <p:stCondLst>
+                              <p:cond delay="0"/>
+                            </p:stCondLst>
+                            <p:childTnLst>
+                              <p:par>
+                                <p:cTn id="5" presetID="1" presetClass="entr" presetSubtype="0" fill="hold" nodeType="clickEffect">
+                                  <p:stCondLst>
+                                    <p:cond delay="0"/>
+                                  </p:stCondLst>
+                                  <p:childTnLst>
+                                    <p:set>
+                                      <p:cBhvr>
+                                        <p:cTn id="6" dur="1" fill="hold">
+                                          <p:stCondLst>
+                                            <p:cond delay="0"/>
+                                          </p:stCondLst>
+                                        </p:cTn>
+                                        <p:tgtEl>
+                                          <p:spTgt spid="3">
+                                            <p:txEl>
+                                              <p:pRg st="1" end="1"/>
+                                            </p:txEl>
+                                          </p:spTgt>
+                                        </p:tgtEl>
+                                        <p:attrNameLst>
+                                          <p:attrName>style.visibility</p:attrName>
+                                        </p:attrNameLst>
+                                      </p:cBhvr>
+                                      <p:to>
+                                        <p:strVal val="visible"/>
+                                      </p:to>
+                                    </p:set>
+                                  </p:childTnLst>
+                                </p:cTn>
+                              </p:par>
+                            </p:childTnLst>
+                          </p:cTn>
+                        </p:par>
+                      </p:childTnLst>
+                    </p:cTn>
+                  </p:par>
+                  <p:par>
+                    <p:cTn id="7" fill="hold">
+                      <p:stCondLst>
+                        <p:cond delay="indefinite"/>
+                      </p:stCondLst>
+                      <p:childTnLst>
+                        <p:par>
+                          <p:cTn id="8" fill="hold">
+                            <p:stCondLst>
+                              <p:cond delay="0"/>
+                            </p:stCondLst>
+                            <p:childTnLst>
+                              <p:par>
+                                <p:cTn id="9" presetID="1" presetClass="entr" presetSubtype="0" fill="hold" nodeType="clickEffect">
+                                  <p:stCondLst>
+                                    <p:cond delay="0"/>
+                                  </p:stCondLst>
+                                  <p:childTnLst>
+                                    <p:set>
+                                      <p:cBhvr>
+                                        <p:cTn id="10" dur="1" fill="hold">
+                                          <p:stCondLst>
+                                            <p:cond delay="0"/>
+                                          </p:stCondLst>
+                                        </p:cTn>
+                                        <p:tgtEl>
+                                          <p:spTgt spid="3">
+                                            <p:txEl>
+                                              <p:pRg st="2" end="2"/>
+                                            </p:txEl>
+                                          </p:spTgt>
+                                        </p:tgtEl>
+                                        <p:attrNameLst>
+                                          <p:attrName>style.visibility</p:attrName>
+                                        </p:attrNameLst>
+                                      </p:cBhvr>
+                                      <p:to>
+                                        <p:strVal val="visible"/>
+                                      </p:to>
+                                    </p:set>
+                                  </p:childTnLst>
+                                </p:cTn>
+                              </p:par>
+                            </p:childTnLst>
+                          </p:cTn>
+                        </p:par>
+                      </p:childTnLst>
+                    </p:cTn>
+                  </p:par>
+                  <p:par>
+                    <p:cTn id="11" fill="hold">
+                      <p:stCondLst>
+                        <p:cond delay="indefinite"/>
+                      </p:stCondLst>
+                      <p:childTnLst>
+                        <p:par>
+                          <p:cTn id="12" fill="hold">
+                            <p:stCondLst>
+                              <p:cond delay="0"/>
+                            </p:stCondLst>
+                            <p:childTnLst>
+                              <p:par>
+                                <p:cTn id="13" presetID="1" presetClass="entr" presetSubtype="0" fill="hold" nodeType="clickEffect">
+                                  <p:stCondLst>
+                                    <p:cond delay="0"/>
+                                  </p:stCondLst>
+                                  <p:childTnLst>
+                                    <p:set>
+                                      <p:cBhvr>
+                                        <p:cTn id="14" dur="1" fill="hold">
+                                          <p:stCondLst>
+                                            <p:cond delay="0"/>
+                                          </p:stCondLst>
+                                        </p:cTn>
+                                        <p:tgtEl>
+                                          <p:spTgt spid="3">
+                                            <p:txEl>
+                                              <p:pRg st="3" end="3"/>
+                                            </p:txEl>
+                                          </p:spTgt>
+                                        </p:tgtEl>
+                                        <p:attrNameLst>
+                                          <p:attrName>style.visibility</p:attrName>
+                                        </p:attrNameLst>
+                                      </p:cBhvr>
+                                      <p:to>
+                                        <p:strVal val="visible"/>
+                                      </p:to>
+                                    </p:set>
+                                  </p:childTnLst>
+                                </p:cTn>
+                              </p:par>
+                              <p:par>
+                                <p:cTn id="15" presetID="1" presetClass="entr" presetSubtype="0" fill="hold" grpId="0" nodeType="withEffect">
+                                  <p:stCondLst>
+                                    <p:cond delay="0"/>
+                                  </p:stCondLst>
+                                  <p:childTnLst>
+                                    <p:set>
+                                      <p:cBhvr>
+                                        <p:cTn id="16" dur="1" fill="hold">
+                                          <p:stCondLst>
+                                            <p:cond delay="0"/>
+                                          </p:stCondLst>
+                                        </p:cTn>
+                                        <p:tgtEl>
+                                          <p:spTgt spid="10"/>
+                                        </p:tgtEl>
+                                        <p:attrNameLst>
+                                          <p:attrName>style.visibility</p:attrName>
+                                        </p:attrNameLst>
+                                      </p:cBhvr>
+                                      <p:to>
+                                        <p:strVal val="visible"/>
+                                      </p:to>
+                                    </p:set>
+                                  </p:childTnLst>
+                                </p:cTn>
+                              </p:par>
+                              <p:par>
+                                <p:cTn id="17" presetID="1" presetClass="entr" presetSubtype="0" fill="hold" grpId="0" nodeType="withEffect">
+                                  <p:stCondLst>
+                                    <p:cond delay="0"/>
+                                  </p:stCondLst>
+                                  <p:childTnLst>
+                                    <p:set>
+                                      <p:cBhvr>
+                                        <p:cTn id="18" dur="1" fill="hold">
+                                          <p:stCondLst>
+                                            <p:cond delay="0"/>
+                                          </p:stCondLst>
+                                        </p:cTn>
+                                        <p:tgtEl>
+                                          <p:spTgt spid="12"/>
+                                        </p:tgtEl>
+                                        <p:attrNameLst>
+                                          <p:attrName>style.visibility</p:attrName>
+                                        </p:attrNameLst>
+                                      </p:cBhvr>
+                                      <p:to>
+                                        <p:strVal val="visible"/>
+                                      </p:to>
+                                    </p:set>
+                                  </p:childTnLst>
+                                </p:cTn>
+                              </p:par>
+                              <p:par>
+                                <p:cTn id="19" presetID="1" presetClass="entr" presetSubtype="0" fill="hold" grpId="0" nodeType="withEffect">
+                                  <p:stCondLst>
+                                    <p:cond delay="0"/>
+                                  </p:stCondLst>
+                                  <p:childTnLst>
+                                    <p:set>
+                                      <p:cBhvr>
+                                        <p:cTn id="20" dur="1" fill="hold">
+                                          <p:stCondLst>
+                                            <p:cond delay="0"/>
+                                          </p:stCondLst>
+                                        </p:cTn>
+                                        <p:tgtEl>
+                                          <p:spTgt spid="11"/>
+                                        </p:tgtEl>
+                                        <p:attrNameLst>
+                                          <p:attrName>style.visibility</p:attrName>
+                                        </p:attrNameLst>
+                                      </p:cBhvr>
+                                      <p:to>
+                                        <p:strVal val="visible"/>
+                                      </p:to>
+                                    </p:set>
+                                  </p:childTnLst>
+                                </p:cTn>
+                              </p:par>
+                            </p:childTnLst>
+                          </p:cTn>
+                        </p:par>
+                      </p:childTnLst>
+                    </p:cTn>
+                  </p:par>
+                  <p:par>
+                    <p:cTn id="21" fill="hold">
+                      <p:stCondLst>
+                        <p:cond delay="indefinite"/>
+                      </p:stCondLst>
+                      <p:childTnLst>
+                        <p:par>
+                          <p:cTn id="22" fill="hold">
+                            <p:stCondLst>
+                              <p:cond delay="0"/>
+                            </p:stCondLst>
+                            <p:childTnLst>
+                              <p:par>
+                                <p:cTn id="23" presetID="1" presetClass="entr" presetSubtype="0" fill="hold" grpId="0" nodeType="clickEffect">
+                                  <p:stCondLst>
+                                    <p:cond delay="0"/>
+                                  </p:stCondLst>
+                                  <p:childTnLst>
+                                    <p:set>
+                                      <p:cBhvr>
+                                        <p:cTn id="24" dur="1" fill="hold">
+                                          <p:stCondLst>
+                                            <p:cond delay="0"/>
+                                          </p:stCondLst>
+                                        </p:cTn>
+                                        <p:tgtEl>
+                                          <p:spTgt spid="17"/>
+                                        </p:tgtEl>
+                                        <p:attrNameLst>
+                                          <p:attrName>style.visibility</p:attrName>
+                                        </p:attrNameLst>
+                                      </p:cBhvr>
+                                      <p:to>
+                                        <p:strVal val="visible"/>
+                                      </p:to>
+                                    </p:set>
+                                  </p:childTnLst>
+                                </p:cTn>
+                              </p:par>
+                              <p:par>
+                                <p:cTn id="25" presetID="1" presetClass="entr" presetSubtype="0" fill="hold" grpId="0" nodeType="withEffect">
+                                  <p:stCondLst>
+                                    <p:cond delay="0"/>
+                                  </p:stCondLst>
+                                  <p:childTnLst>
+                                    <p:set>
+                                      <p:cBhvr>
+                                        <p:cTn id="26" dur="1" fill="hold">
+                                          <p:stCondLst>
+                                            <p:cond delay="0"/>
+                                          </p:stCondLst>
+                                        </p:cTn>
+                                        <p:tgtEl>
+                                          <p:spTgt spid="19"/>
+                                        </p:tgtEl>
+                                        <p:attrNameLst>
+                                          <p:attrName>style.visibility</p:attrName>
+                                        </p:attrNameLst>
+                                      </p:cBhvr>
+                                      <p:to>
+                                        <p:strVal val="visible"/>
+                                      </p:to>
+                                    </p:set>
+                                  </p:childTnLst>
+                                </p:cTn>
+                              </p:par>
+                              <p:par>
+                                <p:cTn id="27" presetID="1" presetClass="entr" presetSubtype="0" fill="hold" grpId="0" nodeType="withEffect">
+                                  <p:stCondLst>
+                                    <p:cond delay="0"/>
+                                  </p:stCondLst>
+                                  <p:childTnLst>
+                                    <p:set>
+                                      <p:cBhvr>
+                                        <p:cTn id="28" dur="1" fill="hold">
+                                          <p:stCondLst>
+                                            <p:cond delay="0"/>
+                                          </p:stCondLst>
+                                        </p:cTn>
+                                        <p:tgtEl>
+                                          <p:spTgt spid="18"/>
+                                        </p:tgtEl>
+                                        <p:attrNameLst>
+                                          <p:attrName>style.visibility</p:attrName>
+                                        </p:attrNameLst>
+                                      </p:cBhvr>
+                                      <p:to>
+                                        <p:strVal val="visible"/>
+                                      </p:to>
+                                    </p:set>
+                                  </p:childTnLst>
+                                </p:cTn>
+                              </p:par>
+                            </p:childTnLst>
+                          </p:cTn>
+                        </p:par>
+                      </p:childTnLst>
+                    </p:cTn>
+                  </p:par>
+                </p:childTnLst>
+              </p:cTn>
+              <p:prevCondLst>
+                <p:cond evt="onPrev" delay="0">
+                  <p:tgtEl>
+                    <p:sldTgt/>
+                  </p:tgtEl>
+                </p:cond>
+              </p:prevCondLst>
+              <p:nextCondLst>
+                <p:cond evt="onNext" delay="0">
+                  <p:tgtEl>
+                    <p:sldTgt/>
+                  </p:tgtEl>
+                </p:cond>
+              </p:nextCondLst>
+            </p:seq>
+          </p:childTnLst>
+        </p:cTn>
+      </p:par>
+    </p:tnLst>
+    <p:bldLst>
+      <p:bldP spid="10" grpId="0" animBg="1"/>
+      <p:bldP spid="11" grpId="0" animBg="1"/>
+      <p:bldP spid="12" grpId="0" animBg="1"/>
+      <p:bldP spid="17" grpId="0" animBg="1"/>
+      <p:bldP spid="18" grpId="0" animBg="1"/>
+      <p:bldP spid="19" grpId="0" animBg="1"/>
+    </p:bldLst>
+  </p:timing>
 </p:sld>
 </file>
 
@@ -9480,6 +11409,515 @@
   <p:clrMapOvr>
     <a:masterClrMapping/>
   </p:clrMapOvr>
+  <p:timing>
+    <p:tnLst>
+      <p:par>
+        <p:cTn id="1" dur="indefinite" restart="never" nodeType="tmRoot">
+          <p:childTnLst>
+            <p:seq concurrent="1" nextAc="seek">
+              <p:cTn id="2" dur="indefinite" nodeType="mainSeq">
+                <p:childTnLst>
+                  <p:par>
+                    <p:cTn id="3" fill="hold">
+                      <p:stCondLst>
+                        <p:cond delay="indefinite"/>
+                        <p:cond evt="onBegin" delay="0">
+                          <p:tn val="2"/>
+                        </p:cond>
+                      </p:stCondLst>
+                      <p:childTnLst>
+                        <p:par>
+                          <p:cTn id="4" fill="hold">
+                            <p:stCondLst>
+                              <p:cond delay="0"/>
+                            </p:stCondLst>
+                            <p:childTnLst>
+                              <p:par>
+                                <p:cTn id="5" presetID="1" presetClass="entr" presetSubtype="0" fill="hold" grpId="0" nodeType="withEffect">
+                                  <p:stCondLst>
+                                    <p:cond delay="0"/>
+                                  </p:stCondLst>
+                                  <p:childTnLst>
+                                    <p:set>
+                                      <p:cBhvr>
+                                        <p:cTn id="6" dur="1" fill="hold">
+                                          <p:stCondLst>
+                                            <p:cond delay="0"/>
+                                          </p:stCondLst>
+                                        </p:cTn>
+                                        <p:tgtEl>
+                                          <p:spTgt spid="5"/>
+                                        </p:tgtEl>
+                                        <p:attrNameLst>
+                                          <p:attrName>style.visibility</p:attrName>
+                                        </p:attrNameLst>
+                                      </p:cBhvr>
+                                      <p:to>
+                                        <p:strVal val="visible"/>
+                                      </p:to>
+                                    </p:set>
+                                  </p:childTnLst>
+                                </p:cTn>
+                              </p:par>
+                              <p:par>
+                                <p:cTn id="7" presetID="1" presetClass="entr" presetSubtype="0" fill="hold" nodeType="withEffect">
+                                  <p:stCondLst>
+                                    <p:cond delay="0"/>
+                                  </p:stCondLst>
+                                  <p:childTnLst>
+                                    <p:set>
+                                      <p:cBhvr>
+                                        <p:cTn id="8" dur="1" fill="hold">
+                                          <p:stCondLst>
+                                            <p:cond delay="0"/>
+                                          </p:stCondLst>
+                                        </p:cTn>
+                                        <p:tgtEl>
+                                          <p:spTgt spid="5">
+                                            <p:txEl>
+                                              <p:pRg st="0" end="0"/>
+                                            </p:txEl>
+                                          </p:spTgt>
+                                        </p:tgtEl>
+                                        <p:attrNameLst>
+                                          <p:attrName>style.visibility</p:attrName>
+                                        </p:attrNameLst>
+                                      </p:cBhvr>
+                                      <p:to>
+                                        <p:strVal val="visible"/>
+                                      </p:to>
+                                    </p:set>
+                                  </p:childTnLst>
+                                </p:cTn>
+                              </p:par>
+                            </p:childTnLst>
+                          </p:cTn>
+                        </p:par>
+                      </p:childTnLst>
+                    </p:cTn>
+                  </p:par>
+                  <p:par>
+                    <p:cTn id="9" fill="hold">
+                      <p:stCondLst>
+                        <p:cond delay="indefinite"/>
+                      </p:stCondLst>
+                      <p:childTnLst>
+                        <p:par>
+                          <p:cTn id="10" fill="hold">
+                            <p:stCondLst>
+                              <p:cond delay="0"/>
+                            </p:stCondLst>
+                            <p:childTnLst>
+                              <p:par>
+                                <p:cTn id="11" presetID="1" presetClass="entr" presetSubtype="0" fill="hold" nodeType="clickEffect">
+                                  <p:stCondLst>
+                                    <p:cond delay="0"/>
+                                  </p:stCondLst>
+                                  <p:childTnLst>
+                                    <p:set>
+                                      <p:cBhvr>
+                                        <p:cTn id="12" dur="1" fill="hold">
+                                          <p:stCondLst>
+                                            <p:cond delay="0"/>
+                                          </p:stCondLst>
+                                        </p:cTn>
+                                        <p:tgtEl>
+                                          <p:spTgt spid="5">
+                                            <p:txEl>
+                                              <p:pRg st="1" end="1"/>
+                                            </p:txEl>
+                                          </p:spTgt>
+                                        </p:tgtEl>
+                                        <p:attrNameLst>
+                                          <p:attrName>style.visibility</p:attrName>
+                                        </p:attrNameLst>
+                                      </p:cBhvr>
+                                      <p:to>
+                                        <p:strVal val="visible"/>
+                                      </p:to>
+                                    </p:set>
+                                  </p:childTnLst>
+                                </p:cTn>
+                              </p:par>
+                            </p:childTnLst>
+                          </p:cTn>
+                        </p:par>
+                      </p:childTnLst>
+                    </p:cTn>
+                  </p:par>
+                  <p:par>
+                    <p:cTn id="13" fill="hold">
+                      <p:stCondLst>
+                        <p:cond delay="indefinite"/>
+                      </p:stCondLst>
+                      <p:childTnLst>
+                        <p:par>
+                          <p:cTn id="14" fill="hold">
+                            <p:stCondLst>
+                              <p:cond delay="0"/>
+                            </p:stCondLst>
+                            <p:childTnLst>
+                              <p:par>
+                                <p:cTn id="15" presetID="1" presetClass="entr" presetSubtype="0" fill="hold" nodeType="clickEffect">
+                                  <p:stCondLst>
+                                    <p:cond delay="0"/>
+                                  </p:stCondLst>
+                                  <p:childTnLst>
+                                    <p:set>
+                                      <p:cBhvr>
+                                        <p:cTn id="16" dur="1" fill="hold">
+                                          <p:stCondLst>
+                                            <p:cond delay="0"/>
+                                          </p:stCondLst>
+                                        </p:cTn>
+                                        <p:tgtEl>
+                                          <p:spTgt spid="5">
+                                            <p:txEl>
+                                              <p:pRg st="2" end="2"/>
+                                            </p:txEl>
+                                          </p:spTgt>
+                                        </p:tgtEl>
+                                        <p:attrNameLst>
+                                          <p:attrName>style.visibility</p:attrName>
+                                        </p:attrNameLst>
+                                      </p:cBhvr>
+                                      <p:to>
+                                        <p:strVal val="visible"/>
+                                      </p:to>
+                                    </p:set>
+                                  </p:childTnLst>
+                                </p:cTn>
+                              </p:par>
+                              <p:par>
+                                <p:cTn id="17" presetID="1" presetClass="entr" presetSubtype="0" fill="hold" nodeType="withEffect">
+                                  <p:stCondLst>
+                                    <p:cond delay="0"/>
+                                  </p:stCondLst>
+                                  <p:childTnLst>
+                                    <p:set>
+                                      <p:cBhvr>
+                                        <p:cTn id="18" dur="1" fill="hold">
+                                          <p:stCondLst>
+                                            <p:cond delay="0"/>
+                                          </p:stCondLst>
+                                        </p:cTn>
+                                        <p:tgtEl>
+                                          <p:spTgt spid="5">
+                                            <p:txEl>
+                                              <p:pRg st="3" end="3"/>
+                                            </p:txEl>
+                                          </p:spTgt>
+                                        </p:tgtEl>
+                                        <p:attrNameLst>
+                                          <p:attrName>style.visibility</p:attrName>
+                                        </p:attrNameLst>
+                                      </p:cBhvr>
+                                      <p:to>
+                                        <p:strVal val="visible"/>
+                                      </p:to>
+                                    </p:set>
+                                  </p:childTnLst>
+                                </p:cTn>
+                              </p:par>
+                              <p:par>
+                                <p:cTn id="19" presetID="1" presetClass="entr" presetSubtype="0" fill="hold" nodeType="withEffect">
+                                  <p:stCondLst>
+                                    <p:cond delay="0"/>
+                                  </p:stCondLst>
+                                  <p:childTnLst>
+                                    <p:set>
+                                      <p:cBhvr>
+                                        <p:cTn id="20" dur="1" fill="hold">
+                                          <p:stCondLst>
+                                            <p:cond delay="0"/>
+                                          </p:stCondLst>
+                                        </p:cTn>
+                                        <p:tgtEl>
+                                          <p:spTgt spid="5">
+                                            <p:txEl>
+                                              <p:pRg st="4" end="4"/>
+                                            </p:txEl>
+                                          </p:spTgt>
+                                        </p:tgtEl>
+                                        <p:attrNameLst>
+                                          <p:attrName>style.visibility</p:attrName>
+                                        </p:attrNameLst>
+                                      </p:cBhvr>
+                                      <p:to>
+                                        <p:strVal val="visible"/>
+                                      </p:to>
+                                    </p:set>
+                                  </p:childTnLst>
+                                </p:cTn>
+                              </p:par>
+                            </p:childTnLst>
+                          </p:cTn>
+                        </p:par>
+                      </p:childTnLst>
+                    </p:cTn>
+                  </p:par>
+                  <p:par>
+                    <p:cTn id="21" fill="hold">
+                      <p:stCondLst>
+                        <p:cond delay="indefinite"/>
+                      </p:stCondLst>
+                      <p:childTnLst>
+                        <p:par>
+                          <p:cTn id="22" fill="hold">
+                            <p:stCondLst>
+                              <p:cond delay="0"/>
+                            </p:stCondLst>
+                            <p:childTnLst>
+                              <p:par>
+                                <p:cTn id="23" presetID="1" presetClass="entr" presetSubtype="0" fill="hold" nodeType="clickEffect">
+                                  <p:stCondLst>
+                                    <p:cond delay="0"/>
+                                  </p:stCondLst>
+                                  <p:childTnLst>
+                                    <p:set>
+                                      <p:cBhvr>
+                                        <p:cTn id="24" dur="1" fill="hold">
+                                          <p:stCondLst>
+                                            <p:cond delay="0"/>
+                                          </p:stCondLst>
+                                        </p:cTn>
+                                        <p:tgtEl>
+                                          <p:spTgt spid="5">
+                                            <p:txEl>
+                                              <p:pRg st="5" end="5"/>
+                                            </p:txEl>
+                                          </p:spTgt>
+                                        </p:tgtEl>
+                                        <p:attrNameLst>
+                                          <p:attrName>style.visibility</p:attrName>
+                                        </p:attrNameLst>
+                                      </p:cBhvr>
+                                      <p:to>
+                                        <p:strVal val="visible"/>
+                                      </p:to>
+                                    </p:set>
+                                  </p:childTnLst>
+                                </p:cTn>
+                              </p:par>
+                              <p:par>
+                                <p:cTn id="25" presetID="1" presetClass="entr" presetSubtype="0" fill="hold" nodeType="withEffect">
+                                  <p:stCondLst>
+                                    <p:cond delay="0"/>
+                                  </p:stCondLst>
+                                  <p:childTnLst>
+                                    <p:set>
+                                      <p:cBhvr>
+                                        <p:cTn id="26" dur="1" fill="hold">
+                                          <p:stCondLst>
+                                            <p:cond delay="0"/>
+                                          </p:stCondLst>
+                                        </p:cTn>
+                                        <p:tgtEl>
+                                          <p:spTgt spid="5">
+                                            <p:txEl>
+                                              <p:pRg st="6" end="6"/>
+                                            </p:txEl>
+                                          </p:spTgt>
+                                        </p:tgtEl>
+                                        <p:attrNameLst>
+                                          <p:attrName>style.visibility</p:attrName>
+                                        </p:attrNameLst>
+                                      </p:cBhvr>
+                                      <p:to>
+                                        <p:strVal val="visible"/>
+                                      </p:to>
+                                    </p:set>
+                                  </p:childTnLst>
+                                </p:cTn>
+                              </p:par>
+                            </p:childTnLst>
+                          </p:cTn>
+                        </p:par>
+                      </p:childTnLst>
+                    </p:cTn>
+                  </p:par>
+                  <p:par>
+                    <p:cTn id="27" fill="hold">
+                      <p:stCondLst>
+                        <p:cond delay="indefinite"/>
+                      </p:stCondLst>
+                      <p:childTnLst>
+                        <p:par>
+                          <p:cTn id="28" fill="hold">
+                            <p:stCondLst>
+                              <p:cond delay="0"/>
+                            </p:stCondLst>
+                            <p:childTnLst>
+                              <p:par>
+                                <p:cTn id="29" presetID="1" presetClass="entr" presetSubtype="0" fill="hold" nodeType="clickEffect">
+                                  <p:stCondLst>
+                                    <p:cond delay="0"/>
+                                  </p:stCondLst>
+                                  <p:childTnLst>
+                                    <p:set>
+                                      <p:cBhvr>
+                                        <p:cTn id="30" dur="1" fill="hold">
+                                          <p:stCondLst>
+                                            <p:cond delay="0"/>
+                                          </p:stCondLst>
+                                        </p:cTn>
+                                        <p:tgtEl>
+                                          <p:spTgt spid="5">
+                                            <p:txEl>
+                                              <p:pRg st="7" end="7"/>
+                                            </p:txEl>
+                                          </p:spTgt>
+                                        </p:tgtEl>
+                                        <p:attrNameLst>
+                                          <p:attrName>style.visibility</p:attrName>
+                                        </p:attrNameLst>
+                                      </p:cBhvr>
+                                      <p:to>
+                                        <p:strVal val="visible"/>
+                                      </p:to>
+                                    </p:set>
+                                  </p:childTnLst>
+                                </p:cTn>
+                              </p:par>
+                              <p:par>
+                                <p:cTn id="31" presetID="1" presetClass="entr" presetSubtype="0" fill="hold" nodeType="withEffect">
+                                  <p:stCondLst>
+                                    <p:cond delay="0"/>
+                                  </p:stCondLst>
+                                  <p:childTnLst>
+                                    <p:set>
+                                      <p:cBhvr>
+                                        <p:cTn id="32" dur="1" fill="hold">
+                                          <p:stCondLst>
+                                            <p:cond delay="0"/>
+                                          </p:stCondLst>
+                                        </p:cTn>
+                                        <p:tgtEl>
+                                          <p:spTgt spid="5">
+                                            <p:txEl>
+                                              <p:pRg st="8" end="8"/>
+                                            </p:txEl>
+                                          </p:spTgt>
+                                        </p:tgtEl>
+                                        <p:attrNameLst>
+                                          <p:attrName>style.visibility</p:attrName>
+                                        </p:attrNameLst>
+                                      </p:cBhvr>
+                                      <p:to>
+                                        <p:strVal val="visible"/>
+                                      </p:to>
+                                    </p:set>
+                                  </p:childTnLst>
+                                </p:cTn>
+                              </p:par>
+                              <p:par>
+                                <p:cTn id="33" presetID="1" presetClass="entr" presetSubtype="0" fill="hold" nodeType="withEffect">
+                                  <p:stCondLst>
+                                    <p:cond delay="0"/>
+                                  </p:stCondLst>
+                                  <p:childTnLst>
+                                    <p:set>
+                                      <p:cBhvr>
+                                        <p:cTn id="34" dur="1" fill="hold">
+                                          <p:stCondLst>
+                                            <p:cond delay="0"/>
+                                          </p:stCondLst>
+                                        </p:cTn>
+                                        <p:tgtEl>
+                                          <p:spTgt spid="5">
+                                            <p:txEl>
+                                              <p:pRg st="9" end="9"/>
+                                            </p:txEl>
+                                          </p:spTgt>
+                                        </p:tgtEl>
+                                        <p:attrNameLst>
+                                          <p:attrName>style.visibility</p:attrName>
+                                        </p:attrNameLst>
+                                      </p:cBhvr>
+                                      <p:to>
+                                        <p:strVal val="visible"/>
+                                      </p:to>
+                                    </p:set>
+                                  </p:childTnLst>
+                                </p:cTn>
+                              </p:par>
+                            </p:childTnLst>
+                          </p:cTn>
+                        </p:par>
+                      </p:childTnLst>
+                    </p:cTn>
+                  </p:par>
+                  <p:par>
+                    <p:cTn id="35" fill="hold">
+                      <p:stCondLst>
+                        <p:cond delay="indefinite"/>
+                      </p:stCondLst>
+                      <p:childTnLst>
+                        <p:par>
+                          <p:cTn id="36" fill="hold">
+                            <p:stCondLst>
+                              <p:cond delay="0"/>
+                            </p:stCondLst>
+                            <p:childTnLst>
+                              <p:par>
+                                <p:cTn id="37" presetID="1" presetClass="entr" presetSubtype="0" fill="hold" grpId="0" nodeType="clickEffect">
+                                  <p:stCondLst>
+                                    <p:cond delay="0"/>
+                                  </p:stCondLst>
+                                  <p:childTnLst>
+                                    <p:set>
+                                      <p:cBhvr>
+                                        <p:cTn id="38" dur="1" fill="hold">
+                                          <p:stCondLst>
+                                            <p:cond delay="0"/>
+                                          </p:stCondLst>
+                                        </p:cTn>
+                                        <p:tgtEl>
+                                          <p:spTgt spid="7"/>
+                                        </p:tgtEl>
+                                        <p:attrNameLst>
+                                          <p:attrName>style.visibility</p:attrName>
+                                        </p:attrNameLst>
+                                      </p:cBhvr>
+                                      <p:to>
+                                        <p:strVal val="visible"/>
+                                      </p:to>
+                                    </p:set>
+                                  </p:childTnLst>
+                                </p:cTn>
+                              </p:par>
+                            </p:childTnLst>
+                          </p:cTn>
+                        </p:par>
+                      </p:childTnLst>
+                    </p:cTn>
+                  </p:par>
+                </p:childTnLst>
+              </p:cTn>
+              <p:prevCondLst>
+                <p:cond evt="onPrev" delay="0">
+                  <p:tgtEl>
+                    <p:sldTgt/>
+                  </p:tgtEl>
+                </p:cond>
+              </p:prevCondLst>
+              <p:nextCondLst>
+                <p:cond evt="onNext" delay="0">
+                  <p:tgtEl>
+                    <p:sldTgt/>
+                  </p:tgtEl>
+                </p:cond>
+              </p:nextCondLst>
+            </p:seq>
+          </p:childTnLst>
+        </p:cTn>
+      </p:par>
+    </p:tnLst>
+    <p:bldLst>
+      <p:bldP spid="5" grpId="0" animBg="1"/>
+      <p:bldP spid="7" grpId="0"/>
+    </p:bldLst>
+  </p:timing>
 </p:sld>
 </file>
 
@@ -9678,7 +12116,18 @@
             </a:r>
             <a:r>
               <a:rPr lang="bg-BG" sz="3000" dirty="0"/>
-              <a:t>положително число). Примери:</a:t>
+              <a:t>положително число). </a:t>
+            </a:r>
+          </a:p>
+          <a:p>
+            <a:pPr lvl="1">
+              <a:lnSpc>
+                <a:spcPct val="100000"/>
+              </a:lnSpc>
+            </a:pPr>
+            <a:r>
+              <a:rPr lang="bg-BG" sz="3000" dirty="0"/>
+              <a:t>Примери:</a:t>
             </a:r>
             <a:endParaRPr lang="en-US" sz="3000" dirty="0">
               <a:solidFill>
@@ -9726,7 +12175,7 @@
         </p:nvSpPr>
         <p:spPr bwMode="auto">
           <a:xfrm>
-            <a:off x="684212" y="4149921"/>
+            <a:off x="684212" y="4422454"/>
             <a:ext cx="761999" cy="2187469"/>
           </a:xfrm>
           <a:prstGeom prst="rect">
@@ -9979,7 +12428,7 @@
         </p:nvSpPr>
         <p:spPr bwMode="auto">
           <a:xfrm>
-            <a:off x="2109593" y="4148471"/>
+            <a:off x="2101188" y="4423629"/>
             <a:ext cx="1775019" cy="2188892"/>
           </a:xfrm>
           <a:prstGeom prst="rect">
@@ -10134,7 +12583,7 @@
         </p:nvSpPr>
         <p:spPr>
           <a:xfrm>
-            <a:off x="1540897" y="5107150"/>
+            <a:off x="1540897" y="5363788"/>
             <a:ext cx="457200" cy="304800"/>
           </a:xfrm>
           <a:prstGeom prst="rightArrow">
@@ -10176,7 +12625,7 @@
         </p:nvSpPr>
         <p:spPr bwMode="auto">
           <a:xfrm>
-            <a:off x="4570412" y="4148470"/>
+            <a:off x="4570412" y="4420356"/>
             <a:ext cx="743226" cy="2189567"/>
           </a:xfrm>
           <a:prstGeom prst="rect">
@@ -10440,7 +12889,7 @@
         </p:nvSpPr>
         <p:spPr bwMode="auto">
           <a:xfrm>
-            <a:off x="5977020" y="4148471"/>
+            <a:off x="6052714" y="4424229"/>
             <a:ext cx="1717592" cy="2188892"/>
           </a:xfrm>
           <a:prstGeom prst="rect">
@@ -10547,7 +12996,7 @@
         </p:nvSpPr>
         <p:spPr>
           <a:xfrm>
-            <a:off x="5416729" y="5110562"/>
+            <a:off x="5414443" y="5362739"/>
             <a:ext cx="457200" cy="304800"/>
           </a:xfrm>
           <a:prstGeom prst="rightArrow">
@@ -10589,7 +13038,7 @@
         </p:nvSpPr>
         <p:spPr bwMode="auto">
           <a:xfrm>
-            <a:off x="8380412" y="4114800"/>
+            <a:off x="8380412" y="4425394"/>
             <a:ext cx="743226" cy="2189567"/>
           </a:xfrm>
           <a:prstGeom prst="rect">
@@ -10779,7 +13228,7 @@
         </p:nvSpPr>
         <p:spPr bwMode="auto">
           <a:xfrm>
-            <a:off x="9787020" y="4114801"/>
+            <a:off x="9804869" y="4426070"/>
             <a:ext cx="1717592" cy="2188892"/>
           </a:xfrm>
           <a:prstGeom prst="rect">
@@ -10886,7 +13335,7 @@
         </p:nvSpPr>
         <p:spPr>
           <a:xfrm>
-            <a:off x="9226729" y="5076892"/>
+            <a:off x="9255330" y="5362739"/>
             <a:ext cx="457200" cy="304800"/>
           </a:xfrm>
           <a:prstGeom prst="rightArrow">
@@ -10988,6 +13437,473 @@
   <p:clrMapOvr>
     <a:masterClrMapping/>
   </p:clrMapOvr>
+  <p:timing>
+    <p:tnLst>
+      <p:par>
+        <p:cTn id="1" dur="indefinite" restart="never" nodeType="tmRoot">
+          <p:childTnLst>
+            <p:seq concurrent="1" nextAc="seek">
+              <p:cTn id="2" dur="indefinite" nodeType="mainSeq">
+                <p:childTnLst>
+                  <p:par>
+                    <p:cTn id="3" fill="hold">
+                      <p:stCondLst>
+                        <p:cond delay="indefinite"/>
+                      </p:stCondLst>
+                      <p:childTnLst>
+                        <p:par>
+                          <p:cTn id="4" fill="hold">
+                            <p:stCondLst>
+                              <p:cond delay="0"/>
+                            </p:stCondLst>
+                            <p:childTnLst>
+                              <p:par>
+                                <p:cTn id="5" presetID="1" presetClass="entr" presetSubtype="0" fill="hold" nodeType="clickEffect">
+                                  <p:stCondLst>
+                                    <p:cond delay="0"/>
+                                  </p:stCondLst>
+                                  <p:childTnLst>
+                                    <p:set>
+                                      <p:cBhvr>
+                                        <p:cTn id="6" dur="1" fill="hold">
+                                          <p:stCondLst>
+                                            <p:cond delay="0"/>
+                                          </p:stCondLst>
+                                        </p:cTn>
+                                        <p:tgtEl>
+                                          <p:spTgt spid="3">
+                                            <p:txEl>
+                                              <p:pRg st="1" end="1"/>
+                                            </p:txEl>
+                                          </p:spTgt>
+                                        </p:tgtEl>
+                                        <p:attrNameLst>
+                                          <p:attrName>style.visibility</p:attrName>
+                                        </p:attrNameLst>
+                                      </p:cBhvr>
+                                      <p:to>
+                                        <p:strVal val="visible"/>
+                                      </p:to>
+                                    </p:set>
+                                  </p:childTnLst>
+                                </p:cTn>
+                              </p:par>
+                            </p:childTnLst>
+                          </p:cTn>
+                        </p:par>
+                      </p:childTnLst>
+                    </p:cTn>
+                  </p:par>
+                  <p:par>
+                    <p:cTn id="7" fill="hold">
+                      <p:stCondLst>
+                        <p:cond delay="indefinite"/>
+                      </p:stCondLst>
+                      <p:childTnLst>
+                        <p:par>
+                          <p:cTn id="8" fill="hold">
+                            <p:stCondLst>
+                              <p:cond delay="0"/>
+                            </p:stCondLst>
+                            <p:childTnLst>
+                              <p:par>
+                                <p:cTn id="9" presetID="1" presetClass="entr" presetSubtype="0" fill="hold" nodeType="clickEffect">
+                                  <p:stCondLst>
+                                    <p:cond delay="0"/>
+                                  </p:stCondLst>
+                                  <p:childTnLst>
+                                    <p:set>
+                                      <p:cBhvr>
+                                        <p:cTn id="10" dur="1" fill="hold">
+                                          <p:stCondLst>
+                                            <p:cond delay="0"/>
+                                          </p:stCondLst>
+                                        </p:cTn>
+                                        <p:tgtEl>
+                                          <p:spTgt spid="3">
+                                            <p:txEl>
+                                              <p:pRg st="2" end="2"/>
+                                            </p:txEl>
+                                          </p:spTgt>
+                                        </p:tgtEl>
+                                        <p:attrNameLst>
+                                          <p:attrName>style.visibility</p:attrName>
+                                        </p:attrNameLst>
+                                      </p:cBhvr>
+                                      <p:to>
+                                        <p:strVal val="visible"/>
+                                      </p:to>
+                                    </p:set>
+                                  </p:childTnLst>
+                                </p:cTn>
+                              </p:par>
+                            </p:childTnLst>
+                          </p:cTn>
+                        </p:par>
+                      </p:childTnLst>
+                    </p:cTn>
+                  </p:par>
+                  <p:par>
+                    <p:cTn id="11" fill="hold">
+                      <p:stCondLst>
+                        <p:cond delay="indefinite"/>
+                      </p:stCondLst>
+                      <p:childTnLst>
+                        <p:par>
+                          <p:cTn id="12" fill="hold">
+                            <p:stCondLst>
+                              <p:cond delay="0"/>
+                            </p:stCondLst>
+                            <p:childTnLst>
+                              <p:par>
+                                <p:cTn id="13" presetID="1" presetClass="entr" presetSubtype="0" fill="hold" nodeType="clickEffect">
+                                  <p:stCondLst>
+                                    <p:cond delay="0"/>
+                                  </p:stCondLst>
+                                  <p:childTnLst>
+                                    <p:set>
+                                      <p:cBhvr>
+                                        <p:cTn id="14" dur="1" fill="hold">
+                                          <p:stCondLst>
+                                            <p:cond delay="0"/>
+                                          </p:stCondLst>
+                                        </p:cTn>
+                                        <p:tgtEl>
+                                          <p:spTgt spid="3">
+                                            <p:txEl>
+                                              <p:pRg st="3" end="3"/>
+                                            </p:txEl>
+                                          </p:spTgt>
+                                        </p:tgtEl>
+                                        <p:attrNameLst>
+                                          <p:attrName>style.visibility</p:attrName>
+                                        </p:attrNameLst>
+                                      </p:cBhvr>
+                                      <p:to>
+                                        <p:strVal val="visible"/>
+                                      </p:to>
+                                    </p:set>
+                                  </p:childTnLst>
+                                </p:cTn>
+                              </p:par>
+                              <p:par>
+                                <p:cTn id="15" presetID="1" presetClass="entr" presetSubtype="0" fill="hold" grpId="0" nodeType="withEffect">
+                                  <p:stCondLst>
+                                    <p:cond delay="0"/>
+                                  </p:stCondLst>
+                                  <p:childTnLst>
+                                    <p:set>
+                                      <p:cBhvr>
+                                        <p:cTn id="16" dur="1" fill="hold">
+                                          <p:stCondLst>
+                                            <p:cond delay="0"/>
+                                          </p:stCondLst>
+                                        </p:cTn>
+                                        <p:tgtEl>
+                                          <p:spTgt spid="10"/>
+                                        </p:tgtEl>
+                                        <p:attrNameLst>
+                                          <p:attrName>style.visibility</p:attrName>
+                                        </p:attrNameLst>
+                                      </p:cBhvr>
+                                      <p:to>
+                                        <p:strVal val="visible"/>
+                                      </p:to>
+                                    </p:set>
+                                  </p:childTnLst>
+                                </p:cTn>
+                              </p:par>
+                              <p:par>
+                                <p:cTn id="17" presetID="1" presetClass="entr" presetSubtype="0" fill="hold" grpId="0" nodeType="withEffect">
+                                  <p:stCondLst>
+                                    <p:cond delay="0"/>
+                                  </p:stCondLst>
+                                  <p:childTnLst>
+                                    <p:set>
+                                      <p:cBhvr>
+                                        <p:cTn id="18" dur="1" fill="hold">
+                                          <p:stCondLst>
+                                            <p:cond delay="0"/>
+                                          </p:stCondLst>
+                                        </p:cTn>
+                                        <p:tgtEl>
+                                          <p:spTgt spid="12"/>
+                                        </p:tgtEl>
+                                        <p:attrNameLst>
+                                          <p:attrName>style.visibility</p:attrName>
+                                        </p:attrNameLst>
+                                      </p:cBhvr>
+                                      <p:to>
+                                        <p:strVal val="visible"/>
+                                      </p:to>
+                                    </p:set>
+                                  </p:childTnLst>
+                                </p:cTn>
+                              </p:par>
+                              <p:par>
+                                <p:cTn id="19" presetID="1" presetClass="entr" presetSubtype="0" fill="hold" grpId="0" nodeType="withEffect">
+                                  <p:stCondLst>
+                                    <p:cond delay="0"/>
+                                  </p:stCondLst>
+                                  <p:childTnLst>
+                                    <p:set>
+                                      <p:cBhvr>
+                                        <p:cTn id="20" dur="1" fill="hold">
+                                          <p:stCondLst>
+                                            <p:cond delay="0"/>
+                                          </p:stCondLst>
+                                        </p:cTn>
+                                        <p:tgtEl>
+                                          <p:spTgt spid="11"/>
+                                        </p:tgtEl>
+                                        <p:attrNameLst>
+                                          <p:attrName>style.visibility</p:attrName>
+                                        </p:attrNameLst>
+                                      </p:cBhvr>
+                                      <p:to>
+                                        <p:strVal val="visible"/>
+                                      </p:to>
+                                    </p:set>
+                                  </p:childTnLst>
+                                </p:cTn>
+                              </p:par>
+                            </p:childTnLst>
+                          </p:cTn>
+                        </p:par>
+                      </p:childTnLst>
+                    </p:cTn>
+                  </p:par>
+                  <p:par>
+                    <p:cTn id="21" fill="hold">
+                      <p:stCondLst>
+                        <p:cond delay="indefinite"/>
+                      </p:stCondLst>
+                      <p:childTnLst>
+                        <p:par>
+                          <p:cTn id="22" fill="hold">
+                            <p:stCondLst>
+                              <p:cond delay="0"/>
+                            </p:stCondLst>
+                            <p:childTnLst>
+                              <p:par>
+                                <p:cTn id="23" presetID="1" presetClass="entr" presetSubtype="0" fill="hold" grpId="0" nodeType="clickEffect">
+                                  <p:stCondLst>
+                                    <p:cond delay="0"/>
+                                  </p:stCondLst>
+                                  <p:childTnLst>
+                                    <p:set>
+                                      <p:cBhvr>
+                                        <p:cTn id="24" dur="1" fill="hold">
+                                          <p:stCondLst>
+                                            <p:cond delay="0"/>
+                                          </p:stCondLst>
+                                        </p:cTn>
+                                        <p:tgtEl>
+                                          <p:spTgt spid="17"/>
+                                        </p:tgtEl>
+                                        <p:attrNameLst>
+                                          <p:attrName>style.visibility</p:attrName>
+                                        </p:attrNameLst>
+                                      </p:cBhvr>
+                                      <p:to>
+                                        <p:strVal val="visible"/>
+                                      </p:to>
+                                    </p:set>
+                                  </p:childTnLst>
+                                </p:cTn>
+                              </p:par>
+                              <p:par>
+                                <p:cTn id="25" presetID="1" presetClass="entr" presetSubtype="0" fill="hold" grpId="0" nodeType="withEffect">
+                                  <p:stCondLst>
+                                    <p:cond delay="0"/>
+                                  </p:stCondLst>
+                                  <p:childTnLst>
+                                    <p:set>
+                                      <p:cBhvr>
+                                        <p:cTn id="26" dur="1" fill="hold">
+                                          <p:stCondLst>
+                                            <p:cond delay="0"/>
+                                          </p:stCondLst>
+                                        </p:cTn>
+                                        <p:tgtEl>
+                                          <p:spTgt spid="19"/>
+                                        </p:tgtEl>
+                                        <p:attrNameLst>
+                                          <p:attrName>style.visibility</p:attrName>
+                                        </p:attrNameLst>
+                                      </p:cBhvr>
+                                      <p:to>
+                                        <p:strVal val="visible"/>
+                                      </p:to>
+                                    </p:set>
+                                  </p:childTnLst>
+                                </p:cTn>
+                              </p:par>
+                              <p:par>
+                                <p:cTn id="27" presetID="1" presetClass="entr" presetSubtype="0" fill="hold" grpId="0" nodeType="withEffect">
+                                  <p:stCondLst>
+                                    <p:cond delay="0"/>
+                                  </p:stCondLst>
+                                  <p:childTnLst>
+                                    <p:set>
+                                      <p:cBhvr>
+                                        <p:cTn id="28" dur="1" fill="hold">
+                                          <p:stCondLst>
+                                            <p:cond delay="0"/>
+                                          </p:stCondLst>
+                                        </p:cTn>
+                                        <p:tgtEl>
+                                          <p:spTgt spid="18"/>
+                                        </p:tgtEl>
+                                        <p:attrNameLst>
+                                          <p:attrName>style.visibility</p:attrName>
+                                        </p:attrNameLst>
+                                      </p:cBhvr>
+                                      <p:to>
+                                        <p:strVal val="visible"/>
+                                      </p:to>
+                                    </p:set>
+                                  </p:childTnLst>
+                                </p:cTn>
+                              </p:par>
+                            </p:childTnLst>
+                          </p:cTn>
+                        </p:par>
+                      </p:childTnLst>
+                    </p:cTn>
+                  </p:par>
+                  <p:par>
+                    <p:cTn id="29" fill="hold">
+                      <p:stCondLst>
+                        <p:cond delay="indefinite"/>
+                      </p:stCondLst>
+                      <p:childTnLst>
+                        <p:par>
+                          <p:cTn id="30" fill="hold">
+                            <p:stCondLst>
+                              <p:cond delay="0"/>
+                            </p:stCondLst>
+                            <p:childTnLst>
+                              <p:par>
+                                <p:cTn id="31" presetID="1" presetClass="entr" presetSubtype="0" fill="hold" grpId="0" nodeType="clickEffect">
+                                  <p:stCondLst>
+                                    <p:cond delay="0"/>
+                                  </p:stCondLst>
+                                  <p:childTnLst>
+                                    <p:set>
+                                      <p:cBhvr>
+                                        <p:cTn id="32" dur="1" fill="hold">
+                                          <p:stCondLst>
+                                            <p:cond delay="0"/>
+                                          </p:stCondLst>
+                                        </p:cTn>
+                                        <p:tgtEl>
+                                          <p:spTgt spid="13"/>
+                                        </p:tgtEl>
+                                        <p:attrNameLst>
+                                          <p:attrName>style.visibility</p:attrName>
+                                        </p:attrNameLst>
+                                      </p:cBhvr>
+                                      <p:to>
+                                        <p:strVal val="visible"/>
+                                      </p:to>
+                                    </p:set>
+                                  </p:childTnLst>
+                                </p:cTn>
+                              </p:par>
+                              <p:par>
+                                <p:cTn id="33" presetID="1" presetClass="entr" presetSubtype="0" fill="hold" grpId="0" nodeType="withEffect">
+                                  <p:stCondLst>
+                                    <p:cond delay="0"/>
+                                  </p:stCondLst>
+                                  <p:childTnLst>
+                                    <p:set>
+                                      <p:cBhvr>
+                                        <p:cTn id="34" dur="1" fill="hold">
+                                          <p:stCondLst>
+                                            <p:cond delay="0"/>
+                                          </p:stCondLst>
+                                        </p:cTn>
+                                        <p:tgtEl>
+                                          <p:spTgt spid="15"/>
+                                        </p:tgtEl>
+                                        <p:attrNameLst>
+                                          <p:attrName>style.visibility</p:attrName>
+                                        </p:attrNameLst>
+                                      </p:cBhvr>
+                                      <p:to>
+                                        <p:strVal val="visible"/>
+                                      </p:to>
+                                    </p:set>
+                                  </p:childTnLst>
+                                </p:cTn>
+                              </p:par>
+                              <p:par>
+                                <p:cTn id="35" presetID="1" presetClass="entr" presetSubtype="0" fill="hold" grpId="0" nodeType="withEffect">
+                                  <p:stCondLst>
+                                    <p:cond delay="0"/>
+                                  </p:stCondLst>
+                                  <p:childTnLst>
+                                    <p:set>
+                                      <p:cBhvr>
+                                        <p:cTn id="36" dur="1" fill="hold">
+                                          <p:stCondLst>
+                                            <p:cond delay="0"/>
+                                          </p:stCondLst>
+                                        </p:cTn>
+                                        <p:tgtEl>
+                                          <p:spTgt spid="14"/>
+                                        </p:tgtEl>
+                                        <p:attrNameLst>
+                                          <p:attrName>style.visibility</p:attrName>
+                                        </p:attrNameLst>
+                                      </p:cBhvr>
+                                      <p:to>
+                                        <p:strVal val="visible"/>
+                                      </p:to>
+                                    </p:set>
+                                  </p:childTnLst>
+                                </p:cTn>
+                              </p:par>
+                            </p:childTnLst>
+                          </p:cTn>
+                        </p:par>
+                      </p:childTnLst>
+                    </p:cTn>
+                  </p:par>
+                </p:childTnLst>
+              </p:cTn>
+              <p:prevCondLst>
+                <p:cond evt="onPrev" delay="0">
+                  <p:tgtEl>
+                    <p:sldTgt/>
+                  </p:tgtEl>
+                </p:cond>
+              </p:prevCondLst>
+              <p:nextCondLst>
+                <p:cond evt="onNext" delay="0">
+                  <p:tgtEl>
+                    <p:sldTgt/>
+                  </p:tgtEl>
+                </p:cond>
+              </p:nextCondLst>
+            </p:seq>
+          </p:childTnLst>
+        </p:cTn>
+      </p:par>
+    </p:tnLst>
+    <p:bldLst>
+      <p:bldP spid="10" grpId="0" animBg="1"/>
+      <p:bldP spid="11" grpId="0" animBg="1"/>
+      <p:bldP spid="12" grpId="0" animBg="1"/>
+      <p:bldP spid="17" grpId="0" animBg="1"/>
+      <p:bldP spid="18" grpId="0" animBg="1"/>
+      <p:bldP spid="19" grpId="0" animBg="1"/>
+      <p:bldP spid="13" grpId="0" animBg="1"/>
+      <p:bldP spid="14" grpId="0" animBg="1"/>
+      <p:bldP spid="15" grpId="0" animBg="1"/>
+    </p:bldLst>
+  </p:timing>
 </p:sld>
 </file>
 
@@ -11552,6 +14468,533 @@
   <p:clrMapOvr>
     <a:masterClrMapping/>
   </p:clrMapOvr>
+  <p:timing>
+    <p:tnLst>
+      <p:par>
+        <p:cTn id="1" dur="indefinite" restart="never" nodeType="tmRoot">
+          <p:childTnLst>
+            <p:seq concurrent="1" nextAc="seek">
+              <p:cTn id="2" dur="indefinite" nodeType="mainSeq">
+                <p:childTnLst>
+                  <p:par>
+                    <p:cTn id="3" fill="hold">
+                      <p:stCondLst>
+                        <p:cond delay="indefinite"/>
+                        <p:cond evt="onBegin" delay="0">
+                          <p:tn val="2"/>
+                        </p:cond>
+                      </p:stCondLst>
+                      <p:childTnLst>
+                        <p:par>
+                          <p:cTn id="4" fill="hold">
+                            <p:stCondLst>
+                              <p:cond delay="0"/>
+                            </p:stCondLst>
+                            <p:childTnLst>
+                              <p:par>
+                                <p:cTn id="5" presetID="1" presetClass="entr" presetSubtype="0" fill="hold" grpId="0" nodeType="withEffect">
+                                  <p:stCondLst>
+                                    <p:cond delay="0"/>
+                                  </p:stCondLst>
+                                  <p:childTnLst>
+                                    <p:set>
+                                      <p:cBhvr>
+                                        <p:cTn id="6" dur="1" fill="hold">
+                                          <p:stCondLst>
+                                            <p:cond delay="0"/>
+                                          </p:stCondLst>
+                                        </p:cTn>
+                                        <p:tgtEl>
+                                          <p:spTgt spid="5"/>
+                                        </p:tgtEl>
+                                        <p:attrNameLst>
+                                          <p:attrName>style.visibility</p:attrName>
+                                        </p:attrNameLst>
+                                      </p:cBhvr>
+                                      <p:to>
+                                        <p:strVal val="visible"/>
+                                      </p:to>
+                                    </p:set>
+                                  </p:childTnLst>
+                                </p:cTn>
+                              </p:par>
+                              <p:par>
+                                <p:cTn id="7" presetID="1" presetClass="entr" presetSubtype="0" fill="hold" nodeType="withEffect">
+                                  <p:stCondLst>
+                                    <p:cond delay="0"/>
+                                  </p:stCondLst>
+                                  <p:childTnLst>
+                                    <p:set>
+                                      <p:cBhvr>
+                                        <p:cTn id="8" dur="1" fill="hold">
+                                          <p:stCondLst>
+                                            <p:cond delay="0"/>
+                                          </p:stCondLst>
+                                        </p:cTn>
+                                        <p:tgtEl>
+                                          <p:spTgt spid="5">
+                                            <p:txEl>
+                                              <p:pRg st="0" end="0"/>
+                                            </p:txEl>
+                                          </p:spTgt>
+                                        </p:tgtEl>
+                                        <p:attrNameLst>
+                                          <p:attrName>style.visibility</p:attrName>
+                                        </p:attrNameLst>
+                                      </p:cBhvr>
+                                      <p:to>
+                                        <p:strVal val="visible"/>
+                                      </p:to>
+                                    </p:set>
+                                  </p:childTnLst>
+                                </p:cTn>
+                              </p:par>
+                            </p:childTnLst>
+                          </p:cTn>
+                        </p:par>
+                      </p:childTnLst>
+                    </p:cTn>
+                  </p:par>
+                  <p:par>
+                    <p:cTn id="9" fill="hold">
+                      <p:stCondLst>
+                        <p:cond delay="indefinite"/>
+                      </p:stCondLst>
+                      <p:childTnLst>
+                        <p:par>
+                          <p:cTn id="10" fill="hold">
+                            <p:stCondLst>
+                              <p:cond delay="0"/>
+                            </p:stCondLst>
+                            <p:childTnLst>
+                              <p:par>
+                                <p:cTn id="11" presetID="1" presetClass="entr" presetSubtype="0" fill="hold" nodeType="clickEffect">
+                                  <p:stCondLst>
+                                    <p:cond delay="0"/>
+                                  </p:stCondLst>
+                                  <p:childTnLst>
+                                    <p:set>
+                                      <p:cBhvr>
+                                        <p:cTn id="12" dur="1" fill="hold">
+                                          <p:stCondLst>
+                                            <p:cond delay="0"/>
+                                          </p:stCondLst>
+                                        </p:cTn>
+                                        <p:tgtEl>
+                                          <p:spTgt spid="5">
+                                            <p:txEl>
+                                              <p:pRg st="1" end="1"/>
+                                            </p:txEl>
+                                          </p:spTgt>
+                                        </p:tgtEl>
+                                        <p:attrNameLst>
+                                          <p:attrName>style.visibility</p:attrName>
+                                        </p:attrNameLst>
+                                      </p:cBhvr>
+                                      <p:to>
+                                        <p:strVal val="visible"/>
+                                      </p:to>
+                                    </p:set>
+                                  </p:childTnLst>
+                                </p:cTn>
+                              </p:par>
+                              <p:par>
+                                <p:cTn id="13" presetID="1" presetClass="entr" presetSubtype="0" fill="hold" nodeType="withEffect">
+                                  <p:stCondLst>
+                                    <p:cond delay="0"/>
+                                  </p:stCondLst>
+                                  <p:childTnLst>
+                                    <p:set>
+                                      <p:cBhvr>
+                                        <p:cTn id="14" dur="1" fill="hold">
+                                          <p:stCondLst>
+                                            <p:cond delay="0"/>
+                                          </p:stCondLst>
+                                        </p:cTn>
+                                        <p:tgtEl>
+                                          <p:spTgt spid="5">
+                                            <p:txEl>
+                                              <p:pRg st="2" end="2"/>
+                                            </p:txEl>
+                                          </p:spTgt>
+                                        </p:tgtEl>
+                                        <p:attrNameLst>
+                                          <p:attrName>style.visibility</p:attrName>
+                                        </p:attrNameLst>
+                                      </p:cBhvr>
+                                      <p:to>
+                                        <p:strVal val="visible"/>
+                                      </p:to>
+                                    </p:set>
+                                  </p:childTnLst>
+                                </p:cTn>
+                              </p:par>
+                            </p:childTnLst>
+                          </p:cTn>
+                        </p:par>
+                      </p:childTnLst>
+                    </p:cTn>
+                  </p:par>
+                  <p:par>
+                    <p:cTn id="15" fill="hold">
+                      <p:stCondLst>
+                        <p:cond delay="indefinite"/>
+                      </p:stCondLst>
+                      <p:childTnLst>
+                        <p:par>
+                          <p:cTn id="16" fill="hold">
+                            <p:stCondLst>
+                              <p:cond delay="0"/>
+                            </p:stCondLst>
+                            <p:childTnLst>
+                              <p:par>
+                                <p:cTn id="17" presetID="1" presetClass="entr" presetSubtype="0" fill="hold" nodeType="clickEffect">
+                                  <p:stCondLst>
+                                    <p:cond delay="0"/>
+                                  </p:stCondLst>
+                                  <p:childTnLst>
+                                    <p:set>
+                                      <p:cBhvr>
+                                        <p:cTn id="18" dur="1" fill="hold">
+                                          <p:stCondLst>
+                                            <p:cond delay="0"/>
+                                          </p:stCondLst>
+                                        </p:cTn>
+                                        <p:tgtEl>
+                                          <p:spTgt spid="5">
+                                            <p:txEl>
+                                              <p:pRg st="3" end="3"/>
+                                            </p:txEl>
+                                          </p:spTgt>
+                                        </p:tgtEl>
+                                        <p:attrNameLst>
+                                          <p:attrName>style.visibility</p:attrName>
+                                        </p:attrNameLst>
+                                      </p:cBhvr>
+                                      <p:to>
+                                        <p:strVal val="visible"/>
+                                      </p:to>
+                                    </p:set>
+                                  </p:childTnLst>
+                                </p:cTn>
+                              </p:par>
+                              <p:par>
+                                <p:cTn id="19" presetID="1" presetClass="entr" presetSubtype="0" fill="hold" nodeType="withEffect">
+                                  <p:stCondLst>
+                                    <p:cond delay="0"/>
+                                  </p:stCondLst>
+                                  <p:childTnLst>
+                                    <p:set>
+                                      <p:cBhvr>
+                                        <p:cTn id="20" dur="1" fill="hold">
+                                          <p:stCondLst>
+                                            <p:cond delay="0"/>
+                                          </p:stCondLst>
+                                        </p:cTn>
+                                        <p:tgtEl>
+                                          <p:spTgt spid="5">
+                                            <p:txEl>
+                                              <p:pRg st="4" end="4"/>
+                                            </p:txEl>
+                                          </p:spTgt>
+                                        </p:tgtEl>
+                                        <p:attrNameLst>
+                                          <p:attrName>style.visibility</p:attrName>
+                                        </p:attrNameLst>
+                                      </p:cBhvr>
+                                      <p:to>
+                                        <p:strVal val="visible"/>
+                                      </p:to>
+                                    </p:set>
+                                  </p:childTnLst>
+                                </p:cTn>
+                              </p:par>
+                              <p:par>
+                                <p:cTn id="21" presetID="1" presetClass="entr" presetSubtype="0" fill="hold" nodeType="withEffect">
+                                  <p:stCondLst>
+                                    <p:cond delay="0"/>
+                                  </p:stCondLst>
+                                  <p:childTnLst>
+                                    <p:set>
+                                      <p:cBhvr>
+                                        <p:cTn id="22" dur="1" fill="hold">
+                                          <p:stCondLst>
+                                            <p:cond delay="0"/>
+                                          </p:stCondLst>
+                                        </p:cTn>
+                                        <p:tgtEl>
+                                          <p:spTgt spid="5">
+                                            <p:txEl>
+                                              <p:pRg st="8" end="8"/>
+                                            </p:txEl>
+                                          </p:spTgt>
+                                        </p:tgtEl>
+                                        <p:attrNameLst>
+                                          <p:attrName>style.visibility</p:attrName>
+                                        </p:attrNameLst>
+                                      </p:cBhvr>
+                                      <p:to>
+                                        <p:strVal val="visible"/>
+                                      </p:to>
+                                    </p:set>
+                                  </p:childTnLst>
+                                </p:cTn>
+                              </p:par>
+                            </p:childTnLst>
+                          </p:cTn>
+                        </p:par>
+                      </p:childTnLst>
+                    </p:cTn>
+                  </p:par>
+                  <p:par>
+                    <p:cTn id="23" fill="hold">
+                      <p:stCondLst>
+                        <p:cond delay="indefinite"/>
+                      </p:stCondLst>
+                      <p:childTnLst>
+                        <p:par>
+                          <p:cTn id="24" fill="hold">
+                            <p:stCondLst>
+                              <p:cond delay="0"/>
+                            </p:stCondLst>
+                            <p:childTnLst>
+                              <p:par>
+                                <p:cTn id="25" presetID="1" presetClass="entr" presetSubtype="0" fill="hold" nodeType="clickEffect">
+                                  <p:stCondLst>
+                                    <p:cond delay="0"/>
+                                  </p:stCondLst>
+                                  <p:childTnLst>
+                                    <p:set>
+                                      <p:cBhvr>
+                                        <p:cTn id="26" dur="1" fill="hold">
+                                          <p:stCondLst>
+                                            <p:cond delay="0"/>
+                                          </p:stCondLst>
+                                        </p:cTn>
+                                        <p:tgtEl>
+                                          <p:spTgt spid="5">
+                                            <p:txEl>
+                                              <p:pRg st="5" end="5"/>
+                                            </p:txEl>
+                                          </p:spTgt>
+                                        </p:tgtEl>
+                                        <p:attrNameLst>
+                                          <p:attrName>style.visibility</p:attrName>
+                                        </p:attrNameLst>
+                                      </p:cBhvr>
+                                      <p:to>
+                                        <p:strVal val="visible"/>
+                                      </p:to>
+                                    </p:set>
+                                  </p:childTnLst>
+                                </p:cTn>
+                              </p:par>
+                            </p:childTnLst>
+                          </p:cTn>
+                        </p:par>
+                      </p:childTnLst>
+                    </p:cTn>
+                  </p:par>
+                  <p:par>
+                    <p:cTn id="27" fill="hold">
+                      <p:stCondLst>
+                        <p:cond delay="indefinite"/>
+                      </p:stCondLst>
+                      <p:childTnLst>
+                        <p:par>
+                          <p:cTn id="28" fill="hold">
+                            <p:stCondLst>
+                              <p:cond delay="0"/>
+                            </p:stCondLst>
+                            <p:childTnLst>
+                              <p:par>
+                                <p:cTn id="29" presetID="1" presetClass="entr" presetSubtype="0" fill="hold" nodeType="clickEffect">
+                                  <p:stCondLst>
+                                    <p:cond delay="0"/>
+                                  </p:stCondLst>
+                                  <p:childTnLst>
+                                    <p:set>
+                                      <p:cBhvr>
+                                        <p:cTn id="30" dur="1" fill="hold">
+                                          <p:stCondLst>
+                                            <p:cond delay="0"/>
+                                          </p:stCondLst>
+                                        </p:cTn>
+                                        <p:tgtEl>
+                                          <p:spTgt spid="5">
+                                            <p:txEl>
+                                              <p:pRg st="6" end="6"/>
+                                            </p:txEl>
+                                          </p:spTgt>
+                                        </p:tgtEl>
+                                        <p:attrNameLst>
+                                          <p:attrName>style.visibility</p:attrName>
+                                        </p:attrNameLst>
+                                      </p:cBhvr>
+                                      <p:to>
+                                        <p:strVal val="visible"/>
+                                      </p:to>
+                                    </p:set>
+                                  </p:childTnLst>
+                                </p:cTn>
+                              </p:par>
+                              <p:par>
+                                <p:cTn id="31" presetID="1" presetClass="entr" presetSubtype="0" fill="hold" nodeType="withEffect">
+                                  <p:stCondLst>
+                                    <p:cond delay="0"/>
+                                  </p:stCondLst>
+                                  <p:childTnLst>
+                                    <p:set>
+                                      <p:cBhvr>
+                                        <p:cTn id="32" dur="1" fill="hold">
+                                          <p:stCondLst>
+                                            <p:cond delay="0"/>
+                                          </p:stCondLst>
+                                        </p:cTn>
+                                        <p:tgtEl>
+                                          <p:spTgt spid="5">
+                                            <p:txEl>
+                                              <p:pRg st="7" end="7"/>
+                                            </p:txEl>
+                                          </p:spTgt>
+                                        </p:tgtEl>
+                                        <p:attrNameLst>
+                                          <p:attrName>style.visibility</p:attrName>
+                                        </p:attrNameLst>
+                                      </p:cBhvr>
+                                      <p:to>
+                                        <p:strVal val="visible"/>
+                                      </p:to>
+                                    </p:set>
+                                  </p:childTnLst>
+                                </p:cTn>
+                              </p:par>
+                            </p:childTnLst>
+                          </p:cTn>
+                        </p:par>
+                      </p:childTnLst>
+                    </p:cTn>
+                  </p:par>
+                  <p:par>
+                    <p:cTn id="33" fill="hold">
+                      <p:stCondLst>
+                        <p:cond delay="indefinite"/>
+                      </p:stCondLst>
+                      <p:childTnLst>
+                        <p:par>
+                          <p:cTn id="34" fill="hold">
+                            <p:stCondLst>
+                              <p:cond delay="0"/>
+                            </p:stCondLst>
+                            <p:childTnLst>
+                              <p:par>
+                                <p:cTn id="35" presetID="1" presetClass="entr" presetSubtype="0" fill="hold" nodeType="clickEffect">
+                                  <p:stCondLst>
+                                    <p:cond delay="0"/>
+                                  </p:stCondLst>
+                                  <p:childTnLst>
+                                    <p:set>
+                                      <p:cBhvr>
+                                        <p:cTn id="36" dur="1" fill="hold">
+                                          <p:stCondLst>
+                                            <p:cond delay="0"/>
+                                          </p:stCondLst>
+                                        </p:cTn>
+                                        <p:tgtEl>
+                                          <p:spTgt spid="5">
+                                            <p:txEl>
+                                              <p:pRg st="9" end="9"/>
+                                            </p:txEl>
+                                          </p:spTgt>
+                                        </p:tgtEl>
+                                        <p:attrNameLst>
+                                          <p:attrName>style.visibility</p:attrName>
+                                        </p:attrNameLst>
+                                      </p:cBhvr>
+                                      <p:to>
+                                        <p:strVal val="visible"/>
+                                      </p:to>
+                                    </p:set>
+                                  </p:childTnLst>
+                                </p:cTn>
+                              </p:par>
+                            </p:childTnLst>
+                          </p:cTn>
+                        </p:par>
+                      </p:childTnLst>
+                    </p:cTn>
+                  </p:par>
+                  <p:par>
+                    <p:cTn id="37" fill="hold">
+                      <p:stCondLst>
+                        <p:cond delay="indefinite"/>
+                      </p:stCondLst>
+                      <p:childTnLst>
+                        <p:par>
+                          <p:cTn id="38" fill="hold">
+                            <p:stCondLst>
+                              <p:cond delay="0"/>
+                            </p:stCondLst>
+                            <p:childTnLst>
+                              <p:par>
+                                <p:cTn id="39" presetID="1" presetClass="entr" presetSubtype="0" fill="hold" grpId="0" nodeType="clickEffect">
+                                  <p:stCondLst>
+                                    <p:cond delay="0"/>
+                                  </p:stCondLst>
+                                  <p:childTnLst>
+                                    <p:set>
+                                      <p:cBhvr>
+                                        <p:cTn id="40" dur="1" fill="hold">
+                                          <p:stCondLst>
+                                            <p:cond delay="0"/>
+                                          </p:stCondLst>
+                                        </p:cTn>
+                                        <p:tgtEl>
+                                          <p:spTgt spid="7"/>
+                                        </p:tgtEl>
+                                        <p:attrNameLst>
+                                          <p:attrName>style.visibility</p:attrName>
+                                        </p:attrNameLst>
+                                      </p:cBhvr>
+                                      <p:to>
+                                        <p:strVal val="visible"/>
+                                      </p:to>
+                                    </p:set>
+                                  </p:childTnLst>
+                                </p:cTn>
+                              </p:par>
+                            </p:childTnLst>
+                          </p:cTn>
+                        </p:par>
+                      </p:childTnLst>
+                    </p:cTn>
+                  </p:par>
+                </p:childTnLst>
+              </p:cTn>
+              <p:prevCondLst>
+                <p:cond evt="onPrev" delay="0">
+                  <p:tgtEl>
+                    <p:sldTgt/>
+                  </p:tgtEl>
+                </p:cond>
+              </p:prevCondLst>
+              <p:nextCondLst>
+                <p:cond evt="onNext" delay="0">
+                  <p:tgtEl>
+                    <p:sldTgt/>
+                  </p:tgtEl>
+                </p:cond>
+              </p:nextCondLst>
+            </p:seq>
+          </p:childTnLst>
+        </p:cTn>
+      </p:par>
+    </p:tnLst>
+    <p:bldLst>
+      <p:bldP spid="5" grpId="0" animBg="1"/>
+      <p:bldP spid="7" grpId="0"/>
+    </p:bldLst>
+  </p:timing>
 </p:sld>
 </file>
 
@@ -12838,6 +16281,226 @@
   <p:clrMapOvr>
     <a:masterClrMapping/>
   </p:clrMapOvr>
+  <p:timing>
+    <p:tnLst>
+      <p:par>
+        <p:cTn id="1" dur="indefinite" restart="never" nodeType="tmRoot">
+          <p:childTnLst>
+            <p:seq concurrent="1" nextAc="seek">
+              <p:cTn id="2" dur="indefinite" nodeType="mainSeq">
+                <p:childTnLst>
+                  <p:par>
+                    <p:cTn id="3" fill="hold">
+                      <p:stCondLst>
+                        <p:cond delay="indefinite"/>
+                      </p:stCondLst>
+                      <p:childTnLst>
+                        <p:par>
+                          <p:cTn id="4" fill="hold">
+                            <p:stCondLst>
+                              <p:cond delay="0"/>
+                            </p:stCondLst>
+                            <p:childTnLst>
+                              <p:par>
+                                <p:cTn id="5" presetID="1" presetClass="entr" presetSubtype="0" fill="hold" nodeType="clickEffect">
+                                  <p:stCondLst>
+                                    <p:cond delay="0"/>
+                                  </p:stCondLst>
+                                  <p:childTnLst>
+                                    <p:set>
+                                      <p:cBhvr>
+                                        <p:cTn id="6" dur="1" fill="hold">
+                                          <p:stCondLst>
+                                            <p:cond delay="0"/>
+                                          </p:stCondLst>
+                                        </p:cTn>
+                                        <p:tgtEl>
+                                          <p:spTgt spid="5">
+                                            <p:txEl>
+                                              <p:pRg st="5" end="5"/>
+                                            </p:txEl>
+                                          </p:spTgt>
+                                        </p:tgtEl>
+                                        <p:attrNameLst>
+                                          <p:attrName>style.visibility</p:attrName>
+                                        </p:attrNameLst>
+                                      </p:cBhvr>
+                                      <p:to>
+                                        <p:strVal val="visible"/>
+                                      </p:to>
+                                    </p:set>
+                                  </p:childTnLst>
+                                </p:cTn>
+                              </p:par>
+                              <p:par>
+                                <p:cTn id="7" presetID="1" presetClass="entr" presetSubtype="0" fill="hold" grpId="0" nodeType="withEffect">
+                                  <p:stCondLst>
+                                    <p:cond delay="0"/>
+                                  </p:stCondLst>
+                                  <p:childTnLst>
+                                    <p:set>
+                                      <p:cBhvr>
+                                        <p:cTn id="8" dur="1" fill="hold">
+                                          <p:stCondLst>
+                                            <p:cond delay="0"/>
+                                          </p:stCondLst>
+                                        </p:cTn>
+                                        <p:tgtEl>
+                                          <p:spTgt spid="9"/>
+                                        </p:tgtEl>
+                                        <p:attrNameLst>
+                                          <p:attrName>style.visibility</p:attrName>
+                                        </p:attrNameLst>
+                                      </p:cBhvr>
+                                      <p:to>
+                                        <p:strVal val="visible"/>
+                                      </p:to>
+                                    </p:set>
+                                  </p:childTnLst>
+                                </p:cTn>
+                              </p:par>
+                              <p:par>
+                                <p:cTn id="9" presetID="1" presetClass="entr" presetSubtype="0" fill="hold" nodeType="withEffect">
+                                  <p:stCondLst>
+                                    <p:cond delay="0"/>
+                                  </p:stCondLst>
+                                  <p:childTnLst>
+                                    <p:set>
+                                      <p:cBhvr>
+                                        <p:cTn id="10" dur="1" fill="hold">
+                                          <p:stCondLst>
+                                            <p:cond delay="0"/>
+                                          </p:stCondLst>
+                                        </p:cTn>
+                                        <p:tgtEl>
+                                          <p:spTgt spid="9">
+                                            <p:txEl>
+                                              <p:pRg st="0" end="0"/>
+                                            </p:txEl>
+                                          </p:spTgt>
+                                        </p:tgtEl>
+                                        <p:attrNameLst>
+                                          <p:attrName>style.visibility</p:attrName>
+                                        </p:attrNameLst>
+                                      </p:cBhvr>
+                                      <p:to>
+                                        <p:strVal val="visible"/>
+                                      </p:to>
+                                    </p:set>
+                                  </p:childTnLst>
+                                </p:cTn>
+                              </p:par>
+                            </p:childTnLst>
+                          </p:cTn>
+                        </p:par>
+                      </p:childTnLst>
+                    </p:cTn>
+                  </p:par>
+                  <p:par>
+                    <p:cTn id="11" fill="hold">
+                      <p:stCondLst>
+                        <p:cond delay="indefinite"/>
+                      </p:stCondLst>
+                      <p:childTnLst>
+                        <p:par>
+                          <p:cTn id="12" fill="hold">
+                            <p:stCondLst>
+                              <p:cond delay="0"/>
+                            </p:stCondLst>
+                            <p:childTnLst>
+                              <p:par>
+                                <p:cTn id="13" presetID="1" presetClass="entr" presetSubtype="0" fill="hold" nodeType="clickEffect">
+                                  <p:stCondLst>
+                                    <p:cond delay="0"/>
+                                  </p:stCondLst>
+                                  <p:childTnLst>
+                                    <p:set>
+                                      <p:cBhvr>
+                                        <p:cTn id="14" dur="1" fill="hold">
+                                          <p:stCondLst>
+                                            <p:cond delay="0"/>
+                                          </p:stCondLst>
+                                        </p:cTn>
+                                        <p:tgtEl>
+                                          <p:spTgt spid="9">
+                                            <p:txEl>
+                                              <p:pRg st="1" end="1"/>
+                                            </p:txEl>
+                                          </p:spTgt>
+                                        </p:tgtEl>
+                                        <p:attrNameLst>
+                                          <p:attrName>style.visibility</p:attrName>
+                                        </p:attrNameLst>
+                                      </p:cBhvr>
+                                      <p:to>
+                                        <p:strVal val="visible"/>
+                                      </p:to>
+                                    </p:set>
+                                  </p:childTnLst>
+                                </p:cTn>
+                              </p:par>
+                              <p:par>
+                                <p:cTn id="15" presetID="1" presetClass="entr" presetSubtype="0" fill="hold" nodeType="withEffect">
+                                  <p:stCondLst>
+                                    <p:cond delay="0"/>
+                                  </p:stCondLst>
+                                  <p:childTnLst>
+                                    <p:set>
+                                      <p:cBhvr>
+                                        <p:cTn id="16" dur="1" fill="hold">
+                                          <p:stCondLst>
+                                            <p:cond delay="0"/>
+                                          </p:stCondLst>
+                                        </p:cTn>
+                                        <p:tgtEl>
+                                          <p:spTgt spid="9">
+                                            <p:txEl>
+                                              <p:pRg st="2" end="2"/>
+                                            </p:txEl>
+                                          </p:spTgt>
+                                        </p:tgtEl>
+                                        <p:attrNameLst>
+                                          <p:attrName>style.visibility</p:attrName>
+                                        </p:attrNameLst>
+                                      </p:cBhvr>
+                                      <p:to>
+                                        <p:strVal val="visible"/>
+                                      </p:to>
+                                    </p:set>
+                                  </p:childTnLst>
+                                </p:cTn>
+                              </p:par>
+                            </p:childTnLst>
+                          </p:cTn>
+                        </p:par>
+                      </p:childTnLst>
+                    </p:cTn>
+                  </p:par>
+                </p:childTnLst>
+              </p:cTn>
+              <p:prevCondLst>
+                <p:cond evt="onPrev" delay="0">
+                  <p:tgtEl>
+                    <p:sldTgt/>
+                  </p:tgtEl>
+                </p:cond>
+              </p:prevCondLst>
+              <p:nextCondLst>
+                <p:cond evt="onNext" delay="0">
+                  <p:tgtEl>
+                    <p:sldTgt/>
+                  </p:tgtEl>
+                </p:cond>
+              </p:nextCondLst>
+            </p:seq>
+          </p:childTnLst>
+        </p:cTn>
+      </p:par>
+    </p:tnLst>
+    <p:bldLst>
+      <p:bldP spid="9" grpId="0" animBg="1"/>
+    </p:bldLst>
+  </p:timing>
 </p:sld>
 </file>
 
@@ -12912,12 +16575,8 @@
               <a:buAutoNum type="arabicPeriod"/>
             </a:pPr>
             <a:r>
-              <a:rPr lang="bg-BG"/>
-              <a:t>Повторения </a:t>
-            </a:r>
-            <a:r>
               <a:rPr lang="bg-BG" dirty="0"/>
-              <a:t>(цикли)</a:t>
+              <a:t>Повторения (цикли)</a:t>
             </a:r>
           </a:p>
           <a:p>
@@ -13146,6 +16805,232 @@
   <p:clrMapOvr>
     <a:masterClrMapping/>
   </p:clrMapOvr>
+  <p:timing>
+    <p:tnLst>
+      <p:par>
+        <p:cTn id="1" dur="indefinite" restart="never" nodeType="tmRoot">
+          <p:childTnLst>
+            <p:seq concurrent="1" nextAc="seek">
+              <p:cTn id="2" dur="indefinite" nodeType="mainSeq">
+                <p:childTnLst>
+                  <p:par>
+                    <p:cTn id="3" fill="hold">
+                      <p:stCondLst>
+                        <p:cond delay="indefinite"/>
+                      </p:stCondLst>
+                      <p:childTnLst>
+                        <p:par>
+                          <p:cTn id="4" fill="hold">
+                            <p:stCondLst>
+                              <p:cond delay="0"/>
+                            </p:stCondLst>
+                            <p:childTnLst>
+                              <p:par>
+                                <p:cTn id="5" presetID="1" presetClass="entr" presetSubtype="0" fill="hold" nodeType="clickEffect">
+                                  <p:stCondLst>
+                                    <p:cond delay="0"/>
+                                  </p:stCondLst>
+                                  <p:childTnLst>
+                                    <p:set>
+                                      <p:cBhvr>
+                                        <p:cTn id="6" dur="1" fill="hold">
+                                          <p:stCondLst>
+                                            <p:cond delay="0"/>
+                                          </p:stCondLst>
+                                        </p:cTn>
+                                        <p:tgtEl>
+                                          <p:spTgt spid="444419">
+                                            <p:txEl>
+                                              <p:pRg st="1" end="1"/>
+                                            </p:txEl>
+                                          </p:spTgt>
+                                        </p:tgtEl>
+                                        <p:attrNameLst>
+                                          <p:attrName>style.visibility</p:attrName>
+                                        </p:attrNameLst>
+                                      </p:cBhvr>
+                                      <p:to>
+                                        <p:strVal val="visible"/>
+                                      </p:to>
+                                    </p:set>
+                                  </p:childTnLst>
+                                </p:cTn>
+                              </p:par>
+                            </p:childTnLst>
+                          </p:cTn>
+                        </p:par>
+                      </p:childTnLst>
+                    </p:cTn>
+                  </p:par>
+                  <p:par>
+                    <p:cTn id="7" fill="hold">
+                      <p:stCondLst>
+                        <p:cond delay="indefinite"/>
+                      </p:stCondLst>
+                      <p:childTnLst>
+                        <p:par>
+                          <p:cTn id="8" fill="hold">
+                            <p:stCondLst>
+                              <p:cond delay="0"/>
+                            </p:stCondLst>
+                            <p:childTnLst>
+                              <p:par>
+                                <p:cTn id="9" presetID="1" presetClass="entr" presetSubtype="0" fill="hold" nodeType="clickEffect">
+                                  <p:stCondLst>
+                                    <p:cond delay="0"/>
+                                  </p:stCondLst>
+                                  <p:childTnLst>
+                                    <p:set>
+                                      <p:cBhvr>
+                                        <p:cTn id="10" dur="1" fill="hold">
+                                          <p:stCondLst>
+                                            <p:cond delay="0"/>
+                                          </p:stCondLst>
+                                        </p:cTn>
+                                        <p:tgtEl>
+                                          <p:spTgt spid="444419">
+                                            <p:txEl>
+                                              <p:pRg st="2" end="2"/>
+                                            </p:txEl>
+                                          </p:spTgt>
+                                        </p:tgtEl>
+                                        <p:attrNameLst>
+                                          <p:attrName>style.visibility</p:attrName>
+                                        </p:attrNameLst>
+                                      </p:cBhvr>
+                                      <p:to>
+                                        <p:strVal val="visible"/>
+                                      </p:to>
+                                    </p:set>
+                                  </p:childTnLst>
+                                </p:cTn>
+                              </p:par>
+                            </p:childTnLst>
+                          </p:cTn>
+                        </p:par>
+                      </p:childTnLst>
+                    </p:cTn>
+                  </p:par>
+                  <p:par>
+                    <p:cTn id="11" fill="hold">
+                      <p:stCondLst>
+                        <p:cond delay="indefinite"/>
+                      </p:stCondLst>
+                      <p:childTnLst>
+                        <p:par>
+                          <p:cTn id="12" fill="hold">
+                            <p:stCondLst>
+                              <p:cond delay="0"/>
+                            </p:stCondLst>
+                            <p:childTnLst>
+                              <p:par>
+                                <p:cTn id="13" presetID="1" presetClass="entr" presetSubtype="0" fill="hold" nodeType="clickEffect">
+                                  <p:stCondLst>
+                                    <p:cond delay="0"/>
+                                  </p:stCondLst>
+                                  <p:childTnLst>
+                                    <p:set>
+                                      <p:cBhvr>
+                                        <p:cTn id="14" dur="1" fill="hold">
+                                          <p:stCondLst>
+                                            <p:cond delay="0"/>
+                                          </p:stCondLst>
+                                        </p:cTn>
+                                        <p:tgtEl>
+                                          <p:spTgt spid="444419">
+                                            <p:txEl>
+                                              <p:pRg st="3" end="3"/>
+                                            </p:txEl>
+                                          </p:spTgt>
+                                        </p:tgtEl>
+                                        <p:attrNameLst>
+                                          <p:attrName>style.visibility</p:attrName>
+                                        </p:attrNameLst>
+                                      </p:cBhvr>
+                                      <p:to>
+                                        <p:strVal val="visible"/>
+                                      </p:to>
+                                    </p:set>
+                                  </p:childTnLst>
+                                </p:cTn>
+                              </p:par>
+                            </p:childTnLst>
+                          </p:cTn>
+                        </p:par>
+                      </p:childTnLst>
+                    </p:cTn>
+                  </p:par>
+                  <p:par>
+                    <p:cTn id="15" fill="hold">
+                      <p:stCondLst>
+                        <p:cond delay="indefinite"/>
+                      </p:stCondLst>
+                      <p:childTnLst>
+                        <p:par>
+                          <p:cTn id="16" fill="hold">
+                            <p:stCondLst>
+                              <p:cond delay="0"/>
+                            </p:stCondLst>
+                            <p:childTnLst>
+                              <p:par>
+                                <p:cTn id="17" presetID="1" presetClass="entr" presetSubtype="0" fill="hold" nodeType="clickEffect">
+                                  <p:stCondLst>
+                                    <p:cond delay="0"/>
+                                  </p:stCondLst>
+                                  <p:childTnLst>
+                                    <p:set>
+                                      <p:cBhvr>
+                                        <p:cTn id="18" dur="1" fill="hold">
+                                          <p:stCondLst>
+                                            <p:cond delay="0"/>
+                                          </p:stCondLst>
+                                        </p:cTn>
+                                        <p:tgtEl>
+                                          <p:spTgt spid="444419">
+                                            <p:txEl>
+                                              <p:pRg st="4" end="4"/>
+                                            </p:txEl>
+                                          </p:spTgt>
+                                        </p:tgtEl>
+                                        <p:attrNameLst>
+                                          <p:attrName>style.visibility</p:attrName>
+                                        </p:attrNameLst>
+                                      </p:cBhvr>
+                                      <p:to>
+                                        <p:strVal val="visible"/>
+                                      </p:to>
+                                    </p:set>
+                                  </p:childTnLst>
+                                </p:cTn>
+                              </p:par>
+                            </p:childTnLst>
+                          </p:cTn>
+                        </p:par>
+                      </p:childTnLst>
+                    </p:cTn>
+                  </p:par>
+                </p:childTnLst>
+              </p:cTn>
+              <p:prevCondLst>
+                <p:cond evt="onPrev" delay="0">
+                  <p:tgtEl>
+                    <p:sldTgt/>
+                  </p:tgtEl>
+                </p:cond>
+              </p:prevCondLst>
+              <p:nextCondLst>
+                <p:cond evt="onNext" delay="0">
+                  <p:tgtEl>
+                    <p:sldTgt/>
+                  </p:tgtEl>
+                </p:cond>
+              </p:nextCondLst>
+            </p:seq>
+          </p:childTnLst>
+        </p:cTn>
+      </p:par>
+    </p:tnLst>
+  </p:timing>
 </p:sld>
 </file>
 
@@ -13191,31 +17076,133 @@
       </p:sp>
       <p:sp>
         <p:nvSpPr>
-          <p:cNvPr id="2" name="Text Placeholder 1"/>
-          <p:cNvSpPr>
-            <a:spLocks noGrp="1"/>
-          </p:cNvSpPr>
-          <p:nvPr>
-            <p:ph type="body" sz="quarter" idx="10"/>
-          </p:nvPr>
+          <p:cNvPr id="6" name="Текстово поле 1">
+            <a:extLst>
+              <a:ext uri="{FF2B5EF4-FFF2-40B4-BE49-F238E27FC236}">
+                <a16:creationId xmlns:a16="http://schemas.microsoft.com/office/drawing/2014/main" id="{B398007E-9BC4-479A-87BF-1B270134F51F}"/>
+              </a:ext>
+            </a:extLst>
+          </p:cNvPr>
+          <p:cNvSpPr txBox="1"/>
+          <p:nvPr/>
         </p:nvSpPr>
         <p:spPr>
           <a:xfrm>
-            <a:off x="1529384" y="6400802"/>
-            <a:ext cx="10482604" cy="351754"/>
+            <a:off x="830621" y="6448327"/>
+            <a:ext cx="11216029" cy="369332"/>
           </a:xfrm>
+          <a:prstGeom prst="rect">
+            <a:avLst/>
+          </a:prstGeom>
+          <a:noFill/>
         </p:spPr>
         <p:txBody>
-          <a:bodyPr/>
-          <a:lstStyle/>
-          <a:p>
-            <a:r>
-              <a:rPr lang="en-US" dirty="0">
+          <a:bodyPr wrap="square" rtlCol="0">
+            <a:spAutoFit/>
+          </a:bodyPr>
+          <a:lstStyle>
+            <a:defPPr>
+              <a:defRPr lang="en-US"/>
+            </a:defPPr>
+            <a:lvl1pPr marL="0" algn="l" defTabSz="1218987" rtl="0" eaLnBrk="1" latinLnBrk="0" hangingPunct="1">
+              <a:defRPr sz="2400" kern="1200">
+                <a:solidFill>
+                  <a:schemeClr val="tx1"/>
+                </a:solidFill>
+                <a:latin typeface="+mn-lt"/>
+                <a:ea typeface="+mn-ea"/>
+                <a:cs typeface="+mn-cs"/>
+              </a:defRPr>
+            </a:lvl1pPr>
+            <a:lvl2pPr marL="609493" algn="l" defTabSz="1218987" rtl="0" eaLnBrk="1" latinLnBrk="0" hangingPunct="1">
+              <a:defRPr sz="2400" kern="1200">
+                <a:solidFill>
+                  <a:schemeClr val="tx1"/>
+                </a:solidFill>
+                <a:latin typeface="+mn-lt"/>
+                <a:ea typeface="+mn-ea"/>
+                <a:cs typeface="+mn-cs"/>
+              </a:defRPr>
+            </a:lvl2pPr>
+            <a:lvl3pPr marL="1218987" algn="l" defTabSz="1218987" rtl="0" eaLnBrk="1" latinLnBrk="0" hangingPunct="1">
+              <a:defRPr sz="2400" kern="1200">
+                <a:solidFill>
+                  <a:schemeClr val="tx1"/>
+                </a:solidFill>
+                <a:latin typeface="+mn-lt"/>
+                <a:ea typeface="+mn-ea"/>
+                <a:cs typeface="+mn-cs"/>
+              </a:defRPr>
+            </a:lvl3pPr>
+            <a:lvl4pPr marL="1828480" algn="l" defTabSz="1218987" rtl="0" eaLnBrk="1" latinLnBrk="0" hangingPunct="1">
+              <a:defRPr sz="2400" kern="1200">
+                <a:solidFill>
+                  <a:schemeClr val="tx1"/>
+                </a:solidFill>
+                <a:latin typeface="+mn-lt"/>
+                <a:ea typeface="+mn-ea"/>
+                <a:cs typeface="+mn-cs"/>
+              </a:defRPr>
+            </a:lvl4pPr>
+            <a:lvl5pPr marL="2437973" algn="l" defTabSz="1218987" rtl="0" eaLnBrk="1" latinLnBrk="0" hangingPunct="1">
+              <a:defRPr sz="2400" kern="1200">
+                <a:solidFill>
+                  <a:schemeClr val="tx1"/>
+                </a:solidFill>
+                <a:latin typeface="+mn-lt"/>
+                <a:ea typeface="+mn-ea"/>
+                <a:cs typeface="+mn-cs"/>
+              </a:defRPr>
+            </a:lvl5pPr>
+            <a:lvl6pPr marL="3047467" algn="l" defTabSz="1218987" rtl="0" eaLnBrk="1" latinLnBrk="0" hangingPunct="1">
+              <a:defRPr sz="2400" kern="1200">
+                <a:solidFill>
+                  <a:schemeClr val="tx1"/>
+                </a:solidFill>
+                <a:latin typeface="+mn-lt"/>
+                <a:ea typeface="+mn-ea"/>
+                <a:cs typeface="+mn-cs"/>
+              </a:defRPr>
+            </a:lvl6pPr>
+            <a:lvl7pPr marL="3656960" algn="l" defTabSz="1218987" rtl="0" eaLnBrk="1" latinLnBrk="0" hangingPunct="1">
+              <a:defRPr sz="2400" kern="1200">
+                <a:solidFill>
+                  <a:schemeClr val="tx1"/>
+                </a:solidFill>
+                <a:latin typeface="+mn-lt"/>
+                <a:ea typeface="+mn-ea"/>
+                <a:cs typeface="+mn-cs"/>
+              </a:defRPr>
+            </a:lvl7pPr>
+            <a:lvl8pPr marL="4266453" algn="l" defTabSz="1218987" rtl="0" eaLnBrk="1" latinLnBrk="0" hangingPunct="1">
+              <a:defRPr sz="2400" kern="1200">
+                <a:solidFill>
+                  <a:schemeClr val="tx1"/>
+                </a:solidFill>
+                <a:latin typeface="+mn-lt"/>
+                <a:ea typeface="+mn-ea"/>
+                <a:cs typeface="+mn-cs"/>
+              </a:defRPr>
+            </a:lvl8pPr>
+            <a:lvl9pPr marL="4875947" algn="l" defTabSz="1218987" rtl="0" eaLnBrk="1" latinLnBrk="0" hangingPunct="1">
+              <a:defRPr sz="2400" kern="1200">
+                <a:solidFill>
+                  <a:schemeClr val="tx1"/>
+                </a:solidFill>
+                <a:latin typeface="+mn-lt"/>
+                <a:ea typeface="+mn-ea"/>
+                <a:cs typeface="+mn-cs"/>
+              </a:defRPr>
+            </a:lvl9pPr>
+          </a:lstStyle>
+          <a:p>
+            <a:r>
+              <a:rPr lang="en-US" sz="1800" b="1" dirty="0">
                 <a:hlinkClick r:id="rId3"/>
               </a:rPr>
-              <a:t>https://it-kariera.mon.bg/e-learning/</a:t>
-            </a:r>
-            <a:endParaRPr lang="en-US" dirty="0"/>
+              <a:t>https://github.com/BG-IT-Edu/School-Programming/tree/main/Courses/Applied-Programmer/Programming-Basics</a:t>
+            </a:r>
+            <a:endParaRPr lang="bg-BG" sz="1800" b="1" dirty="0"/>
           </a:p>
         </p:txBody>
       </p:sp>
@@ -14005,6 +17992,85 @@
   <p:clrMapOvr>
     <a:masterClrMapping/>
   </p:clrMapOvr>
+  <p:timing>
+    <p:tnLst>
+      <p:par>
+        <p:cTn id="1" dur="indefinite" restart="never" nodeType="tmRoot">
+          <p:childTnLst>
+            <p:seq concurrent="1" nextAc="seek">
+              <p:cTn id="2" dur="indefinite" nodeType="mainSeq">
+                <p:childTnLst>
+                  <p:par>
+                    <p:cTn id="3" fill="hold">
+                      <p:stCondLst>
+                        <p:cond delay="indefinite"/>
+                      </p:stCondLst>
+                      <p:childTnLst>
+                        <p:par>
+                          <p:cTn id="4" fill="hold">
+                            <p:stCondLst>
+                              <p:cond delay="0"/>
+                            </p:stCondLst>
+                            <p:childTnLst>
+                              <p:par>
+                                <p:cTn id="5" presetID="1" presetClass="entr" presetSubtype="0" fill="hold" nodeType="clickEffect">
+                                  <p:stCondLst>
+                                    <p:cond delay="0"/>
+                                  </p:stCondLst>
+                                  <p:childTnLst>
+                                    <p:set>
+                                      <p:cBhvr>
+                                        <p:cTn id="6" dur="1" fill="hold">
+                                          <p:stCondLst>
+                                            <p:cond delay="0"/>
+                                          </p:stCondLst>
+                                        </p:cTn>
+                                        <p:tgtEl>
+                                          <p:spTgt spid="6">
+                                            <p:txEl>
+                                              <p:pRg st="0" end="0"/>
+                                            </p:txEl>
+                                          </p:spTgt>
+                                        </p:tgtEl>
+                                        <p:attrNameLst>
+                                          <p:attrName>style.visibility</p:attrName>
+                                        </p:attrNameLst>
+                                      </p:cBhvr>
+                                      <p:to>
+                                        <p:strVal val="visible"/>
+                                      </p:to>
+                                    </p:set>
+                                  </p:childTnLst>
+                                </p:cTn>
+                              </p:par>
+                            </p:childTnLst>
+                          </p:cTn>
+                        </p:par>
+                      </p:childTnLst>
+                    </p:cTn>
+                  </p:par>
+                </p:childTnLst>
+              </p:cTn>
+              <p:prevCondLst>
+                <p:cond evt="onPrev" delay="0">
+                  <p:tgtEl>
+                    <p:sldTgt/>
+                  </p:tgtEl>
+                </p:cond>
+              </p:prevCondLst>
+              <p:nextCondLst>
+                <p:cond evt="onNext" delay="0">
+                  <p:tgtEl>
+                    <p:sldTgt/>
+                  </p:tgtEl>
+                </p:cond>
+              </p:nextCondLst>
+            </p:seq>
+          </p:childTnLst>
+        </p:cTn>
+      </p:par>
+    </p:tnLst>
+  </p:timing>
 </p:sld>
 </file>
 
@@ -14183,7 +18249,7 @@
         </p:nvSpPr>
         <p:spPr bwMode="auto">
           <a:xfrm>
-            <a:off x="912812" y="4288489"/>
+            <a:off x="1024269" y="4305152"/>
             <a:ext cx="10363200" cy="2160591"/>
           </a:xfrm>
           <a:prstGeom prst="rect">
@@ -14890,7 +18956,7 @@
                             </p:stCondLst>
                             <p:childTnLst>
                               <p:par>
-                                <p:cTn id="5" presetID="1" presetClass="entr" presetSubtype="0" fill="hold" grpId="0" nodeType="clickEffect">
+                                <p:cTn id="5" presetID="1" presetClass="entr" presetSubtype="0" fill="hold" nodeType="clickEffect">
                                   <p:stCondLst>
                                     <p:cond delay="0"/>
                                   </p:stCondLst>
@@ -14898,6 +18964,82 @@
                                     <p:set>
                                       <p:cBhvr>
                                         <p:cTn id="6" dur="1" fill="hold">
+                                          <p:stCondLst>
+                                            <p:cond delay="0"/>
+                                          </p:stCondLst>
+                                        </p:cTn>
+                                        <p:tgtEl>
+                                          <p:spTgt spid="3">
+                                            <p:txEl>
+                                              <p:pRg st="1" end="1"/>
+                                            </p:txEl>
+                                          </p:spTgt>
+                                        </p:tgtEl>
+                                        <p:attrNameLst>
+                                          <p:attrName>style.visibility</p:attrName>
+                                        </p:attrNameLst>
+                                      </p:cBhvr>
+                                      <p:to>
+                                        <p:strVal val="visible"/>
+                                      </p:to>
+                                    </p:set>
+                                  </p:childTnLst>
+                                </p:cTn>
+                              </p:par>
+                              <p:par>
+                                <p:cTn id="7" presetID="1" presetClass="entr" presetSubtype="0" fill="hold" grpId="0" nodeType="withEffect">
+                                  <p:stCondLst>
+                                    <p:cond delay="0"/>
+                                  </p:stCondLst>
+                                  <p:childTnLst>
+                                    <p:set>
+                                      <p:cBhvr>
+                                        <p:cTn id="8" dur="1" fill="hold">
+                                          <p:stCondLst>
+                                            <p:cond delay="0"/>
+                                          </p:stCondLst>
+                                        </p:cTn>
+                                        <p:tgtEl>
+                                          <p:spTgt spid="5"/>
+                                        </p:tgtEl>
+                                        <p:attrNameLst>
+                                          <p:attrName>style.visibility</p:attrName>
+                                        </p:attrNameLst>
+                                      </p:cBhvr>
+                                      <p:to>
+                                        <p:strVal val="visible"/>
+                                      </p:to>
+                                    </p:set>
+                                  </p:childTnLst>
+                                </p:cTn>
+                              </p:par>
+                            </p:childTnLst>
+                          </p:cTn>
+                        </p:par>
+                      </p:childTnLst>
+                    </p:cTn>
+                  </p:par>
+                  <p:par>
+                    <p:cTn id="9" fill="hold">
+                      <p:stCondLst>
+                        <p:cond delay="indefinite"/>
+                      </p:stCondLst>
+                      <p:childTnLst>
+                        <p:par>
+                          <p:cTn id="10" fill="hold">
+                            <p:stCondLst>
+                              <p:cond delay="0"/>
+                            </p:stCondLst>
+                            <p:childTnLst>
+                              <p:par>
+                                <p:cTn id="11" presetID="1" presetClass="entr" presetSubtype="0" fill="hold" grpId="0" nodeType="clickEffect">
+                                  <p:stCondLst>
+                                    <p:cond delay="0"/>
+                                  </p:stCondLst>
+                                  <p:childTnLst>
+                                    <p:set>
+                                      <p:cBhvr>
+                                        <p:cTn id="12" dur="1" fill="hold">
                                           <p:stCondLst>
                                             <p:cond delay="0"/>
                                           </p:stCondLst>
@@ -14923,26 +19065,26 @@
                     </p:cTn>
                   </p:par>
                   <p:par>
-                    <p:cTn id="7" fill="hold">
+                    <p:cTn id="13" fill="hold">
                       <p:stCondLst>
                         <p:cond delay="indefinite"/>
                       </p:stCondLst>
                       <p:childTnLst>
                         <p:par>
-                          <p:cTn id="8" fill="hold">
+                          <p:cTn id="14" fill="hold">
                             <p:stCondLst>
                               <p:cond delay="0"/>
                             </p:stCondLst>
                             <p:childTnLst>
                               <p:par>
-                                <p:cTn id="9" presetID="1" presetClass="entr" presetSubtype="0" fill="hold" grpId="0" nodeType="clickEffect">
+                                <p:cTn id="15" presetID="1" presetClass="entr" presetSubtype="0" fill="hold" grpId="0" nodeType="clickEffect">
                                   <p:stCondLst>
                                     <p:cond delay="0"/>
                                   </p:stCondLst>
                                   <p:childTnLst>
                                     <p:set>
                                       <p:cBhvr>
-                                        <p:cTn id="10" dur="1" fill="hold">
+                                        <p:cTn id="16" dur="1" fill="hold">
                                           <p:stCondLst>
                                             <p:cond delay="0"/>
                                           </p:stCondLst>
@@ -14968,26 +19110,26 @@
                     </p:cTn>
                   </p:par>
                   <p:par>
-                    <p:cTn id="11" fill="hold">
+                    <p:cTn id="17" fill="hold">
                       <p:stCondLst>
                         <p:cond delay="indefinite"/>
                       </p:stCondLst>
                       <p:childTnLst>
                         <p:par>
-                          <p:cTn id="12" fill="hold">
+                          <p:cTn id="18" fill="hold">
                             <p:stCondLst>
                               <p:cond delay="0"/>
                             </p:stCondLst>
                             <p:childTnLst>
                               <p:par>
-                                <p:cTn id="13" presetID="1" presetClass="entr" presetSubtype="0" fill="hold" grpId="0" nodeType="clickEffect">
+                                <p:cTn id="19" presetID="1" presetClass="entr" presetSubtype="0" fill="hold" grpId="0" nodeType="clickEffect">
                                   <p:stCondLst>
                                     <p:cond delay="0"/>
                                   </p:stCondLst>
                                   <p:childTnLst>
                                     <p:set>
                                       <p:cBhvr>
-                                        <p:cTn id="14" dur="1" fill="hold">
+                                        <p:cTn id="20" dur="1" fill="hold">
                                           <p:stCondLst>
                                             <p:cond delay="0"/>
                                           </p:stCondLst>
@@ -15013,26 +19155,26 @@
                     </p:cTn>
                   </p:par>
                   <p:par>
-                    <p:cTn id="15" fill="hold">
+                    <p:cTn id="21" fill="hold">
                       <p:stCondLst>
                         <p:cond delay="indefinite"/>
                       </p:stCondLst>
                       <p:childTnLst>
                         <p:par>
-                          <p:cTn id="16" fill="hold">
+                          <p:cTn id="22" fill="hold">
                             <p:stCondLst>
                               <p:cond delay="0"/>
                             </p:stCondLst>
                             <p:childTnLst>
                               <p:par>
-                                <p:cTn id="17" presetID="1" presetClass="entr" presetSubtype="0" fill="hold" grpId="0" nodeType="clickEffect">
+                                <p:cTn id="23" presetID="1" presetClass="entr" presetSubtype="0" fill="hold" grpId="0" nodeType="clickEffect">
                                   <p:stCondLst>
                                     <p:cond delay="0"/>
                                   </p:stCondLst>
                                   <p:childTnLst>
                                     <p:set>
                                       <p:cBhvr>
-                                        <p:cTn id="18" dur="1" fill="hold">
+                                        <p:cTn id="24" dur="1" fill="hold">
                                           <p:stCondLst>
                                             <p:cond delay="0"/>
                                           </p:stCondLst>
@@ -15052,14 +19194,14 @@
                                 </p:cTn>
                               </p:par>
                               <p:par>
-                                <p:cTn id="19" presetID="1" presetClass="entr" presetSubtype="0" fill="hold" grpId="0" nodeType="withEffect">
+                                <p:cTn id="25" presetID="1" presetClass="entr" presetSubtype="0" fill="hold" grpId="0" nodeType="withEffect">
                                   <p:stCondLst>
                                     <p:cond delay="0"/>
                                   </p:stCondLst>
                                   <p:childTnLst>
                                     <p:set>
                                       <p:cBhvr>
-                                        <p:cTn id="20" dur="1" fill="hold">
+                                        <p:cTn id="26" dur="1" fill="hold">
                                           <p:stCondLst>
                                             <p:cond delay="0"/>
                                           </p:stCondLst>
@@ -15107,6 +19249,7 @@
     </p:tnLst>
     <p:bldLst>
       <p:bldP spid="10" grpId="0" animBg="1"/>
+      <p:bldP spid="5" grpId="0" animBg="1"/>
       <p:bldP spid="9" grpId="0" animBg="1"/>
       <p:bldP spid="11" grpId="0" animBg="1"/>
       <p:bldP spid="13" grpId="0" animBg="1"/>
@@ -16040,7 +20183,245 @@
                                           </p:stCondLst>
                                         </p:cTn>
                                         <p:tgtEl>
+                                          <p:spTgt spid="9"/>
+                                        </p:tgtEl>
+                                        <p:attrNameLst>
+                                          <p:attrName>style.visibility</p:attrName>
+                                        </p:attrNameLst>
+                                      </p:cBhvr>
+                                      <p:to>
+                                        <p:strVal val="visible"/>
+                                      </p:to>
+                                    </p:set>
+                                  </p:childTnLst>
+                                </p:cTn>
+                              </p:par>
+                            </p:childTnLst>
+                          </p:cTn>
+                        </p:par>
+                      </p:childTnLst>
+                    </p:cTn>
+                  </p:par>
+                  <p:par>
+                    <p:cTn id="7" fill="hold">
+                      <p:stCondLst>
+                        <p:cond delay="indefinite"/>
+                      </p:stCondLst>
+                      <p:childTnLst>
+                        <p:par>
+                          <p:cTn id="8" fill="hold">
+                            <p:stCondLst>
+                              <p:cond delay="0"/>
+                            </p:stCondLst>
+                            <p:childTnLst>
+                              <p:par>
+                                <p:cTn id="9" presetID="1" presetClass="entr" presetSubtype="0" fill="hold" nodeType="clickEffect">
+                                  <p:stCondLst>
+                                    <p:cond delay="0"/>
+                                  </p:stCondLst>
+                                  <p:childTnLst>
+                                    <p:set>
+                                      <p:cBhvr>
+                                        <p:cTn id="10" dur="1" fill="hold">
+                                          <p:stCondLst>
+                                            <p:cond delay="0"/>
+                                          </p:stCondLst>
+                                        </p:cTn>
+                                        <p:tgtEl>
+                                          <p:spTgt spid="3">
+                                            <p:txEl>
+                                              <p:pRg st="5" end="5"/>
+                                            </p:txEl>
+                                          </p:spTgt>
+                                        </p:tgtEl>
+                                        <p:attrNameLst>
+                                          <p:attrName>style.visibility</p:attrName>
+                                        </p:attrNameLst>
+                                      </p:cBhvr>
+                                      <p:to>
+                                        <p:strVal val="visible"/>
+                                      </p:to>
+                                    </p:set>
+                                  </p:childTnLst>
+                                </p:cTn>
+                              </p:par>
+                            </p:childTnLst>
+                          </p:cTn>
+                        </p:par>
+                      </p:childTnLst>
+                    </p:cTn>
+                  </p:par>
+                  <p:par>
+                    <p:cTn id="11" fill="hold">
+                      <p:stCondLst>
+                        <p:cond delay="indefinite"/>
+                      </p:stCondLst>
+                      <p:childTnLst>
+                        <p:par>
+                          <p:cTn id="12" fill="hold">
+                            <p:stCondLst>
+                              <p:cond delay="0"/>
+                            </p:stCondLst>
+                            <p:childTnLst>
+                              <p:par>
+                                <p:cTn id="13" presetID="1" presetClass="entr" presetSubtype="0" fill="hold" nodeType="clickEffect">
+                                  <p:stCondLst>
+                                    <p:cond delay="0"/>
+                                  </p:stCondLst>
+                                  <p:childTnLst>
+                                    <p:set>
+                                      <p:cBhvr>
+                                        <p:cTn id="14" dur="1" fill="hold">
+                                          <p:stCondLst>
+                                            <p:cond delay="0"/>
+                                          </p:stCondLst>
+                                        </p:cTn>
+                                        <p:tgtEl>
+                                          <p:spTgt spid="12"/>
+                                        </p:tgtEl>
+                                        <p:attrNameLst>
+                                          <p:attrName>style.visibility</p:attrName>
+                                        </p:attrNameLst>
+                                      </p:cBhvr>
+                                      <p:to>
+                                        <p:strVal val="visible"/>
+                                      </p:to>
+                                    </p:set>
+                                  </p:childTnLst>
+                                </p:cTn>
+                              </p:par>
+                              <p:par>
+                                <p:cTn id="15" presetID="1" presetClass="entr" presetSubtype="0" fill="hold" grpId="0" nodeType="withEffect">
+                                  <p:stCondLst>
+                                    <p:cond delay="0"/>
+                                  </p:stCondLst>
+                                  <p:childTnLst>
+                                    <p:set>
+                                      <p:cBhvr>
+                                        <p:cTn id="16" dur="1" fill="hold">
+                                          <p:stCondLst>
+                                            <p:cond delay="0"/>
+                                          </p:stCondLst>
+                                        </p:cTn>
+                                        <p:tgtEl>
+                                          <p:spTgt spid="13"/>
+                                        </p:tgtEl>
+                                        <p:attrNameLst>
+                                          <p:attrName>style.visibility</p:attrName>
+                                        </p:attrNameLst>
+                                      </p:cBhvr>
+                                      <p:to>
+                                        <p:strVal val="visible"/>
+                                      </p:to>
+                                    </p:set>
+                                  </p:childTnLst>
+                                </p:cTn>
+                              </p:par>
+                              <p:par>
+                                <p:cTn id="17" presetID="1" presetClass="entr" presetSubtype="0" fill="hold" nodeType="withEffect">
+                                  <p:stCondLst>
+                                    <p:cond delay="0"/>
+                                  </p:stCondLst>
+                                  <p:childTnLst>
+                                    <p:set>
+                                      <p:cBhvr>
+                                        <p:cTn id="18" dur="1" fill="hold">
+                                          <p:stCondLst>
+                                            <p:cond delay="0"/>
+                                          </p:stCondLst>
+                                        </p:cTn>
+                                        <p:tgtEl>
+                                          <p:spTgt spid="10"/>
+                                        </p:tgtEl>
+                                        <p:attrNameLst>
+                                          <p:attrName>style.visibility</p:attrName>
+                                        </p:attrNameLst>
+                                      </p:cBhvr>
+                                      <p:to>
+                                        <p:strVal val="visible"/>
+                                      </p:to>
+                                    </p:set>
+                                  </p:childTnLst>
+                                </p:cTn>
+                              </p:par>
+                            </p:childTnLst>
+                          </p:cTn>
+                        </p:par>
+                      </p:childTnLst>
+                    </p:cTn>
+                  </p:par>
+                  <p:par>
+                    <p:cTn id="19" fill="hold">
+                      <p:stCondLst>
+                        <p:cond delay="indefinite"/>
+                      </p:stCondLst>
+                      <p:childTnLst>
+                        <p:par>
+                          <p:cTn id="20" fill="hold">
+                            <p:stCondLst>
+                              <p:cond delay="0"/>
+                            </p:stCondLst>
+                            <p:childTnLst>
+                              <p:par>
+                                <p:cTn id="21" presetID="1" presetClass="entr" presetSubtype="0" fill="hold" grpId="0" nodeType="clickEffect">
+                                  <p:stCondLst>
+                                    <p:cond delay="0"/>
+                                  </p:stCondLst>
+                                  <p:childTnLst>
+                                    <p:set>
+                                      <p:cBhvr>
+                                        <p:cTn id="22" dur="1" fill="hold">
+                                          <p:stCondLst>
+                                            <p:cond delay="0"/>
+                                          </p:stCondLst>
+                                        </p:cTn>
+                                        <p:tgtEl>
                                           <p:spTgt spid="15"/>
+                                        </p:tgtEl>
+                                        <p:attrNameLst>
+                                          <p:attrName>style.visibility</p:attrName>
+                                        </p:attrNameLst>
+                                      </p:cBhvr>
+                                      <p:to>
+                                        <p:strVal val="visible"/>
+                                      </p:to>
+                                    </p:set>
+                                  </p:childTnLst>
+                                </p:cTn>
+                              </p:par>
+                            </p:childTnLst>
+                          </p:cTn>
+                        </p:par>
+                      </p:childTnLst>
+                    </p:cTn>
+                  </p:par>
+                  <p:par>
+                    <p:cTn id="23" fill="hold">
+                      <p:stCondLst>
+                        <p:cond delay="indefinite"/>
+                      </p:stCondLst>
+                      <p:childTnLst>
+                        <p:par>
+                          <p:cTn id="24" fill="hold">
+                            <p:stCondLst>
+                              <p:cond delay="0"/>
+                            </p:stCondLst>
+                            <p:childTnLst>
+                              <p:par>
+                                <p:cTn id="25" presetID="1" presetClass="entr" presetSubtype="0" fill="hold" grpId="0" nodeType="clickEffect">
+                                  <p:stCondLst>
+                                    <p:cond delay="0"/>
+                                  </p:stCondLst>
+                                  <p:childTnLst>
+                                    <p:set>
+                                      <p:cBhvr>
+                                        <p:cTn id="26" dur="1" fill="hold">
+                                          <p:stCondLst>
+                                            <p:cond delay="0"/>
+                                          </p:stCondLst>
+                                        </p:cTn>
+                                        <p:tgtEl>
+                                          <p:spTgt spid="14"/>
                                         </p:tgtEl>
                                         <p:attrNameLst>
                                           <p:attrName>style.visibility</p:attrName>
@@ -16081,7 +20462,10 @@
       </p:par>
     </p:tnLst>
     <p:bldLst>
+      <p:bldP spid="9" grpId="0" animBg="1"/>
+      <p:bldP spid="13" grpId="0" animBg="1"/>
       <p:bldP spid="15" grpId="0" animBg="1"/>
+      <p:bldP spid="14" grpId="0"/>
     </p:bldLst>
   </p:timing>
 </p:sld>
@@ -16689,6 +21073,365 @@
   <p:clrMapOvr>
     <a:masterClrMapping/>
   </p:clrMapOvr>
+  <p:timing>
+    <p:tnLst>
+      <p:par>
+        <p:cTn id="1" dur="indefinite" restart="never" nodeType="tmRoot">
+          <p:childTnLst>
+            <p:seq concurrent="1" nextAc="seek">
+              <p:cTn id="2" dur="indefinite" nodeType="mainSeq">
+                <p:childTnLst>
+                  <p:par>
+                    <p:cTn id="3" fill="hold">
+                      <p:stCondLst>
+                        <p:cond delay="indefinite"/>
+                      </p:stCondLst>
+                      <p:childTnLst>
+                        <p:par>
+                          <p:cTn id="4" fill="hold">
+                            <p:stCondLst>
+                              <p:cond delay="0"/>
+                            </p:stCondLst>
+                            <p:childTnLst>
+                              <p:par>
+                                <p:cTn id="5" presetID="1" presetClass="entr" presetSubtype="0" fill="hold" grpId="0" nodeType="clickEffect">
+                                  <p:stCondLst>
+                                    <p:cond delay="0"/>
+                                  </p:stCondLst>
+                                  <p:childTnLst>
+                                    <p:set>
+                                      <p:cBhvr>
+                                        <p:cTn id="6" dur="1" fill="hold">
+                                          <p:stCondLst>
+                                            <p:cond delay="0"/>
+                                          </p:stCondLst>
+                                        </p:cTn>
+                                        <p:tgtEl>
+                                          <p:spTgt spid="5"/>
+                                        </p:tgtEl>
+                                        <p:attrNameLst>
+                                          <p:attrName>style.visibility</p:attrName>
+                                        </p:attrNameLst>
+                                      </p:cBhvr>
+                                      <p:to>
+                                        <p:strVal val="visible"/>
+                                      </p:to>
+                                    </p:set>
+                                  </p:childTnLst>
+                                </p:cTn>
+                              </p:par>
+                              <p:par>
+                                <p:cTn id="7" presetID="1" presetClass="entr" presetSubtype="0" fill="hold" nodeType="withEffect">
+                                  <p:stCondLst>
+                                    <p:cond delay="0"/>
+                                  </p:stCondLst>
+                                  <p:childTnLst>
+                                    <p:set>
+                                      <p:cBhvr>
+                                        <p:cTn id="8" dur="1" fill="hold">
+                                          <p:stCondLst>
+                                            <p:cond delay="0"/>
+                                          </p:stCondLst>
+                                        </p:cTn>
+                                        <p:tgtEl>
+                                          <p:spTgt spid="5">
+                                            <p:txEl>
+                                              <p:pRg st="0" end="0"/>
+                                            </p:txEl>
+                                          </p:spTgt>
+                                        </p:tgtEl>
+                                        <p:attrNameLst>
+                                          <p:attrName>style.visibility</p:attrName>
+                                        </p:attrNameLst>
+                                      </p:cBhvr>
+                                      <p:to>
+                                        <p:strVal val="visible"/>
+                                      </p:to>
+                                    </p:set>
+                                  </p:childTnLst>
+                                </p:cTn>
+                              </p:par>
+                              <p:par>
+                                <p:cTn id="9" presetID="1" presetClass="entr" presetSubtype="0" fill="hold" nodeType="withEffect">
+                                  <p:stCondLst>
+                                    <p:cond delay="0"/>
+                                  </p:stCondLst>
+                                  <p:childTnLst>
+                                    <p:set>
+                                      <p:cBhvr>
+                                        <p:cTn id="10" dur="1" fill="hold">
+                                          <p:stCondLst>
+                                            <p:cond delay="0"/>
+                                          </p:stCondLst>
+                                        </p:cTn>
+                                        <p:tgtEl>
+                                          <p:spTgt spid="5">
+                                            <p:txEl>
+                                              <p:pRg st="1" end="1"/>
+                                            </p:txEl>
+                                          </p:spTgt>
+                                        </p:tgtEl>
+                                        <p:attrNameLst>
+                                          <p:attrName>style.visibility</p:attrName>
+                                        </p:attrNameLst>
+                                      </p:cBhvr>
+                                      <p:to>
+                                        <p:strVal val="visible"/>
+                                      </p:to>
+                                    </p:set>
+                                  </p:childTnLst>
+                                </p:cTn>
+                              </p:par>
+                              <p:par>
+                                <p:cTn id="11" presetID="1" presetClass="entr" presetSubtype="0" fill="hold" nodeType="withEffect">
+                                  <p:stCondLst>
+                                    <p:cond delay="0"/>
+                                  </p:stCondLst>
+                                  <p:childTnLst>
+                                    <p:set>
+                                      <p:cBhvr>
+                                        <p:cTn id="12" dur="1" fill="hold">
+                                          <p:stCondLst>
+                                            <p:cond delay="0"/>
+                                          </p:stCondLst>
+                                        </p:cTn>
+                                        <p:tgtEl>
+                                          <p:spTgt spid="5">
+                                            <p:txEl>
+                                              <p:pRg st="6" end="6"/>
+                                            </p:txEl>
+                                          </p:spTgt>
+                                        </p:tgtEl>
+                                        <p:attrNameLst>
+                                          <p:attrName>style.visibility</p:attrName>
+                                        </p:attrNameLst>
+                                      </p:cBhvr>
+                                      <p:to>
+                                        <p:strVal val="visible"/>
+                                      </p:to>
+                                    </p:set>
+                                  </p:childTnLst>
+                                </p:cTn>
+                              </p:par>
+                            </p:childTnLst>
+                          </p:cTn>
+                        </p:par>
+                      </p:childTnLst>
+                    </p:cTn>
+                  </p:par>
+                  <p:par>
+                    <p:cTn id="13" fill="hold">
+                      <p:stCondLst>
+                        <p:cond delay="indefinite"/>
+                      </p:stCondLst>
+                      <p:childTnLst>
+                        <p:par>
+                          <p:cTn id="14" fill="hold">
+                            <p:stCondLst>
+                              <p:cond delay="0"/>
+                            </p:stCondLst>
+                            <p:childTnLst>
+                              <p:par>
+                                <p:cTn id="15" presetID="1" presetClass="entr" presetSubtype="0" fill="hold" nodeType="clickEffect">
+                                  <p:stCondLst>
+                                    <p:cond delay="0"/>
+                                  </p:stCondLst>
+                                  <p:childTnLst>
+                                    <p:set>
+                                      <p:cBhvr>
+                                        <p:cTn id="16" dur="1" fill="hold">
+                                          <p:stCondLst>
+                                            <p:cond delay="0"/>
+                                          </p:stCondLst>
+                                        </p:cTn>
+                                        <p:tgtEl>
+                                          <p:spTgt spid="5">
+                                            <p:txEl>
+                                              <p:pRg st="2" end="2"/>
+                                            </p:txEl>
+                                          </p:spTgt>
+                                        </p:tgtEl>
+                                        <p:attrNameLst>
+                                          <p:attrName>style.visibility</p:attrName>
+                                        </p:attrNameLst>
+                                      </p:cBhvr>
+                                      <p:to>
+                                        <p:strVal val="visible"/>
+                                      </p:to>
+                                    </p:set>
+                                  </p:childTnLst>
+                                </p:cTn>
+                              </p:par>
+                              <p:par>
+                                <p:cTn id="17" presetID="1" presetClass="entr" presetSubtype="0" fill="hold" nodeType="withEffect">
+                                  <p:stCondLst>
+                                    <p:cond delay="0"/>
+                                  </p:stCondLst>
+                                  <p:childTnLst>
+                                    <p:set>
+                                      <p:cBhvr>
+                                        <p:cTn id="18" dur="1" fill="hold">
+                                          <p:stCondLst>
+                                            <p:cond delay="0"/>
+                                          </p:stCondLst>
+                                        </p:cTn>
+                                        <p:tgtEl>
+                                          <p:spTgt spid="5">
+                                            <p:txEl>
+                                              <p:pRg st="3" end="3"/>
+                                            </p:txEl>
+                                          </p:spTgt>
+                                        </p:tgtEl>
+                                        <p:attrNameLst>
+                                          <p:attrName>style.visibility</p:attrName>
+                                        </p:attrNameLst>
+                                      </p:cBhvr>
+                                      <p:to>
+                                        <p:strVal val="visible"/>
+                                      </p:to>
+                                    </p:set>
+                                  </p:childTnLst>
+                                </p:cTn>
+                              </p:par>
+                              <p:par>
+                                <p:cTn id="19" presetID="1" presetClass="entr" presetSubtype="0" fill="hold" nodeType="withEffect">
+                                  <p:stCondLst>
+                                    <p:cond delay="0"/>
+                                  </p:stCondLst>
+                                  <p:childTnLst>
+                                    <p:set>
+                                      <p:cBhvr>
+                                        <p:cTn id="20" dur="1" fill="hold">
+                                          <p:stCondLst>
+                                            <p:cond delay="0"/>
+                                          </p:stCondLst>
+                                        </p:cTn>
+                                        <p:tgtEl>
+                                          <p:spTgt spid="5">
+                                            <p:txEl>
+                                              <p:pRg st="4" end="4"/>
+                                            </p:txEl>
+                                          </p:spTgt>
+                                        </p:tgtEl>
+                                        <p:attrNameLst>
+                                          <p:attrName>style.visibility</p:attrName>
+                                        </p:attrNameLst>
+                                      </p:cBhvr>
+                                      <p:to>
+                                        <p:strVal val="visible"/>
+                                      </p:to>
+                                    </p:set>
+                                  </p:childTnLst>
+                                </p:cTn>
+                              </p:par>
+                              <p:par>
+                                <p:cTn id="21" presetID="1" presetClass="entr" presetSubtype="0" fill="hold" nodeType="withEffect">
+                                  <p:stCondLst>
+                                    <p:cond delay="0"/>
+                                  </p:stCondLst>
+                                  <p:childTnLst>
+                                    <p:set>
+                                      <p:cBhvr>
+                                        <p:cTn id="22" dur="1" fill="hold">
+                                          <p:stCondLst>
+                                            <p:cond delay="0"/>
+                                          </p:stCondLst>
+                                        </p:cTn>
+                                        <p:tgtEl>
+                                          <p:spTgt spid="5">
+                                            <p:txEl>
+                                              <p:pRg st="5" end="5"/>
+                                            </p:txEl>
+                                          </p:spTgt>
+                                        </p:tgtEl>
+                                        <p:attrNameLst>
+                                          <p:attrName>style.visibility</p:attrName>
+                                        </p:attrNameLst>
+                                      </p:cBhvr>
+                                      <p:to>
+                                        <p:strVal val="visible"/>
+                                      </p:to>
+                                    </p:set>
+                                  </p:childTnLst>
+                                </p:cTn>
+                              </p:par>
+                            </p:childTnLst>
+                          </p:cTn>
+                        </p:par>
+                      </p:childTnLst>
+                    </p:cTn>
+                  </p:par>
+                  <p:par>
+                    <p:cTn id="23" fill="hold">
+                      <p:stCondLst>
+                        <p:cond delay="indefinite"/>
+                      </p:stCondLst>
+                      <p:childTnLst>
+                        <p:par>
+                          <p:cTn id="24" fill="hold">
+                            <p:stCondLst>
+                              <p:cond delay="0"/>
+                            </p:stCondLst>
+                            <p:childTnLst>
+                              <p:par>
+                                <p:cTn id="25" presetID="1" presetClass="entr" presetSubtype="0" fill="hold" grpId="0" nodeType="clickEffect">
+                                  <p:stCondLst>
+                                    <p:cond delay="0"/>
+                                  </p:stCondLst>
+                                  <p:childTnLst>
+                                    <p:set>
+                                      <p:cBhvr>
+                                        <p:cTn id="26" dur="1" fill="hold">
+                                          <p:stCondLst>
+                                            <p:cond delay="0"/>
+                                          </p:stCondLst>
+                                        </p:cTn>
+                                        <p:tgtEl>
+                                          <p:spTgt spid="7"/>
+                                        </p:tgtEl>
+                                        <p:attrNameLst>
+                                          <p:attrName>style.visibility</p:attrName>
+                                        </p:attrNameLst>
+                                      </p:cBhvr>
+                                      <p:to>
+                                        <p:strVal val="visible"/>
+                                      </p:to>
+                                    </p:set>
+                                  </p:childTnLst>
+                                </p:cTn>
+                              </p:par>
+                            </p:childTnLst>
+                          </p:cTn>
+                        </p:par>
+                      </p:childTnLst>
+                    </p:cTn>
+                  </p:par>
+                </p:childTnLst>
+              </p:cTn>
+              <p:prevCondLst>
+                <p:cond evt="onPrev" delay="0">
+                  <p:tgtEl>
+                    <p:sldTgt/>
+                  </p:tgtEl>
+                </p:cond>
+              </p:prevCondLst>
+              <p:nextCondLst>
+                <p:cond evt="onNext" delay="0">
+                  <p:tgtEl>
+                    <p:sldTgt/>
+                  </p:tgtEl>
+                </p:cond>
+              </p:nextCondLst>
+            </p:seq>
+          </p:childTnLst>
+        </p:cTn>
+      </p:par>
+    </p:tnLst>
+    <p:bldLst>
+      <p:bldP spid="5" grpId="0" animBg="1"/>
+      <p:bldP spid="7" grpId="0"/>
+    </p:bldLst>
+  </p:timing>
 </p:sld>
 </file>
 
@@ -17302,6 +22045,419 @@
   <p:clrMapOvr>
     <a:masterClrMapping/>
   </p:clrMapOvr>
+  <p:timing>
+    <p:tnLst>
+      <p:par>
+        <p:cTn id="1" dur="indefinite" restart="never" nodeType="tmRoot">
+          <p:childTnLst>
+            <p:seq concurrent="1" nextAc="seek">
+              <p:cTn id="2" dur="indefinite" nodeType="mainSeq">
+                <p:childTnLst>
+                  <p:par>
+                    <p:cTn id="3" fill="hold">
+                      <p:stCondLst>
+                        <p:cond delay="indefinite"/>
+                      </p:stCondLst>
+                      <p:childTnLst>
+                        <p:par>
+                          <p:cTn id="4" fill="hold">
+                            <p:stCondLst>
+                              <p:cond delay="0"/>
+                            </p:stCondLst>
+                            <p:childTnLst>
+                              <p:par>
+                                <p:cTn id="5" presetID="1" presetClass="entr" presetSubtype="0" fill="hold" nodeType="clickEffect">
+                                  <p:stCondLst>
+                                    <p:cond delay="0"/>
+                                  </p:stCondLst>
+                                  <p:childTnLst>
+                                    <p:set>
+                                      <p:cBhvr>
+                                        <p:cTn id="6" dur="1" fill="hold">
+                                          <p:stCondLst>
+                                            <p:cond delay="0"/>
+                                          </p:stCondLst>
+                                        </p:cTn>
+                                        <p:tgtEl>
+                                          <p:spTgt spid="3">
+                                            <p:txEl>
+                                              <p:pRg st="1" end="1"/>
+                                            </p:txEl>
+                                          </p:spTgt>
+                                        </p:tgtEl>
+                                        <p:attrNameLst>
+                                          <p:attrName>style.visibility</p:attrName>
+                                        </p:attrNameLst>
+                                      </p:cBhvr>
+                                      <p:to>
+                                        <p:strVal val="visible"/>
+                                      </p:to>
+                                    </p:set>
+                                  </p:childTnLst>
+                                </p:cTn>
+                              </p:par>
+                            </p:childTnLst>
+                          </p:cTn>
+                        </p:par>
+                      </p:childTnLst>
+                    </p:cTn>
+                  </p:par>
+                  <p:par>
+                    <p:cTn id="7" fill="hold">
+                      <p:stCondLst>
+                        <p:cond delay="indefinite"/>
+                      </p:stCondLst>
+                      <p:childTnLst>
+                        <p:par>
+                          <p:cTn id="8" fill="hold">
+                            <p:stCondLst>
+                              <p:cond delay="0"/>
+                            </p:stCondLst>
+                            <p:childTnLst>
+                              <p:par>
+                                <p:cTn id="9" presetID="1" presetClass="entr" presetSubtype="0" fill="hold" grpId="0" nodeType="clickEffect">
+                                  <p:stCondLst>
+                                    <p:cond delay="0"/>
+                                  </p:stCondLst>
+                                  <p:childTnLst>
+                                    <p:set>
+                                      <p:cBhvr>
+                                        <p:cTn id="10" dur="1" fill="hold">
+                                          <p:stCondLst>
+                                            <p:cond delay="0"/>
+                                          </p:stCondLst>
+                                        </p:cTn>
+                                        <p:tgtEl>
+                                          <p:spTgt spid="5"/>
+                                        </p:tgtEl>
+                                        <p:attrNameLst>
+                                          <p:attrName>style.visibility</p:attrName>
+                                        </p:attrNameLst>
+                                      </p:cBhvr>
+                                      <p:to>
+                                        <p:strVal val="visible"/>
+                                      </p:to>
+                                    </p:set>
+                                  </p:childTnLst>
+                                </p:cTn>
+                              </p:par>
+                              <p:par>
+                                <p:cTn id="11" presetID="1" presetClass="entr" presetSubtype="0" fill="hold" nodeType="withEffect">
+                                  <p:stCondLst>
+                                    <p:cond delay="0"/>
+                                  </p:stCondLst>
+                                  <p:childTnLst>
+                                    <p:set>
+                                      <p:cBhvr>
+                                        <p:cTn id="12" dur="1" fill="hold">
+                                          <p:stCondLst>
+                                            <p:cond delay="0"/>
+                                          </p:stCondLst>
+                                        </p:cTn>
+                                        <p:tgtEl>
+                                          <p:spTgt spid="5">
+                                            <p:txEl>
+                                              <p:pRg st="0" end="0"/>
+                                            </p:txEl>
+                                          </p:spTgt>
+                                        </p:tgtEl>
+                                        <p:attrNameLst>
+                                          <p:attrName>style.visibility</p:attrName>
+                                        </p:attrNameLst>
+                                      </p:cBhvr>
+                                      <p:to>
+                                        <p:strVal val="visible"/>
+                                      </p:to>
+                                    </p:set>
+                                  </p:childTnLst>
+                                </p:cTn>
+                              </p:par>
+                            </p:childTnLst>
+                          </p:cTn>
+                        </p:par>
+                      </p:childTnLst>
+                    </p:cTn>
+                  </p:par>
+                  <p:par>
+                    <p:cTn id="13" fill="hold">
+                      <p:stCondLst>
+                        <p:cond delay="indefinite"/>
+                      </p:stCondLst>
+                      <p:childTnLst>
+                        <p:par>
+                          <p:cTn id="14" fill="hold">
+                            <p:stCondLst>
+                              <p:cond delay="0"/>
+                            </p:stCondLst>
+                            <p:childTnLst>
+                              <p:par>
+                                <p:cTn id="15" presetID="1" presetClass="entr" presetSubtype="0" fill="hold" nodeType="clickEffect">
+                                  <p:stCondLst>
+                                    <p:cond delay="0"/>
+                                  </p:stCondLst>
+                                  <p:childTnLst>
+                                    <p:set>
+                                      <p:cBhvr>
+                                        <p:cTn id="16" dur="1" fill="hold">
+                                          <p:stCondLst>
+                                            <p:cond delay="0"/>
+                                          </p:stCondLst>
+                                        </p:cTn>
+                                        <p:tgtEl>
+                                          <p:spTgt spid="5">
+                                            <p:txEl>
+                                              <p:pRg st="1" end="1"/>
+                                            </p:txEl>
+                                          </p:spTgt>
+                                        </p:tgtEl>
+                                        <p:attrNameLst>
+                                          <p:attrName>style.visibility</p:attrName>
+                                        </p:attrNameLst>
+                                      </p:cBhvr>
+                                      <p:to>
+                                        <p:strVal val="visible"/>
+                                      </p:to>
+                                    </p:set>
+                                  </p:childTnLst>
+                                </p:cTn>
+                              </p:par>
+                              <p:par>
+                                <p:cTn id="17" presetID="1" presetClass="entr" presetSubtype="0" fill="hold" nodeType="withEffect">
+                                  <p:stCondLst>
+                                    <p:cond delay="0"/>
+                                  </p:stCondLst>
+                                  <p:childTnLst>
+                                    <p:set>
+                                      <p:cBhvr>
+                                        <p:cTn id="18" dur="1" fill="hold">
+                                          <p:stCondLst>
+                                            <p:cond delay="0"/>
+                                          </p:stCondLst>
+                                        </p:cTn>
+                                        <p:tgtEl>
+                                          <p:spTgt spid="5">
+                                            <p:txEl>
+                                              <p:pRg st="2" end="2"/>
+                                            </p:txEl>
+                                          </p:spTgt>
+                                        </p:tgtEl>
+                                        <p:attrNameLst>
+                                          <p:attrName>style.visibility</p:attrName>
+                                        </p:attrNameLst>
+                                      </p:cBhvr>
+                                      <p:to>
+                                        <p:strVal val="visible"/>
+                                      </p:to>
+                                    </p:set>
+                                  </p:childTnLst>
+                                </p:cTn>
+                              </p:par>
+                              <p:par>
+                                <p:cTn id="19" presetID="1" presetClass="entr" presetSubtype="0" fill="hold" nodeType="withEffect">
+                                  <p:stCondLst>
+                                    <p:cond delay="0"/>
+                                  </p:stCondLst>
+                                  <p:childTnLst>
+                                    <p:set>
+                                      <p:cBhvr>
+                                        <p:cTn id="20" dur="1" fill="hold">
+                                          <p:stCondLst>
+                                            <p:cond delay="0"/>
+                                          </p:stCondLst>
+                                        </p:cTn>
+                                        <p:tgtEl>
+                                          <p:spTgt spid="5">
+                                            <p:txEl>
+                                              <p:pRg st="4" end="4"/>
+                                            </p:txEl>
+                                          </p:spTgt>
+                                        </p:tgtEl>
+                                        <p:attrNameLst>
+                                          <p:attrName>style.visibility</p:attrName>
+                                        </p:attrNameLst>
+                                      </p:cBhvr>
+                                      <p:to>
+                                        <p:strVal val="visible"/>
+                                      </p:to>
+                                    </p:set>
+                                  </p:childTnLst>
+                                </p:cTn>
+                              </p:par>
+                            </p:childTnLst>
+                          </p:cTn>
+                        </p:par>
+                      </p:childTnLst>
+                    </p:cTn>
+                  </p:par>
+                  <p:par>
+                    <p:cTn id="21" fill="hold">
+                      <p:stCondLst>
+                        <p:cond delay="indefinite"/>
+                      </p:stCondLst>
+                      <p:childTnLst>
+                        <p:par>
+                          <p:cTn id="22" fill="hold">
+                            <p:stCondLst>
+                              <p:cond delay="0"/>
+                            </p:stCondLst>
+                            <p:childTnLst>
+                              <p:par>
+                                <p:cTn id="23" presetID="1" presetClass="entr" presetSubtype="0" fill="hold" nodeType="clickEffect">
+                                  <p:stCondLst>
+                                    <p:cond delay="0"/>
+                                  </p:stCondLst>
+                                  <p:childTnLst>
+                                    <p:set>
+                                      <p:cBhvr>
+                                        <p:cTn id="24" dur="1" fill="hold">
+                                          <p:stCondLst>
+                                            <p:cond delay="0"/>
+                                          </p:stCondLst>
+                                        </p:cTn>
+                                        <p:tgtEl>
+                                          <p:spTgt spid="5">
+                                            <p:txEl>
+                                              <p:pRg st="3" end="3"/>
+                                            </p:txEl>
+                                          </p:spTgt>
+                                        </p:tgtEl>
+                                        <p:attrNameLst>
+                                          <p:attrName>style.visibility</p:attrName>
+                                        </p:attrNameLst>
+                                      </p:cBhvr>
+                                      <p:to>
+                                        <p:strVal val="visible"/>
+                                      </p:to>
+                                    </p:set>
+                                  </p:childTnLst>
+                                </p:cTn>
+                              </p:par>
+                            </p:childTnLst>
+                          </p:cTn>
+                        </p:par>
+                      </p:childTnLst>
+                    </p:cTn>
+                  </p:par>
+                  <p:par>
+                    <p:cTn id="25" fill="hold">
+                      <p:stCondLst>
+                        <p:cond delay="indefinite"/>
+                      </p:stCondLst>
+                      <p:childTnLst>
+                        <p:par>
+                          <p:cTn id="26" fill="hold">
+                            <p:stCondLst>
+                              <p:cond delay="0"/>
+                            </p:stCondLst>
+                            <p:childTnLst>
+                              <p:par>
+                                <p:cTn id="27" presetID="1" presetClass="entr" presetSubtype="0" fill="hold" nodeType="clickEffect">
+                                  <p:stCondLst>
+                                    <p:cond delay="0"/>
+                                  </p:stCondLst>
+                                  <p:childTnLst>
+                                    <p:set>
+                                      <p:cBhvr>
+                                        <p:cTn id="28" dur="1" fill="hold">
+                                          <p:stCondLst>
+                                            <p:cond delay="0"/>
+                                          </p:stCondLst>
+                                        </p:cTn>
+                                        <p:tgtEl>
+                                          <p:spTgt spid="5">
+                                            <p:txEl>
+                                              <p:pRg st="5" end="5"/>
+                                            </p:txEl>
+                                          </p:spTgt>
+                                        </p:tgtEl>
+                                        <p:attrNameLst>
+                                          <p:attrName>style.visibility</p:attrName>
+                                        </p:attrNameLst>
+                                      </p:cBhvr>
+                                      <p:to>
+                                        <p:strVal val="visible"/>
+                                      </p:to>
+                                    </p:set>
+                                  </p:childTnLst>
+                                </p:cTn>
+                              </p:par>
+                            </p:childTnLst>
+                          </p:cTn>
+                        </p:par>
+                      </p:childTnLst>
+                    </p:cTn>
+                  </p:par>
+                  <p:par>
+                    <p:cTn id="29" fill="hold">
+                      <p:stCondLst>
+                        <p:cond delay="indefinite"/>
+                      </p:stCondLst>
+                      <p:childTnLst>
+                        <p:par>
+                          <p:cTn id="30" fill="hold">
+                            <p:stCondLst>
+                              <p:cond delay="0"/>
+                            </p:stCondLst>
+                            <p:childTnLst>
+                              <p:par>
+                                <p:cTn id="31" presetID="1" presetClass="entr" presetSubtype="0" fill="hold" grpId="0" nodeType="clickEffect">
+                                  <p:stCondLst>
+                                    <p:cond delay="0"/>
+                                  </p:stCondLst>
+                                  <p:childTnLst>
+                                    <p:set>
+                                      <p:cBhvr>
+                                        <p:cTn id="32" dur="1" fill="hold">
+                                          <p:stCondLst>
+                                            <p:cond delay="0"/>
+                                          </p:stCondLst>
+                                        </p:cTn>
+                                        <p:tgtEl>
+                                          <p:spTgt spid="7"/>
+                                        </p:tgtEl>
+                                        <p:attrNameLst>
+                                          <p:attrName>style.visibility</p:attrName>
+                                        </p:attrNameLst>
+                                      </p:cBhvr>
+                                      <p:to>
+                                        <p:strVal val="visible"/>
+                                      </p:to>
+                                    </p:set>
+                                  </p:childTnLst>
+                                </p:cTn>
+                              </p:par>
+                            </p:childTnLst>
+                          </p:cTn>
+                        </p:par>
+                      </p:childTnLst>
+                    </p:cTn>
+                  </p:par>
+                </p:childTnLst>
+              </p:cTn>
+              <p:prevCondLst>
+                <p:cond evt="onPrev" delay="0">
+                  <p:tgtEl>
+                    <p:sldTgt/>
+                  </p:tgtEl>
+                </p:cond>
+              </p:prevCondLst>
+              <p:nextCondLst>
+                <p:cond evt="onNext" delay="0">
+                  <p:tgtEl>
+                    <p:sldTgt/>
+                  </p:tgtEl>
+                </p:cond>
+              </p:nextCondLst>
+            </p:seq>
+          </p:childTnLst>
+        </p:cTn>
+      </p:par>
+    </p:tnLst>
+    <p:bldLst>
+      <p:bldP spid="5" grpId="0" animBg="1"/>
+      <p:bldP spid="7" grpId="0"/>
+    </p:bldLst>
+  </p:timing>
 </p:sld>
 </file>
 
@@ -18463,6 +23619,522 @@
   <p:clrMapOvr>
     <a:masterClrMapping/>
   </p:clrMapOvr>
+  <p:timing>
+    <p:tnLst>
+      <p:par>
+        <p:cTn id="1" dur="indefinite" restart="never" nodeType="tmRoot">
+          <p:childTnLst>
+            <p:seq concurrent="1" nextAc="seek">
+              <p:cTn id="2" dur="indefinite" nodeType="mainSeq">
+                <p:childTnLst>
+                  <p:par>
+                    <p:cTn id="3" fill="hold">
+                      <p:stCondLst>
+                        <p:cond delay="indefinite"/>
+                      </p:stCondLst>
+                      <p:childTnLst>
+                        <p:par>
+                          <p:cTn id="4" fill="hold">
+                            <p:stCondLst>
+                              <p:cond delay="0"/>
+                            </p:stCondLst>
+                            <p:childTnLst>
+                              <p:par>
+                                <p:cTn id="5" presetID="1" presetClass="entr" presetSubtype="0" fill="hold" nodeType="clickEffect">
+                                  <p:stCondLst>
+                                    <p:cond delay="0"/>
+                                  </p:stCondLst>
+                                  <p:childTnLst>
+                                    <p:set>
+                                      <p:cBhvr>
+                                        <p:cTn id="6" dur="1" fill="hold">
+                                          <p:stCondLst>
+                                            <p:cond delay="0"/>
+                                          </p:stCondLst>
+                                        </p:cTn>
+                                        <p:tgtEl>
+                                          <p:spTgt spid="3">
+                                            <p:txEl>
+                                              <p:pRg st="1" end="1"/>
+                                            </p:txEl>
+                                          </p:spTgt>
+                                        </p:tgtEl>
+                                        <p:attrNameLst>
+                                          <p:attrName>style.visibility</p:attrName>
+                                        </p:attrNameLst>
+                                      </p:cBhvr>
+                                      <p:to>
+                                        <p:strVal val="visible"/>
+                                      </p:to>
+                                    </p:set>
+                                  </p:childTnLst>
+                                </p:cTn>
+                              </p:par>
+                            </p:childTnLst>
+                          </p:cTn>
+                        </p:par>
+                      </p:childTnLst>
+                    </p:cTn>
+                  </p:par>
+                  <p:par>
+                    <p:cTn id="7" fill="hold">
+                      <p:stCondLst>
+                        <p:cond delay="indefinite"/>
+                      </p:stCondLst>
+                      <p:childTnLst>
+                        <p:par>
+                          <p:cTn id="8" fill="hold">
+                            <p:stCondLst>
+                              <p:cond delay="0"/>
+                            </p:stCondLst>
+                            <p:childTnLst>
+                              <p:par>
+                                <p:cTn id="9" presetID="1" presetClass="entr" presetSubtype="0" fill="hold" nodeType="clickEffect">
+                                  <p:stCondLst>
+                                    <p:cond delay="0"/>
+                                  </p:stCondLst>
+                                  <p:childTnLst>
+                                    <p:set>
+                                      <p:cBhvr>
+                                        <p:cTn id="10" dur="1" fill="hold">
+                                          <p:stCondLst>
+                                            <p:cond delay="0"/>
+                                          </p:stCondLst>
+                                        </p:cTn>
+                                        <p:tgtEl>
+                                          <p:spTgt spid="3">
+                                            <p:txEl>
+                                              <p:pRg st="2" end="2"/>
+                                            </p:txEl>
+                                          </p:spTgt>
+                                        </p:tgtEl>
+                                        <p:attrNameLst>
+                                          <p:attrName>style.visibility</p:attrName>
+                                        </p:attrNameLst>
+                                      </p:cBhvr>
+                                      <p:to>
+                                        <p:strVal val="visible"/>
+                                      </p:to>
+                                    </p:set>
+                                  </p:childTnLst>
+                                </p:cTn>
+                              </p:par>
+                            </p:childTnLst>
+                          </p:cTn>
+                        </p:par>
+                      </p:childTnLst>
+                    </p:cTn>
+                  </p:par>
+                  <p:par>
+                    <p:cTn id="11" fill="hold">
+                      <p:stCondLst>
+                        <p:cond delay="indefinite"/>
+                      </p:stCondLst>
+                      <p:childTnLst>
+                        <p:par>
+                          <p:cTn id="12" fill="hold">
+                            <p:stCondLst>
+                              <p:cond delay="0"/>
+                            </p:stCondLst>
+                            <p:childTnLst>
+                              <p:par>
+                                <p:cTn id="13" presetID="1" presetClass="entr" presetSubtype="0" fill="hold" nodeType="clickEffect">
+                                  <p:stCondLst>
+                                    <p:cond delay="0"/>
+                                  </p:stCondLst>
+                                  <p:childTnLst>
+                                    <p:set>
+                                      <p:cBhvr>
+                                        <p:cTn id="14" dur="1" fill="hold">
+                                          <p:stCondLst>
+                                            <p:cond delay="0"/>
+                                          </p:stCondLst>
+                                        </p:cTn>
+                                        <p:tgtEl>
+                                          <p:spTgt spid="3">
+                                            <p:txEl>
+                                              <p:pRg st="3" end="3"/>
+                                            </p:txEl>
+                                          </p:spTgt>
+                                        </p:tgtEl>
+                                        <p:attrNameLst>
+                                          <p:attrName>style.visibility</p:attrName>
+                                        </p:attrNameLst>
+                                      </p:cBhvr>
+                                      <p:to>
+                                        <p:strVal val="visible"/>
+                                      </p:to>
+                                    </p:set>
+                                  </p:childTnLst>
+                                </p:cTn>
+                              </p:par>
+                            </p:childTnLst>
+                          </p:cTn>
+                        </p:par>
+                      </p:childTnLst>
+                    </p:cTn>
+                  </p:par>
+                  <p:par>
+                    <p:cTn id="15" fill="hold">
+                      <p:stCondLst>
+                        <p:cond delay="indefinite"/>
+                      </p:stCondLst>
+                      <p:childTnLst>
+                        <p:par>
+                          <p:cTn id="16" fill="hold">
+                            <p:stCondLst>
+                              <p:cond delay="0"/>
+                            </p:stCondLst>
+                            <p:childTnLst>
+                              <p:par>
+                                <p:cTn id="17" presetID="1" presetClass="entr" presetSubtype="0" fill="hold" nodeType="clickEffect">
+                                  <p:stCondLst>
+                                    <p:cond delay="0"/>
+                                  </p:stCondLst>
+                                  <p:childTnLst>
+                                    <p:set>
+                                      <p:cBhvr>
+                                        <p:cTn id="18" dur="1" fill="hold">
+                                          <p:stCondLst>
+                                            <p:cond delay="0"/>
+                                          </p:stCondLst>
+                                        </p:cTn>
+                                        <p:tgtEl>
+                                          <p:spTgt spid="3">
+                                            <p:txEl>
+                                              <p:pRg st="4" end="4"/>
+                                            </p:txEl>
+                                          </p:spTgt>
+                                        </p:tgtEl>
+                                        <p:attrNameLst>
+                                          <p:attrName>style.visibility</p:attrName>
+                                        </p:attrNameLst>
+                                      </p:cBhvr>
+                                      <p:to>
+                                        <p:strVal val="visible"/>
+                                      </p:to>
+                                    </p:set>
+                                  </p:childTnLst>
+                                </p:cTn>
+                              </p:par>
+                              <p:par>
+                                <p:cTn id="19" presetID="1" presetClass="entr" presetSubtype="0" fill="hold" grpId="0" nodeType="withEffect">
+                                  <p:stCondLst>
+                                    <p:cond delay="0"/>
+                                  </p:stCondLst>
+                                  <p:childTnLst>
+                                    <p:set>
+                                      <p:cBhvr>
+                                        <p:cTn id="20" dur="1" fill="hold">
+                                          <p:stCondLst>
+                                            <p:cond delay="0"/>
+                                          </p:stCondLst>
+                                        </p:cTn>
+                                        <p:tgtEl>
+                                          <p:spTgt spid="10"/>
+                                        </p:tgtEl>
+                                        <p:attrNameLst>
+                                          <p:attrName>style.visibility</p:attrName>
+                                        </p:attrNameLst>
+                                      </p:cBhvr>
+                                      <p:to>
+                                        <p:strVal val="visible"/>
+                                      </p:to>
+                                    </p:set>
+                                  </p:childTnLst>
+                                </p:cTn>
+                              </p:par>
+                              <p:par>
+                                <p:cTn id="21" presetID="1" presetClass="entr" presetSubtype="0" fill="hold" grpId="0" nodeType="withEffect">
+                                  <p:stCondLst>
+                                    <p:cond delay="0"/>
+                                  </p:stCondLst>
+                                  <p:childTnLst>
+                                    <p:set>
+                                      <p:cBhvr>
+                                        <p:cTn id="22" dur="1" fill="hold">
+                                          <p:stCondLst>
+                                            <p:cond delay="0"/>
+                                          </p:stCondLst>
+                                        </p:cTn>
+                                        <p:tgtEl>
+                                          <p:spTgt spid="12"/>
+                                        </p:tgtEl>
+                                        <p:attrNameLst>
+                                          <p:attrName>style.visibility</p:attrName>
+                                        </p:attrNameLst>
+                                      </p:cBhvr>
+                                      <p:to>
+                                        <p:strVal val="visible"/>
+                                      </p:to>
+                                    </p:set>
+                                  </p:childTnLst>
+                                </p:cTn>
+                              </p:par>
+                              <p:par>
+                                <p:cTn id="23" presetID="1" presetClass="entr" presetSubtype="0" fill="hold" grpId="0" nodeType="withEffect">
+                                  <p:stCondLst>
+                                    <p:cond delay="0"/>
+                                  </p:stCondLst>
+                                  <p:childTnLst>
+                                    <p:set>
+                                      <p:cBhvr>
+                                        <p:cTn id="24" dur="1" fill="hold">
+                                          <p:stCondLst>
+                                            <p:cond delay="0"/>
+                                          </p:stCondLst>
+                                        </p:cTn>
+                                        <p:tgtEl>
+                                          <p:spTgt spid="11"/>
+                                        </p:tgtEl>
+                                        <p:attrNameLst>
+                                          <p:attrName>style.visibility</p:attrName>
+                                        </p:attrNameLst>
+                                      </p:cBhvr>
+                                      <p:to>
+                                        <p:strVal val="visible"/>
+                                      </p:to>
+                                    </p:set>
+                                  </p:childTnLst>
+                                </p:cTn>
+                              </p:par>
+                            </p:childTnLst>
+                          </p:cTn>
+                        </p:par>
+                      </p:childTnLst>
+                    </p:cTn>
+                  </p:par>
+                  <p:par>
+                    <p:cTn id="25" fill="hold">
+                      <p:stCondLst>
+                        <p:cond delay="indefinite"/>
+                      </p:stCondLst>
+                      <p:childTnLst>
+                        <p:par>
+                          <p:cTn id="26" fill="hold">
+                            <p:stCondLst>
+                              <p:cond delay="0"/>
+                            </p:stCondLst>
+                            <p:childTnLst>
+                              <p:par>
+                                <p:cTn id="27" presetID="1" presetClass="entr" presetSubtype="0" fill="hold" grpId="0" nodeType="clickEffect">
+                                  <p:stCondLst>
+                                    <p:cond delay="0"/>
+                                  </p:stCondLst>
+                                  <p:childTnLst>
+                                    <p:set>
+                                      <p:cBhvr>
+                                        <p:cTn id="28" dur="1" fill="hold">
+                                          <p:stCondLst>
+                                            <p:cond delay="0"/>
+                                          </p:stCondLst>
+                                        </p:cTn>
+                                        <p:tgtEl>
+                                          <p:spTgt spid="7"/>
+                                        </p:tgtEl>
+                                        <p:attrNameLst>
+                                          <p:attrName>style.visibility</p:attrName>
+                                        </p:attrNameLst>
+                                      </p:cBhvr>
+                                      <p:to>
+                                        <p:strVal val="visible"/>
+                                      </p:to>
+                                    </p:set>
+                                  </p:childTnLst>
+                                </p:cTn>
+                              </p:par>
+                              <p:par>
+                                <p:cTn id="29" presetID="1" presetClass="entr" presetSubtype="0" fill="hold" grpId="0" nodeType="withEffect">
+                                  <p:stCondLst>
+                                    <p:cond delay="0"/>
+                                  </p:stCondLst>
+                                  <p:childTnLst>
+                                    <p:set>
+                                      <p:cBhvr>
+                                        <p:cTn id="30" dur="1" fill="hold">
+                                          <p:stCondLst>
+                                            <p:cond delay="0"/>
+                                          </p:stCondLst>
+                                        </p:cTn>
+                                        <p:tgtEl>
+                                          <p:spTgt spid="9"/>
+                                        </p:tgtEl>
+                                        <p:attrNameLst>
+                                          <p:attrName>style.visibility</p:attrName>
+                                        </p:attrNameLst>
+                                      </p:cBhvr>
+                                      <p:to>
+                                        <p:strVal val="visible"/>
+                                      </p:to>
+                                    </p:set>
+                                  </p:childTnLst>
+                                </p:cTn>
+                              </p:par>
+                              <p:par>
+                                <p:cTn id="31" presetID="1" presetClass="entr" presetSubtype="0" fill="hold" grpId="0" nodeType="withEffect">
+                                  <p:stCondLst>
+                                    <p:cond delay="0"/>
+                                  </p:stCondLst>
+                                  <p:childTnLst>
+                                    <p:set>
+                                      <p:cBhvr>
+                                        <p:cTn id="32" dur="1" fill="hold">
+                                          <p:stCondLst>
+                                            <p:cond delay="0"/>
+                                          </p:stCondLst>
+                                        </p:cTn>
+                                        <p:tgtEl>
+                                          <p:spTgt spid="8"/>
+                                        </p:tgtEl>
+                                        <p:attrNameLst>
+                                          <p:attrName>style.visibility</p:attrName>
+                                        </p:attrNameLst>
+                                      </p:cBhvr>
+                                      <p:to>
+                                        <p:strVal val="visible"/>
+                                      </p:to>
+                                    </p:set>
+                                  </p:childTnLst>
+                                </p:cTn>
+                              </p:par>
+                            </p:childTnLst>
+                          </p:cTn>
+                        </p:par>
+                      </p:childTnLst>
+                    </p:cTn>
+                  </p:par>
+                  <p:par>
+                    <p:cTn id="33" fill="hold">
+                      <p:stCondLst>
+                        <p:cond delay="indefinite"/>
+                      </p:stCondLst>
+                      <p:childTnLst>
+                        <p:par>
+                          <p:cTn id="34" fill="hold">
+                            <p:stCondLst>
+                              <p:cond delay="0"/>
+                            </p:stCondLst>
+                            <p:childTnLst>
+                              <p:par>
+                                <p:cTn id="35" presetID="1" presetClass="entr" presetSubtype="0" fill="hold" grpId="0" nodeType="clickEffect">
+                                  <p:stCondLst>
+                                    <p:cond delay="0"/>
+                                  </p:stCondLst>
+                                  <p:childTnLst>
+                                    <p:set>
+                                      <p:cBhvr>
+                                        <p:cTn id="36" dur="1" fill="hold">
+                                          <p:stCondLst>
+                                            <p:cond delay="0"/>
+                                          </p:stCondLst>
+                                        </p:cTn>
+                                        <p:tgtEl>
+                                          <p:spTgt spid="13"/>
+                                        </p:tgtEl>
+                                        <p:attrNameLst>
+                                          <p:attrName>style.visibility</p:attrName>
+                                        </p:attrNameLst>
+                                      </p:cBhvr>
+                                      <p:to>
+                                        <p:strVal val="visible"/>
+                                      </p:to>
+                                    </p:set>
+                                  </p:childTnLst>
+                                </p:cTn>
+                              </p:par>
+                              <p:par>
+                                <p:cTn id="37" presetID="1" presetClass="entr" presetSubtype="0" fill="hold" grpId="0" nodeType="withEffect">
+                                  <p:stCondLst>
+                                    <p:cond delay="0"/>
+                                  </p:stCondLst>
+                                  <p:childTnLst>
+                                    <p:set>
+                                      <p:cBhvr>
+                                        <p:cTn id="38" dur="1" fill="hold">
+                                          <p:stCondLst>
+                                            <p:cond delay="0"/>
+                                          </p:stCondLst>
+                                        </p:cTn>
+                                        <p:tgtEl>
+                                          <p:spTgt spid="15"/>
+                                        </p:tgtEl>
+                                        <p:attrNameLst>
+                                          <p:attrName>style.visibility</p:attrName>
+                                        </p:attrNameLst>
+                                      </p:cBhvr>
+                                      <p:to>
+                                        <p:strVal val="visible"/>
+                                      </p:to>
+                                    </p:set>
+                                  </p:childTnLst>
+                                </p:cTn>
+                              </p:par>
+                              <p:par>
+                                <p:cTn id="39" presetID="1" presetClass="entr" presetSubtype="0" fill="hold" grpId="0" nodeType="withEffect">
+                                  <p:stCondLst>
+                                    <p:cond delay="0"/>
+                                  </p:stCondLst>
+                                  <p:childTnLst>
+                                    <p:set>
+                                      <p:cBhvr>
+                                        <p:cTn id="40" dur="1" fill="hold">
+                                          <p:stCondLst>
+                                            <p:cond delay="0"/>
+                                          </p:stCondLst>
+                                        </p:cTn>
+                                        <p:tgtEl>
+                                          <p:spTgt spid="14"/>
+                                        </p:tgtEl>
+                                        <p:attrNameLst>
+                                          <p:attrName>style.visibility</p:attrName>
+                                        </p:attrNameLst>
+                                      </p:cBhvr>
+                                      <p:to>
+                                        <p:strVal val="visible"/>
+                                      </p:to>
+                                    </p:set>
+                                  </p:childTnLst>
+                                </p:cTn>
+                              </p:par>
+                            </p:childTnLst>
+                          </p:cTn>
+                        </p:par>
+                      </p:childTnLst>
+                    </p:cTn>
+                  </p:par>
+                </p:childTnLst>
+              </p:cTn>
+              <p:prevCondLst>
+                <p:cond evt="onPrev" delay="0">
+                  <p:tgtEl>
+                    <p:sldTgt/>
+                  </p:tgtEl>
+                </p:cond>
+              </p:prevCondLst>
+              <p:nextCondLst>
+                <p:cond evt="onNext" delay="0">
+                  <p:tgtEl>
+                    <p:sldTgt/>
+                  </p:tgtEl>
+                </p:cond>
+              </p:nextCondLst>
+            </p:seq>
+          </p:childTnLst>
+        </p:cTn>
+      </p:par>
+    </p:tnLst>
+    <p:bldLst>
+      <p:bldP spid="7" grpId="0" animBg="1"/>
+      <p:bldP spid="8" grpId="0" animBg="1"/>
+      <p:bldP spid="9" grpId="0" animBg="1"/>
+      <p:bldP spid="10" grpId="0" animBg="1"/>
+      <p:bldP spid="11" grpId="0" animBg="1"/>
+      <p:bldP spid="12" grpId="0" animBg="1"/>
+      <p:bldP spid="13" grpId="0" animBg="1"/>
+      <p:bldP spid="14" grpId="0" animBg="1"/>
+      <p:bldP spid="15" grpId="0" animBg="1"/>
+    </p:bldLst>
+  </p:timing>
 </p:sld>
 </file>
 
@@ -18979,6 +24651,533 @@
   <p:clrMapOvr>
     <a:masterClrMapping/>
   </p:clrMapOvr>
+  <p:timing>
+    <p:tnLst>
+      <p:par>
+        <p:cTn id="1" dur="indefinite" restart="never" nodeType="tmRoot">
+          <p:childTnLst>
+            <p:seq concurrent="1" nextAc="seek">
+              <p:cTn id="2" dur="indefinite" nodeType="mainSeq">
+                <p:childTnLst>
+                  <p:par>
+                    <p:cTn id="3" fill="hold">
+                      <p:stCondLst>
+                        <p:cond delay="indefinite"/>
+                        <p:cond evt="onBegin" delay="0">
+                          <p:tn val="2"/>
+                        </p:cond>
+                      </p:stCondLst>
+                      <p:childTnLst>
+                        <p:par>
+                          <p:cTn id="4" fill="hold">
+                            <p:stCondLst>
+                              <p:cond delay="0"/>
+                            </p:stCondLst>
+                            <p:childTnLst>
+                              <p:par>
+                                <p:cTn id="5" presetID="1" presetClass="entr" presetSubtype="0" fill="hold" grpId="0" nodeType="withEffect">
+                                  <p:stCondLst>
+                                    <p:cond delay="0"/>
+                                  </p:stCondLst>
+                                  <p:childTnLst>
+                                    <p:set>
+                                      <p:cBhvr>
+                                        <p:cTn id="6" dur="1" fill="hold">
+                                          <p:stCondLst>
+                                            <p:cond delay="0"/>
+                                          </p:stCondLst>
+                                        </p:cTn>
+                                        <p:tgtEl>
+                                          <p:spTgt spid="5"/>
+                                        </p:tgtEl>
+                                        <p:attrNameLst>
+                                          <p:attrName>style.visibility</p:attrName>
+                                        </p:attrNameLst>
+                                      </p:cBhvr>
+                                      <p:to>
+                                        <p:strVal val="visible"/>
+                                      </p:to>
+                                    </p:set>
+                                  </p:childTnLst>
+                                </p:cTn>
+                              </p:par>
+                              <p:par>
+                                <p:cTn id="7" presetID="1" presetClass="entr" presetSubtype="0" fill="hold" nodeType="withEffect">
+                                  <p:stCondLst>
+                                    <p:cond delay="0"/>
+                                  </p:stCondLst>
+                                  <p:childTnLst>
+                                    <p:set>
+                                      <p:cBhvr>
+                                        <p:cTn id="8" dur="1" fill="hold">
+                                          <p:stCondLst>
+                                            <p:cond delay="0"/>
+                                          </p:stCondLst>
+                                        </p:cTn>
+                                        <p:tgtEl>
+                                          <p:spTgt spid="5">
+                                            <p:txEl>
+                                              <p:pRg st="0" end="0"/>
+                                            </p:txEl>
+                                          </p:spTgt>
+                                        </p:tgtEl>
+                                        <p:attrNameLst>
+                                          <p:attrName>style.visibility</p:attrName>
+                                        </p:attrNameLst>
+                                      </p:cBhvr>
+                                      <p:to>
+                                        <p:strVal val="visible"/>
+                                      </p:to>
+                                    </p:set>
+                                  </p:childTnLst>
+                                </p:cTn>
+                              </p:par>
+                              <p:par>
+                                <p:cTn id="9" presetID="1" presetClass="entr" presetSubtype="0" fill="hold" nodeType="withEffect">
+                                  <p:stCondLst>
+                                    <p:cond delay="0"/>
+                                  </p:stCondLst>
+                                  <p:childTnLst>
+                                    <p:set>
+                                      <p:cBhvr>
+                                        <p:cTn id="10" dur="1" fill="hold">
+                                          <p:stCondLst>
+                                            <p:cond delay="0"/>
+                                          </p:stCondLst>
+                                        </p:cTn>
+                                        <p:tgtEl>
+                                          <p:spTgt spid="5">
+                                            <p:txEl>
+                                              <p:pRg st="1" end="1"/>
+                                            </p:txEl>
+                                          </p:spTgt>
+                                        </p:tgtEl>
+                                        <p:attrNameLst>
+                                          <p:attrName>style.visibility</p:attrName>
+                                        </p:attrNameLst>
+                                      </p:cBhvr>
+                                      <p:to>
+                                        <p:strVal val="visible"/>
+                                      </p:to>
+                                    </p:set>
+                                  </p:childTnLst>
+                                </p:cTn>
+                              </p:par>
+                            </p:childTnLst>
+                          </p:cTn>
+                        </p:par>
+                      </p:childTnLst>
+                    </p:cTn>
+                  </p:par>
+                  <p:par>
+                    <p:cTn id="11" fill="hold">
+                      <p:stCondLst>
+                        <p:cond delay="indefinite"/>
+                      </p:stCondLst>
+                      <p:childTnLst>
+                        <p:par>
+                          <p:cTn id="12" fill="hold">
+                            <p:stCondLst>
+                              <p:cond delay="0"/>
+                            </p:stCondLst>
+                            <p:childTnLst>
+                              <p:par>
+                                <p:cTn id="13" presetID="1" presetClass="entr" presetSubtype="0" fill="hold" nodeType="clickEffect">
+                                  <p:stCondLst>
+                                    <p:cond delay="0"/>
+                                  </p:stCondLst>
+                                  <p:childTnLst>
+                                    <p:set>
+                                      <p:cBhvr>
+                                        <p:cTn id="14" dur="1" fill="hold">
+                                          <p:stCondLst>
+                                            <p:cond delay="0"/>
+                                          </p:stCondLst>
+                                        </p:cTn>
+                                        <p:tgtEl>
+                                          <p:spTgt spid="5">
+                                            <p:txEl>
+                                              <p:pRg st="2" end="2"/>
+                                            </p:txEl>
+                                          </p:spTgt>
+                                        </p:tgtEl>
+                                        <p:attrNameLst>
+                                          <p:attrName>style.visibility</p:attrName>
+                                        </p:attrNameLst>
+                                      </p:cBhvr>
+                                      <p:to>
+                                        <p:strVal val="visible"/>
+                                      </p:to>
+                                    </p:set>
+                                  </p:childTnLst>
+                                </p:cTn>
+                              </p:par>
+                            </p:childTnLst>
+                          </p:cTn>
+                        </p:par>
+                      </p:childTnLst>
+                    </p:cTn>
+                  </p:par>
+                  <p:par>
+                    <p:cTn id="15" fill="hold">
+                      <p:stCondLst>
+                        <p:cond delay="indefinite"/>
+                      </p:stCondLst>
+                      <p:childTnLst>
+                        <p:par>
+                          <p:cTn id="16" fill="hold">
+                            <p:stCondLst>
+                              <p:cond delay="0"/>
+                            </p:stCondLst>
+                            <p:childTnLst>
+                              <p:par>
+                                <p:cTn id="17" presetID="1" presetClass="entr" presetSubtype="0" fill="hold" nodeType="clickEffect">
+                                  <p:stCondLst>
+                                    <p:cond delay="0"/>
+                                  </p:stCondLst>
+                                  <p:childTnLst>
+                                    <p:set>
+                                      <p:cBhvr>
+                                        <p:cTn id="18" dur="1" fill="hold">
+                                          <p:stCondLst>
+                                            <p:cond delay="0"/>
+                                          </p:stCondLst>
+                                        </p:cTn>
+                                        <p:tgtEl>
+                                          <p:spTgt spid="5">
+                                            <p:txEl>
+                                              <p:pRg st="3" end="3"/>
+                                            </p:txEl>
+                                          </p:spTgt>
+                                        </p:tgtEl>
+                                        <p:attrNameLst>
+                                          <p:attrName>style.visibility</p:attrName>
+                                        </p:attrNameLst>
+                                      </p:cBhvr>
+                                      <p:to>
+                                        <p:strVal val="visible"/>
+                                      </p:to>
+                                    </p:set>
+                                  </p:childTnLst>
+                                </p:cTn>
+                              </p:par>
+                            </p:childTnLst>
+                          </p:cTn>
+                        </p:par>
+                      </p:childTnLst>
+                    </p:cTn>
+                  </p:par>
+                  <p:par>
+                    <p:cTn id="19" fill="hold">
+                      <p:stCondLst>
+                        <p:cond delay="indefinite"/>
+                      </p:stCondLst>
+                      <p:childTnLst>
+                        <p:par>
+                          <p:cTn id="20" fill="hold">
+                            <p:stCondLst>
+                              <p:cond delay="0"/>
+                            </p:stCondLst>
+                            <p:childTnLst>
+                              <p:par>
+                                <p:cTn id="21" presetID="1" presetClass="entr" presetSubtype="0" fill="hold" nodeType="clickEffect">
+                                  <p:stCondLst>
+                                    <p:cond delay="0"/>
+                                  </p:stCondLst>
+                                  <p:childTnLst>
+                                    <p:set>
+                                      <p:cBhvr>
+                                        <p:cTn id="22" dur="1" fill="hold">
+                                          <p:stCondLst>
+                                            <p:cond delay="0"/>
+                                          </p:stCondLst>
+                                        </p:cTn>
+                                        <p:tgtEl>
+                                          <p:spTgt spid="5">
+                                            <p:txEl>
+                                              <p:pRg st="4" end="4"/>
+                                            </p:txEl>
+                                          </p:spTgt>
+                                        </p:tgtEl>
+                                        <p:attrNameLst>
+                                          <p:attrName>style.visibility</p:attrName>
+                                        </p:attrNameLst>
+                                      </p:cBhvr>
+                                      <p:to>
+                                        <p:strVal val="visible"/>
+                                      </p:to>
+                                    </p:set>
+                                  </p:childTnLst>
+                                </p:cTn>
+                              </p:par>
+                              <p:par>
+                                <p:cTn id="23" presetID="1" presetClass="entr" presetSubtype="0" fill="hold" nodeType="withEffect">
+                                  <p:stCondLst>
+                                    <p:cond delay="0"/>
+                                  </p:stCondLst>
+                                  <p:childTnLst>
+                                    <p:set>
+                                      <p:cBhvr>
+                                        <p:cTn id="24" dur="1" fill="hold">
+                                          <p:stCondLst>
+                                            <p:cond delay="0"/>
+                                          </p:stCondLst>
+                                        </p:cTn>
+                                        <p:tgtEl>
+                                          <p:spTgt spid="5">
+                                            <p:txEl>
+                                              <p:pRg st="5" end="5"/>
+                                            </p:txEl>
+                                          </p:spTgt>
+                                        </p:tgtEl>
+                                        <p:attrNameLst>
+                                          <p:attrName>style.visibility</p:attrName>
+                                        </p:attrNameLst>
+                                      </p:cBhvr>
+                                      <p:to>
+                                        <p:strVal val="visible"/>
+                                      </p:to>
+                                    </p:set>
+                                  </p:childTnLst>
+                                </p:cTn>
+                              </p:par>
+                              <p:par>
+                                <p:cTn id="25" presetID="1" presetClass="entr" presetSubtype="0" fill="hold" nodeType="withEffect">
+                                  <p:stCondLst>
+                                    <p:cond delay="0"/>
+                                  </p:stCondLst>
+                                  <p:childTnLst>
+                                    <p:set>
+                                      <p:cBhvr>
+                                        <p:cTn id="26" dur="1" fill="hold">
+                                          <p:stCondLst>
+                                            <p:cond delay="0"/>
+                                          </p:stCondLst>
+                                        </p:cTn>
+                                        <p:tgtEl>
+                                          <p:spTgt spid="5">
+                                            <p:txEl>
+                                              <p:pRg st="8" end="8"/>
+                                            </p:txEl>
+                                          </p:spTgt>
+                                        </p:tgtEl>
+                                        <p:attrNameLst>
+                                          <p:attrName>style.visibility</p:attrName>
+                                        </p:attrNameLst>
+                                      </p:cBhvr>
+                                      <p:to>
+                                        <p:strVal val="visible"/>
+                                      </p:to>
+                                    </p:set>
+                                  </p:childTnLst>
+                                </p:cTn>
+                              </p:par>
+                            </p:childTnLst>
+                          </p:cTn>
+                        </p:par>
+                      </p:childTnLst>
+                    </p:cTn>
+                  </p:par>
+                  <p:par>
+                    <p:cTn id="27" fill="hold">
+                      <p:stCondLst>
+                        <p:cond delay="indefinite"/>
+                      </p:stCondLst>
+                      <p:childTnLst>
+                        <p:par>
+                          <p:cTn id="28" fill="hold">
+                            <p:stCondLst>
+                              <p:cond delay="0"/>
+                            </p:stCondLst>
+                            <p:childTnLst>
+                              <p:par>
+                                <p:cTn id="29" presetID="1" presetClass="entr" presetSubtype="0" fill="hold" nodeType="clickEffect">
+                                  <p:stCondLst>
+                                    <p:cond delay="0"/>
+                                  </p:stCondLst>
+                                  <p:childTnLst>
+                                    <p:set>
+                                      <p:cBhvr>
+                                        <p:cTn id="30" dur="1" fill="hold">
+                                          <p:stCondLst>
+                                            <p:cond delay="0"/>
+                                          </p:stCondLst>
+                                        </p:cTn>
+                                        <p:tgtEl>
+                                          <p:spTgt spid="5">
+                                            <p:txEl>
+                                              <p:pRg st="6" end="6"/>
+                                            </p:txEl>
+                                          </p:spTgt>
+                                        </p:tgtEl>
+                                        <p:attrNameLst>
+                                          <p:attrName>style.visibility</p:attrName>
+                                        </p:attrNameLst>
+                                      </p:cBhvr>
+                                      <p:to>
+                                        <p:strVal val="visible"/>
+                                      </p:to>
+                                    </p:set>
+                                  </p:childTnLst>
+                                </p:cTn>
+                              </p:par>
+                              <p:par>
+                                <p:cTn id="31" presetID="1" presetClass="entr" presetSubtype="0" fill="hold" nodeType="withEffect">
+                                  <p:stCondLst>
+                                    <p:cond delay="0"/>
+                                  </p:stCondLst>
+                                  <p:childTnLst>
+                                    <p:set>
+                                      <p:cBhvr>
+                                        <p:cTn id="32" dur="1" fill="hold">
+                                          <p:stCondLst>
+                                            <p:cond delay="0"/>
+                                          </p:stCondLst>
+                                        </p:cTn>
+                                        <p:tgtEl>
+                                          <p:spTgt spid="5">
+                                            <p:txEl>
+                                              <p:pRg st="7" end="7"/>
+                                            </p:txEl>
+                                          </p:spTgt>
+                                        </p:tgtEl>
+                                        <p:attrNameLst>
+                                          <p:attrName>style.visibility</p:attrName>
+                                        </p:attrNameLst>
+                                      </p:cBhvr>
+                                      <p:to>
+                                        <p:strVal val="visible"/>
+                                      </p:to>
+                                    </p:set>
+                                  </p:childTnLst>
+                                </p:cTn>
+                              </p:par>
+                            </p:childTnLst>
+                          </p:cTn>
+                        </p:par>
+                      </p:childTnLst>
+                    </p:cTn>
+                  </p:par>
+                  <p:par>
+                    <p:cTn id="33" fill="hold">
+                      <p:stCondLst>
+                        <p:cond delay="indefinite"/>
+                      </p:stCondLst>
+                      <p:childTnLst>
+                        <p:par>
+                          <p:cTn id="34" fill="hold">
+                            <p:stCondLst>
+                              <p:cond delay="0"/>
+                            </p:stCondLst>
+                            <p:childTnLst>
+                              <p:par>
+                                <p:cTn id="35" presetID="1" presetClass="entr" presetSubtype="0" fill="hold" nodeType="clickEffect">
+                                  <p:stCondLst>
+                                    <p:cond delay="0"/>
+                                  </p:stCondLst>
+                                  <p:childTnLst>
+                                    <p:set>
+                                      <p:cBhvr>
+                                        <p:cTn id="36" dur="1" fill="hold">
+                                          <p:stCondLst>
+                                            <p:cond delay="0"/>
+                                          </p:stCondLst>
+                                        </p:cTn>
+                                        <p:tgtEl>
+                                          <p:spTgt spid="5">
+                                            <p:txEl>
+                                              <p:pRg st="9" end="9"/>
+                                            </p:txEl>
+                                          </p:spTgt>
+                                        </p:tgtEl>
+                                        <p:attrNameLst>
+                                          <p:attrName>style.visibility</p:attrName>
+                                        </p:attrNameLst>
+                                      </p:cBhvr>
+                                      <p:to>
+                                        <p:strVal val="visible"/>
+                                      </p:to>
+                                    </p:set>
+                                  </p:childTnLst>
+                                </p:cTn>
+                              </p:par>
+                            </p:childTnLst>
+                          </p:cTn>
+                        </p:par>
+                      </p:childTnLst>
+                    </p:cTn>
+                  </p:par>
+                  <p:par>
+                    <p:cTn id="37" fill="hold">
+                      <p:stCondLst>
+                        <p:cond delay="indefinite"/>
+                      </p:stCondLst>
+                      <p:childTnLst>
+                        <p:par>
+                          <p:cTn id="38" fill="hold">
+                            <p:stCondLst>
+                              <p:cond delay="0"/>
+                            </p:stCondLst>
+                            <p:childTnLst>
+                              <p:par>
+                                <p:cTn id="39" presetID="1" presetClass="entr" presetSubtype="0" fill="hold" grpId="0" nodeType="clickEffect">
+                                  <p:stCondLst>
+                                    <p:cond delay="0"/>
+                                  </p:stCondLst>
+                                  <p:childTnLst>
+                                    <p:set>
+                                      <p:cBhvr>
+                                        <p:cTn id="40" dur="1" fill="hold">
+                                          <p:stCondLst>
+                                            <p:cond delay="0"/>
+                                          </p:stCondLst>
+                                        </p:cTn>
+                                        <p:tgtEl>
+                                          <p:spTgt spid="7"/>
+                                        </p:tgtEl>
+                                        <p:attrNameLst>
+                                          <p:attrName>style.visibility</p:attrName>
+                                        </p:attrNameLst>
+                                      </p:cBhvr>
+                                      <p:to>
+                                        <p:strVal val="visible"/>
+                                      </p:to>
+                                    </p:set>
+                                  </p:childTnLst>
+                                </p:cTn>
+                              </p:par>
+                            </p:childTnLst>
+                          </p:cTn>
+                        </p:par>
+                      </p:childTnLst>
+                    </p:cTn>
+                  </p:par>
+                </p:childTnLst>
+              </p:cTn>
+              <p:prevCondLst>
+                <p:cond evt="onPrev" delay="0">
+                  <p:tgtEl>
+                    <p:sldTgt/>
+                  </p:tgtEl>
+                </p:cond>
+              </p:prevCondLst>
+              <p:nextCondLst>
+                <p:cond evt="onNext" delay="0">
+                  <p:tgtEl>
+                    <p:sldTgt/>
+                  </p:tgtEl>
+                </p:cond>
+              </p:nextCondLst>
+            </p:seq>
+          </p:childTnLst>
+        </p:cTn>
+      </p:par>
+    </p:tnLst>
+    <p:bldLst>
+      <p:bldP spid="5" grpId="0" animBg="1"/>
+      <p:bldP spid="7" grpId="0"/>
+    </p:bldLst>
+  </p:timing>
 </p:sld>
 </file>
 
